--- a/projects/13-Hopcroft/slides/presentation_hopcrofts.pptx
+++ b/projects/13-Hopcroft/slides/presentation_hopcrofts.pptx
@@ -141,1737 +141,10 @@
 <file path=ppt/revisionInfo.xml><?xml version="1.0" encoding="utf-8"?>
 <p1510:revInfo xmlns:a="http://schemas.openxmlformats.org/drawingml/2006/main" xmlns:r="http://schemas.openxmlformats.org/officeDocument/2006/relationships" xmlns:p1510="http://schemas.microsoft.com/office/powerpoint/2015/10/main">
   <p1510:revLst>
-    <p1510:client id="{A7D9F03F-3A74-6A9F-FA88-0B4329338486}" v="894" dt="2025-04-22T21:09:14.246"/>
-    <p1510:client id="{C07F7384-005B-A24E-86AD-30D26DF57478}" v="2361" dt="2025-04-22T21:09:56.102"/>
-    <p1510:client id="{FCA91D92-BAA2-A0FB-B696-A0D6193EBC54}" v="32" dt="2025-04-22T21:10:28.521"/>
+    <p1510:client id="{946AE931-FBD4-4031-297B-9A645D5AF2EC}" v="593" dt="2025-04-25T03:17:28.550"/>
+    <p1510:client id="{DF53C20F-C156-1E02-70B2-648EDAE5B1C5}" v="6" dt="2025-04-25T05:05:20.613"/>
   </p1510:revLst>
 </p1510:revInfo>
-</file>
-
-<file path=ppt/changesInfos/changesInfo1.xml><?xml version="1.0" encoding="utf-8"?>
-<pc:chgInfo xmlns:a="http://schemas.openxmlformats.org/drawingml/2006/main" xmlns:r="http://schemas.openxmlformats.org/officeDocument/2006/relationships" xmlns:ac="http://schemas.microsoft.com/office/drawing/2013/main/command" xmlns:pc="http://schemas.microsoft.com/office/powerpoint/2013/main/command">
-  <pc:docChgLst>
-    <pc:chgData name="Tessier, Peter Joshua (fpv5gr)" userId="S::fpv5gr@virginia.edu::88642e0f-3c7a-4789-9ad4-18e09f611a56" providerId="AD" clId="Web-{A7D9F03F-3A74-6A9F-FA88-0B4329338486}"/>
-    <pc:docChg chg="addSld delSld modSld">
-      <pc:chgData name="Tessier, Peter Joshua (fpv5gr)" userId="S::fpv5gr@virginia.edu::88642e0f-3c7a-4789-9ad4-18e09f611a56" providerId="AD" clId="Web-{A7D9F03F-3A74-6A9F-FA88-0B4329338486}" dt="2025-04-22T21:09:14.246" v="573" actId="1076"/>
-      <pc:docMkLst>
-        <pc:docMk/>
-      </pc:docMkLst>
-      <pc:sldChg chg="modSp">
-        <pc:chgData name="Tessier, Peter Joshua (fpv5gr)" userId="S::fpv5gr@virginia.edu::88642e0f-3c7a-4789-9ad4-18e09f611a56" providerId="AD" clId="Web-{A7D9F03F-3A74-6A9F-FA88-0B4329338486}" dt="2025-04-22T21:09:14.246" v="573" actId="1076"/>
-        <pc:sldMkLst>
-          <pc:docMk/>
-          <pc:sldMk cId="1922674425" sldId="286"/>
-        </pc:sldMkLst>
-        <pc:spChg chg="mod">
-          <ac:chgData name="Tessier, Peter Joshua (fpv5gr)" userId="S::fpv5gr@virginia.edu::88642e0f-3c7a-4789-9ad4-18e09f611a56" providerId="AD" clId="Web-{A7D9F03F-3A74-6A9F-FA88-0B4329338486}" dt="2025-04-22T21:09:14.246" v="573" actId="1076"/>
-          <ac:spMkLst>
-            <pc:docMk/>
-            <pc:sldMk cId="1922674425" sldId="286"/>
-            <ac:spMk id="21" creationId="{767E0EDE-F53A-8341-AC3F-C90A9D29D276}"/>
-          </ac:spMkLst>
-        </pc:spChg>
-      </pc:sldChg>
-      <pc:sldChg chg="addSp delSp modSp">
-        <pc:chgData name="Tessier, Peter Joshua (fpv5gr)" userId="S::fpv5gr@virginia.edu::88642e0f-3c7a-4789-9ad4-18e09f611a56" providerId="AD" clId="Web-{A7D9F03F-3A74-6A9F-FA88-0B4329338486}" dt="2025-04-22T19:44:09.306" v="192" actId="20577"/>
-        <pc:sldMkLst>
-          <pc:docMk/>
-          <pc:sldMk cId="3380446973" sldId="367"/>
-        </pc:sldMkLst>
-        <pc:spChg chg="add mod">
-          <ac:chgData name="Tessier, Peter Joshua (fpv5gr)" userId="S::fpv5gr@virginia.edu::88642e0f-3c7a-4789-9ad4-18e09f611a56" providerId="AD" clId="Web-{A7D9F03F-3A74-6A9F-FA88-0B4329338486}" dt="2025-04-22T19:36:15.492" v="88" actId="1076"/>
-          <ac:spMkLst>
-            <pc:docMk/>
-            <pc:sldMk cId="3380446973" sldId="367"/>
-            <ac:spMk id="2" creationId="{0B068D46-2632-0480-39C7-0CA43C918578}"/>
-          </ac:spMkLst>
-        </pc:spChg>
-        <pc:spChg chg="mod">
-          <ac:chgData name="Tessier, Peter Joshua (fpv5gr)" userId="S::fpv5gr@virginia.edu::88642e0f-3c7a-4789-9ad4-18e09f611a56" providerId="AD" clId="Web-{A7D9F03F-3A74-6A9F-FA88-0B4329338486}" dt="2025-04-22T19:44:09.306" v="192" actId="20577"/>
-          <ac:spMkLst>
-            <pc:docMk/>
-            <pc:sldMk cId="3380446973" sldId="367"/>
-            <ac:spMk id="5" creationId="{93004EAD-0B3D-3318-9BDF-BB0E7EC63CFB}"/>
-          </ac:spMkLst>
-        </pc:spChg>
-        <pc:spChg chg="mod">
-          <ac:chgData name="Tessier, Peter Joshua (fpv5gr)" userId="S::fpv5gr@virginia.edu::88642e0f-3c7a-4789-9ad4-18e09f611a56" providerId="AD" clId="Web-{A7D9F03F-3A74-6A9F-FA88-0B4329338486}" dt="2025-04-22T19:33:33.866" v="32" actId="20577"/>
-          <ac:spMkLst>
-            <pc:docMk/>
-            <pc:sldMk cId="3380446973" sldId="367"/>
-            <ac:spMk id="6" creationId="{CEDA7E1F-EA10-664E-B135-4A53E08CED96}"/>
-          </ac:spMkLst>
-        </pc:spChg>
-        <pc:spChg chg="add mod">
-          <ac:chgData name="Tessier, Peter Joshua (fpv5gr)" userId="S::fpv5gr@virginia.edu::88642e0f-3c7a-4789-9ad4-18e09f611a56" providerId="AD" clId="Web-{A7D9F03F-3A74-6A9F-FA88-0B4329338486}" dt="2025-04-22T19:36:09.710" v="87" actId="14100"/>
-          <ac:spMkLst>
-            <pc:docMk/>
-            <pc:sldMk cId="3380446973" sldId="367"/>
-            <ac:spMk id="11" creationId="{890F7960-91C4-8F01-FD06-6B75FDBA582A}"/>
-          </ac:spMkLst>
-        </pc:spChg>
-        <pc:inkChg chg="add del">
-          <ac:chgData name="Tessier, Peter Joshua (fpv5gr)" userId="S::fpv5gr@virginia.edu::88642e0f-3c7a-4789-9ad4-18e09f611a56" providerId="AD" clId="Web-{A7D9F03F-3A74-6A9F-FA88-0B4329338486}" dt="2025-04-22T19:34:02.882" v="74"/>
-          <ac:inkMkLst>
-            <pc:docMk/>
-            <pc:sldMk cId="3380446973" sldId="367"/>
-            <ac:inkMk id="3" creationId="{8F70FCD2-1083-6C13-05EA-957C7C0731C9}"/>
-          </ac:inkMkLst>
-        </pc:inkChg>
-        <pc:inkChg chg="add del">
-          <ac:chgData name="Tessier, Peter Joshua (fpv5gr)" userId="S::fpv5gr@virginia.edu::88642e0f-3c7a-4789-9ad4-18e09f611a56" providerId="AD" clId="Web-{A7D9F03F-3A74-6A9F-FA88-0B4329338486}" dt="2025-04-22T19:34:21.913" v="76"/>
-          <ac:inkMkLst>
-            <pc:docMk/>
-            <pc:sldMk cId="3380446973" sldId="367"/>
-            <ac:inkMk id="4" creationId="{432B6ED7-F58D-8D09-95BA-AC5D400A336D}"/>
-          </ac:inkMkLst>
-        </pc:inkChg>
-        <pc:inkChg chg="add del">
-          <ac:chgData name="Tessier, Peter Joshua (fpv5gr)" userId="S::fpv5gr@virginia.edu::88642e0f-3c7a-4789-9ad4-18e09f611a56" providerId="AD" clId="Web-{A7D9F03F-3A74-6A9F-FA88-0B4329338486}" dt="2025-04-22T19:34:27.975" v="78"/>
-          <ac:inkMkLst>
-            <pc:docMk/>
-            <pc:sldMk cId="3380446973" sldId="367"/>
-            <ac:inkMk id="7" creationId="{CE22130B-A0DA-2523-01EE-312ECC7F6020}"/>
-          </ac:inkMkLst>
-        </pc:inkChg>
-        <pc:inkChg chg="add del">
-          <ac:chgData name="Tessier, Peter Joshua (fpv5gr)" userId="S::fpv5gr@virginia.edu::88642e0f-3c7a-4789-9ad4-18e09f611a56" providerId="AD" clId="Web-{A7D9F03F-3A74-6A9F-FA88-0B4329338486}" dt="2025-04-22T19:35:59.570" v="85"/>
-          <ac:inkMkLst>
-            <pc:docMk/>
-            <pc:sldMk cId="3380446973" sldId="367"/>
-            <ac:inkMk id="8" creationId="{CD641DF0-1207-257D-0E20-AAB1BF5408A5}"/>
-          </ac:inkMkLst>
-        </pc:inkChg>
-        <pc:inkChg chg="add del">
-          <ac:chgData name="Tessier, Peter Joshua (fpv5gr)" userId="S::fpv5gr@virginia.edu::88642e0f-3c7a-4789-9ad4-18e09f611a56" providerId="AD" clId="Web-{A7D9F03F-3A74-6A9F-FA88-0B4329338486}" dt="2025-04-22T19:34:38.569" v="81"/>
-          <ac:inkMkLst>
-            <pc:docMk/>
-            <pc:sldMk cId="3380446973" sldId="367"/>
-            <ac:inkMk id="9" creationId="{213F6FC0-A57D-6C7B-B7BC-5103CB16CC9B}"/>
-          </ac:inkMkLst>
-        </pc:inkChg>
-        <pc:inkChg chg="add del">
-          <ac:chgData name="Tessier, Peter Joshua (fpv5gr)" userId="S::fpv5gr@virginia.edu::88642e0f-3c7a-4789-9ad4-18e09f611a56" providerId="AD" clId="Web-{A7D9F03F-3A74-6A9F-FA88-0B4329338486}" dt="2025-04-22T19:34:43.226" v="83"/>
-          <ac:inkMkLst>
-            <pc:docMk/>
-            <pc:sldMk cId="3380446973" sldId="367"/>
-            <ac:inkMk id="10" creationId="{4EE8F7B0-C15C-0777-2493-B998E908F172}"/>
-          </ac:inkMkLst>
-        </pc:inkChg>
-      </pc:sldChg>
-      <pc:sldChg chg="new del">
-        <pc:chgData name="Tessier, Peter Joshua (fpv5gr)" userId="S::fpv5gr@virginia.edu::88642e0f-3c7a-4789-9ad4-18e09f611a56" providerId="AD" clId="Web-{A7D9F03F-3A74-6A9F-FA88-0B4329338486}" dt="2025-04-22T19:42:43.149" v="164"/>
-        <pc:sldMkLst>
-          <pc:docMk/>
-          <pc:sldMk cId="894736241" sldId="416"/>
-        </pc:sldMkLst>
-      </pc:sldChg>
-      <pc:sldChg chg="addSp delSp modSp add replId">
-        <pc:chgData name="Tessier, Peter Joshua (fpv5gr)" userId="S::fpv5gr@virginia.edu::88642e0f-3c7a-4789-9ad4-18e09f611a56" providerId="AD" clId="Web-{A7D9F03F-3A74-6A9F-FA88-0B4329338486}" dt="2025-04-22T20:51:43.305" v="568" actId="1076"/>
-        <pc:sldMkLst>
-          <pc:docMk/>
-          <pc:sldMk cId="1604977033" sldId="417"/>
-        </pc:sldMkLst>
-        <pc:spChg chg="del">
-          <ac:chgData name="Tessier, Peter Joshua (fpv5gr)" userId="S::fpv5gr@virginia.edu::88642e0f-3c7a-4789-9ad4-18e09f611a56" providerId="AD" clId="Web-{A7D9F03F-3A74-6A9F-FA88-0B4329338486}" dt="2025-04-22T19:43:27.306" v="189"/>
-          <ac:spMkLst>
-            <pc:docMk/>
-            <pc:sldMk cId="1604977033" sldId="417"/>
-            <ac:spMk id="2" creationId="{1AC16336-C2AD-5878-D893-7DE85F1F1813}"/>
-          </ac:spMkLst>
-        </pc:spChg>
-        <pc:spChg chg="del">
-          <ac:chgData name="Tessier, Peter Joshua (fpv5gr)" userId="S::fpv5gr@virginia.edu::88642e0f-3c7a-4789-9ad4-18e09f611a56" providerId="AD" clId="Web-{A7D9F03F-3A74-6A9F-FA88-0B4329338486}" dt="2025-04-22T19:43:24.415" v="186"/>
-          <ac:spMkLst>
-            <pc:docMk/>
-            <pc:sldMk cId="1604977033" sldId="417"/>
-            <ac:spMk id="3" creationId="{5042D612-13ED-67B8-EFD8-2CC395412719}"/>
-          </ac:spMkLst>
-        </pc:spChg>
-        <pc:spChg chg="add mod">
-          <ac:chgData name="Tessier, Peter Joshua (fpv5gr)" userId="S::fpv5gr@virginia.edu::88642e0f-3c7a-4789-9ad4-18e09f611a56" providerId="AD" clId="Web-{A7D9F03F-3A74-6A9F-FA88-0B4329338486}" dt="2025-04-22T19:44:32.978" v="194" actId="20577"/>
-          <ac:spMkLst>
-            <pc:docMk/>
-            <pc:sldMk cId="1604977033" sldId="417"/>
-            <ac:spMk id="4" creationId="{4A2752A5-0F36-39B1-EC8F-C2FF996CFBD3}"/>
-          </ac:spMkLst>
-        </pc:spChg>
-        <pc:spChg chg="mod">
-          <ac:chgData name="Tessier, Peter Joshua (fpv5gr)" userId="S::fpv5gr@virginia.edu::88642e0f-3c7a-4789-9ad4-18e09f611a56" providerId="AD" clId="Web-{A7D9F03F-3A74-6A9F-FA88-0B4329338486}" dt="2025-04-22T19:44:38.697" v="207" actId="20577"/>
-          <ac:spMkLst>
-            <pc:docMk/>
-            <pc:sldMk cId="1604977033" sldId="417"/>
-            <ac:spMk id="6" creationId="{B9507C8D-BB2E-5519-7854-A0C26D220F3F}"/>
-          </ac:spMkLst>
-        </pc:spChg>
-        <pc:spChg chg="add del mod">
-          <ac:chgData name="Tessier, Peter Joshua (fpv5gr)" userId="S::fpv5gr@virginia.edu::88642e0f-3c7a-4789-9ad4-18e09f611a56" providerId="AD" clId="Web-{A7D9F03F-3A74-6A9F-FA88-0B4329338486}" dt="2025-04-22T19:46:25.119" v="222"/>
-          <ac:spMkLst>
-            <pc:docMk/>
-            <pc:sldMk cId="1604977033" sldId="417"/>
-            <ac:spMk id="7" creationId="{AD1ACB76-9465-4FF7-E825-ECA4C330CABE}"/>
-          </ac:spMkLst>
-        </pc:spChg>
-        <pc:spChg chg="add mod">
-          <ac:chgData name="Tessier, Peter Joshua (fpv5gr)" userId="S::fpv5gr@virginia.edu::88642e0f-3c7a-4789-9ad4-18e09f611a56" providerId="AD" clId="Web-{A7D9F03F-3A74-6A9F-FA88-0B4329338486}" dt="2025-04-22T19:53:49.574" v="440" actId="20577"/>
-          <ac:spMkLst>
-            <pc:docMk/>
-            <pc:sldMk cId="1604977033" sldId="417"/>
-            <ac:spMk id="8" creationId="{5318453B-F096-8511-5454-9AFD9FB1121F}"/>
-          </ac:spMkLst>
-        </pc:spChg>
-        <pc:spChg chg="add mod">
-          <ac:chgData name="Tessier, Peter Joshua (fpv5gr)" userId="S::fpv5gr@virginia.edu::88642e0f-3c7a-4789-9ad4-18e09f611a56" providerId="AD" clId="Web-{A7D9F03F-3A74-6A9F-FA88-0B4329338486}" dt="2025-04-22T19:57:28.996" v="461" actId="1076"/>
-          <ac:spMkLst>
-            <pc:docMk/>
-            <pc:sldMk cId="1604977033" sldId="417"/>
-            <ac:spMk id="11" creationId="{54E9AF13-CCC5-DF5C-137B-03EFFBA1BEE0}"/>
-          </ac:spMkLst>
-        </pc:spChg>
-        <pc:spChg chg="add mod">
-          <ac:chgData name="Tessier, Peter Joshua (fpv5gr)" userId="S::fpv5gr@virginia.edu::88642e0f-3c7a-4789-9ad4-18e09f611a56" providerId="AD" clId="Web-{A7D9F03F-3A74-6A9F-FA88-0B4329338486}" dt="2025-04-22T20:00:43.122" v="502" actId="1076"/>
-          <ac:spMkLst>
-            <pc:docMk/>
-            <pc:sldMk cId="1604977033" sldId="417"/>
-            <ac:spMk id="13" creationId="{1DD94098-DF4C-BD4D-B9F0-7A312C13B379}"/>
-          </ac:spMkLst>
-        </pc:spChg>
-        <pc:spChg chg="add mod">
-          <ac:chgData name="Tessier, Peter Joshua (fpv5gr)" userId="S::fpv5gr@virginia.edu::88642e0f-3c7a-4789-9ad4-18e09f611a56" providerId="AD" clId="Web-{A7D9F03F-3A74-6A9F-FA88-0B4329338486}" dt="2025-04-22T20:44:51.132" v="551" actId="1076"/>
-          <ac:spMkLst>
-            <pc:docMk/>
-            <pc:sldMk cId="1604977033" sldId="417"/>
-            <ac:spMk id="14" creationId="{AD70D9EB-7DC9-76C5-4E3E-E2EEF2142692}"/>
-          </ac:spMkLst>
-        </pc:spChg>
-        <pc:spChg chg="add mod">
-          <ac:chgData name="Tessier, Peter Joshua (fpv5gr)" userId="S::fpv5gr@virginia.edu::88642e0f-3c7a-4789-9ad4-18e09f611a56" providerId="AD" clId="Web-{A7D9F03F-3A74-6A9F-FA88-0B4329338486}" dt="2025-04-22T20:00:35.560" v="499" actId="14100"/>
-          <ac:spMkLst>
-            <pc:docMk/>
-            <pc:sldMk cId="1604977033" sldId="417"/>
-            <ac:spMk id="15" creationId="{1A5DFB67-7239-5E71-3B0B-CA2A93BE7555}"/>
-          </ac:spMkLst>
-        </pc:spChg>
-        <pc:spChg chg="add mod">
-          <ac:chgData name="Tessier, Peter Joshua (fpv5gr)" userId="S::fpv5gr@virginia.edu::88642e0f-3c7a-4789-9ad4-18e09f611a56" providerId="AD" clId="Web-{A7D9F03F-3A74-6A9F-FA88-0B4329338486}" dt="2025-04-22T20:01:05.263" v="507" actId="1076"/>
-          <ac:spMkLst>
-            <pc:docMk/>
-            <pc:sldMk cId="1604977033" sldId="417"/>
-            <ac:spMk id="16" creationId="{EE6B4AD8-8120-C472-2138-611EF578E557}"/>
-          </ac:spMkLst>
-        </pc:spChg>
-        <pc:spChg chg="add mod">
-          <ac:chgData name="Tessier, Peter Joshua (fpv5gr)" userId="S::fpv5gr@virginia.edu::88642e0f-3c7a-4789-9ad4-18e09f611a56" providerId="AD" clId="Web-{A7D9F03F-3A74-6A9F-FA88-0B4329338486}" dt="2025-04-22T20:44:51.148" v="552" actId="1076"/>
-          <ac:spMkLst>
-            <pc:docMk/>
-            <pc:sldMk cId="1604977033" sldId="417"/>
-            <ac:spMk id="17" creationId="{FFDDC92E-C2A9-3C2D-FE28-5763D0E580DC}"/>
-          </ac:spMkLst>
-        </pc:spChg>
-        <pc:spChg chg="add mod">
-          <ac:chgData name="Tessier, Peter Joshua (fpv5gr)" userId="S::fpv5gr@virginia.edu::88642e0f-3c7a-4789-9ad4-18e09f611a56" providerId="AD" clId="Web-{A7D9F03F-3A74-6A9F-FA88-0B4329338486}" dt="2025-04-22T20:02:55.998" v="517" actId="1076"/>
-          <ac:spMkLst>
-            <pc:docMk/>
-            <pc:sldMk cId="1604977033" sldId="417"/>
-            <ac:spMk id="18" creationId="{AD1ADE8F-9A78-25BB-6CAC-A717A70F1771}"/>
-          </ac:spMkLst>
-        </pc:spChg>
-        <pc:spChg chg="add mod">
-          <ac:chgData name="Tessier, Peter Joshua (fpv5gr)" userId="S::fpv5gr@virginia.edu::88642e0f-3c7a-4789-9ad4-18e09f611a56" providerId="AD" clId="Web-{A7D9F03F-3A74-6A9F-FA88-0B4329338486}" dt="2025-04-22T20:03:06.638" v="521" actId="1076"/>
-          <ac:spMkLst>
-            <pc:docMk/>
-            <pc:sldMk cId="1604977033" sldId="417"/>
-            <ac:spMk id="19" creationId="{680EDFC5-B111-19BB-D994-91A93973209C}"/>
-          </ac:spMkLst>
-        </pc:spChg>
-        <pc:spChg chg="add mod">
-          <ac:chgData name="Tessier, Peter Joshua (fpv5gr)" userId="S::fpv5gr@virginia.edu::88642e0f-3c7a-4789-9ad4-18e09f611a56" providerId="AD" clId="Web-{A7D9F03F-3A74-6A9F-FA88-0B4329338486}" dt="2025-04-22T20:44:51.148" v="553" actId="1076"/>
-          <ac:spMkLst>
-            <pc:docMk/>
-            <pc:sldMk cId="1604977033" sldId="417"/>
-            <ac:spMk id="20" creationId="{8AA18F02-4EE9-1379-F22A-0B2E8059CCCE}"/>
-          </ac:spMkLst>
-        </pc:spChg>
-        <pc:spChg chg="add del mod">
-          <ac:chgData name="Tessier, Peter Joshua (fpv5gr)" userId="S::fpv5gr@virginia.edu::88642e0f-3c7a-4789-9ad4-18e09f611a56" providerId="AD" clId="Web-{A7D9F03F-3A74-6A9F-FA88-0B4329338486}" dt="2025-04-22T20:49:50.758" v="559"/>
-          <ac:spMkLst>
-            <pc:docMk/>
-            <pc:sldMk cId="1604977033" sldId="417"/>
-            <ac:spMk id="21" creationId="{79C958C4-1B1D-EB47-A4C8-75CBC1F666BF}"/>
-          </ac:spMkLst>
-        </pc:spChg>
-        <pc:spChg chg="add mod">
-          <ac:chgData name="Tessier, Peter Joshua (fpv5gr)" userId="S::fpv5gr@virginia.edu::88642e0f-3c7a-4789-9ad4-18e09f611a56" providerId="AD" clId="Web-{A7D9F03F-3A74-6A9F-FA88-0B4329338486}" dt="2025-04-22T20:49:49.039" v="558" actId="1076"/>
-          <ac:spMkLst>
-            <pc:docMk/>
-            <pc:sldMk cId="1604977033" sldId="417"/>
-            <ac:spMk id="22" creationId="{0866003E-DBB4-BEDB-2847-DCA20E9928E2}"/>
-          </ac:spMkLst>
-        </pc:spChg>
-        <pc:spChg chg="add mod">
-          <ac:chgData name="Tessier, Peter Joshua (fpv5gr)" userId="S::fpv5gr@virginia.edu::88642e0f-3c7a-4789-9ad4-18e09f611a56" providerId="AD" clId="Web-{A7D9F03F-3A74-6A9F-FA88-0B4329338486}" dt="2025-04-22T20:50:07.789" v="562" actId="14100"/>
-          <ac:spMkLst>
-            <pc:docMk/>
-            <pc:sldMk cId="1604977033" sldId="417"/>
-            <ac:spMk id="23" creationId="{75687409-95DD-938F-D125-742974C43070}"/>
-          </ac:spMkLst>
-        </pc:spChg>
-        <pc:spChg chg="add mod">
-          <ac:chgData name="Tessier, Peter Joshua (fpv5gr)" userId="S::fpv5gr@virginia.edu::88642e0f-3c7a-4789-9ad4-18e09f611a56" providerId="AD" clId="Web-{A7D9F03F-3A74-6A9F-FA88-0B4329338486}" dt="2025-04-22T20:51:43.305" v="568" actId="1076"/>
-          <ac:spMkLst>
-            <pc:docMk/>
-            <pc:sldMk cId="1604977033" sldId="417"/>
-            <ac:spMk id="24" creationId="{B9F12B68-704F-E68D-5447-29FD4502391C}"/>
-          </ac:spMkLst>
-        </pc:spChg>
-        <pc:spChg chg="del">
-          <ac:chgData name="Tessier, Peter Joshua (fpv5gr)" userId="S::fpv5gr@virginia.edu::88642e0f-3c7a-4789-9ad4-18e09f611a56" providerId="AD" clId="Web-{A7D9F03F-3A74-6A9F-FA88-0B4329338486}" dt="2025-04-22T19:43:27.306" v="188"/>
-          <ac:spMkLst>
-            <pc:docMk/>
-            <pc:sldMk cId="1604977033" sldId="417"/>
-            <ac:spMk id="92" creationId="{3C97B7BA-53D2-5E34-C762-17E9BE0A9D84}"/>
-          </ac:spMkLst>
-        </pc:spChg>
-        <pc:picChg chg="add mod modCrop">
-          <ac:chgData name="Tessier, Peter Joshua (fpv5gr)" userId="S::fpv5gr@virginia.edu::88642e0f-3c7a-4789-9ad4-18e09f611a56" providerId="AD" clId="Web-{A7D9F03F-3A74-6A9F-FA88-0B4329338486}" dt="2025-04-22T20:51:38.618" v="567" actId="1076"/>
-          <ac:picMkLst>
-            <pc:docMk/>
-            <pc:sldMk cId="1604977033" sldId="417"/>
-            <ac:picMk id="10" creationId="{7AA88F7F-4E23-88F5-F784-D07D1D080690}"/>
-          </ac:picMkLst>
-        </pc:picChg>
-        <pc:cxnChg chg="add del mod">
-          <ac:chgData name="Tessier, Peter Joshua (fpv5gr)" userId="S::fpv5gr@virginia.edu::88642e0f-3c7a-4789-9ad4-18e09f611a56" providerId="AD" clId="Web-{A7D9F03F-3A74-6A9F-FA88-0B4329338486}" dt="2025-04-22T19:58:12.309" v="464"/>
-          <ac:cxnSpMkLst>
-            <pc:docMk/>
-            <pc:sldMk cId="1604977033" sldId="417"/>
-            <ac:cxnSpMk id="12" creationId="{11164CE9-1952-690C-202E-F399181D4F7A}"/>
-          </ac:cxnSpMkLst>
-        </pc:cxnChg>
-        <pc:cxnChg chg="del">
-          <ac:chgData name="Tessier, Peter Joshua (fpv5gr)" userId="S::fpv5gr@virginia.edu::88642e0f-3c7a-4789-9ad4-18e09f611a56" providerId="AD" clId="Web-{A7D9F03F-3A74-6A9F-FA88-0B4329338486}" dt="2025-04-22T19:43:25.009" v="187"/>
-          <ac:cxnSpMkLst>
-            <pc:docMk/>
-            <pc:sldMk cId="1604977033" sldId="417"/>
-            <ac:cxnSpMk id="91" creationId="{3D5C9CCB-AF7A-2075-3AE5-AE70116D70FD}"/>
-          </ac:cxnSpMkLst>
-        </pc:cxnChg>
-      </pc:sldChg>
-    </pc:docChg>
-  </pc:docChgLst>
-  <pc:docChgLst>
-    <pc:chgData name="Dove, Kai Matsuo (ybr8ff)" userId="S::ybr8ff@virginia.edu::51438659-c38e-4ebe-b85d-829e62828cb2" providerId="AD" clId="Web-{FCA91D92-BAA2-A0FB-B696-A0D6193EBC54}"/>
-    <pc:docChg chg="mod addSld delSld modSld">
-      <pc:chgData name="Dove, Kai Matsuo (ybr8ff)" userId="S::ybr8ff@virginia.edu::51438659-c38e-4ebe-b85d-829e62828cb2" providerId="AD" clId="Web-{FCA91D92-BAA2-A0FB-B696-A0D6193EBC54}" dt="2025-04-22T21:10:28.521" v="27"/>
-      <pc:docMkLst>
-        <pc:docMk/>
-      </pc:docMkLst>
-      <pc:sldChg chg="addSp delSp modSp">
-        <pc:chgData name="Dove, Kai Matsuo (ybr8ff)" userId="S::ybr8ff@virginia.edu::51438659-c38e-4ebe-b85d-829e62828cb2" providerId="AD" clId="Web-{FCA91D92-BAA2-A0FB-B696-A0D6193EBC54}" dt="2025-04-22T20:49:25.980" v="7" actId="1076"/>
-        <pc:sldMkLst>
-          <pc:docMk/>
-          <pc:sldMk cId="1604977033" sldId="417"/>
-        </pc:sldMkLst>
-        <pc:spChg chg="add del mod">
-          <ac:chgData name="Dove, Kai Matsuo (ybr8ff)" userId="S::ybr8ff@virginia.edu::51438659-c38e-4ebe-b85d-829e62828cb2" providerId="AD" clId="Web-{FCA91D92-BAA2-A0FB-B696-A0D6193EBC54}" dt="2025-04-22T20:48:28.761" v="5"/>
-          <ac:spMkLst>
-            <pc:docMk/>
-            <pc:sldMk cId="1604977033" sldId="417"/>
-            <ac:spMk id="21" creationId="{79C958C4-1B1D-EB47-A4C8-75CBC1F666BF}"/>
-          </ac:spMkLst>
-        </pc:spChg>
-        <pc:picChg chg="mod">
-          <ac:chgData name="Dove, Kai Matsuo (ybr8ff)" userId="S::ybr8ff@virginia.edu::51438659-c38e-4ebe-b85d-829e62828cb2" providerId="AD" clId="Web-{FCA91D92-BAA2-A0FB-B696-A0D6193EBC54}" dt="2025-04-22T20:49:25.980" v="7" actId="1076"/>
-          <ac:picMkLst>
-            <pc:docMk/>
-            <pc:sldMk cId="1604977033" sldId="417"/>
-            <ac:picMk id="10" creationId="{7AA88F7F-4E23-88F5-F784-D07D1D080690}"/>
-          </ac:picMkLst>
-        </pc:picChg>
-      </pc:sldChg>
-      <pc:sldChg chg="add del replId">
-        <pc:chgData name="Dove, Kai Matsuo (ybr8ff)" userId="S::ybr8ff@virginia.edu::51438659-c38e-4ebe-b85d-829e62828cb2" providerId="AD" clId="Web-{FCA91D92-BAA2-A0FB-B696-A0D6193EBC54}" dt="2025-04-22T21:05:24.828" v="26"/>
-        <pc:sldMkLst>
-          <pc:docMk/>
-          <pc:sldMk cId="4270080558" sldId="419"/>
-        </pc:sldMkLst>
-      </pc:sldChg>
-      <pc:sldChg chg="addSp delSp modSp add del replId">
-        <pc:chgData name="Dove, Kai Matsuo (ybr8ff)" userId="S::ybr8ff@virginia.edu::51438659-c38e-4ebe-b85d-829e62828cb2" providerId="AD" clId="Web-{FCA91D92-BAA2-A0FB-B696-A0D6193EBC54}" dt="2025-04-22T21:05:23.593" v="25"/>
-        <pc:sldMkLst>
-          <pc:docMk/>
-          <pc:sldMk cId="173572806" sldId="420"/>
-        </pc:sldMkLst>
-        <pc:picChg chg="add del mod">
-          <ac:chgData name="Dove, Kai Matsuo (ybr8ff)" userId="S::ybr8ff@virginia.edu::51438659-c38e-4ebe-b85d-829e62828cb2" providerId="AD" clId="Web-{FCA91D92-BAA2-A0FB-B696-A0D6193EBC54}" dt="2025-04-22T20:59:30.055" v="16"/>
-          <ac:picMkLst>
-            <pc:docMk/>
-            <pc:sldMk cId="173572806" sldId="420"/>
-            <ac:picMk id="2" creationId="{EA432790-9FF1-C3FD-6BD0-9A103E600777}"/>
-          </ac:picMkLst>
-        </pc:picChg>
-        <pc:picChg chg="add del mod">
-          <ac:chgData name="Dove, Kai Matsuo (ybr8ff)" userId="S::ybr8ff@virginia.edu::51438659-c38e-4ebe-b85d-829e62828cb2" providerId="AD" clId="Web-{FCA91D92-BAA2-A0FB-B696-A0D6193EBC54}" dt="2025-04-22T21:03:03.872" v="19"/>
-          <ac:picMkLst>
-            <pc:docMk/>
-            <pc:sldMk cId="173572806" sldId="420"/>
-            <ac:picMk id="3" creationId="{B43A13EA-8023-CB7F-A6D8-F4C8FE649E93}"/>
-          </ac:picMkLst>
-        </pc:picChg>
-        <pc:picChg chg="add mod">
-          <ac:chgData name="Dove, Kai Matsuo (ybr8ff)" userId="S::ybr8ff@virginia.edu::51438659-c38e-4ebe-b85d-829e62828cb2" providerId="AD" clId="Web-{FCA91D92-BAA2-A0FB-B696-A0D6193EBC54}" dt="2025-04-22T21:03:09.512" v="24" actId="1076"/>
-          <ac:picMkLst>
-            <pc:docMk/>
-            <pc:sldMk cId="173572806" sldId="420"/>
-            <ac:picMk id="5" creationId="{FAB595C6-1526-06CE-1231-C5B35DE4B81B}"/>
-          </ac:picMkLst>
-        </pc:picChg>
-        <pc:picChg chg="del">
-          <ac:chgData name="Dove, Kai Matsuo (ybr8ff)" userId="S::ybr8ff@virginia.edu::51438659-c38e-4ebe-b85d-829e62828cb2" providerId="AD" clId="Web-{FCA91D92-BAA2-A0FB-B696-A0D6193EBC54}" dt="2025-04-22T20:57:03.740" v="10"/>
-          <ac:picMkLst>
-            <pc:docMk/>
-            <pc:sldMk cId="173572806" sldId="420"/>
-            <ac:picMk id="3074" creationId="{F57E1450-D3F3-DEC3-EAB1-16F7EFE5DA85}"/>
-          </ac:picMkLst>
-        </pc:picChg>
-      </pc:sldChg>
-    </pc:docChg>
-  </pc:docChgLst>
-  <pc:docChgLst>
-    <pc:chgData name="Nguyen, Kenny Bao Khanh (vrv6sf)" userId="8faccc5e-d3bb-4457-99f6-2c8d56a97e84" providerId="ADAL" clId="{C07F7384-005B-A24E-86AD-30D26DF57478}"/>
-    <pc:docChg chg="undo redo custSel addSld delSld modSld sldOrd">
-      <pc:chgData name="Nguyen, Kenny Bao Khanh (vrv6sf)" userId="8faccc5e-d3bb-4457-99f6-2c8d56a97e84" providerId="ADAL" clId="{C07F7384-005B-A24E-86AD-30D26DF57478}" dt="2025-04-22T21:09:56.103" v="3352" actId="20578"/>
-      <pc:docMkLst>
-        <pc:docMk/>
-      </pc:docMkLst>
-      <pc:sldChg chg="delSp modSp del mod">
-        <pc:chgData name="Nguyen, Kenny Bao Khanh (vrv6sf)" userId="8faccc5e-d3bb-4457-99f6-2c8d56a97e84" providerId="ADAL" clId="{C07F7384-005B-A24E-86AD-30D26DF57478}" dt="2025-04-22T20:56:15.864" v="3350" actId="2696"/>
-        <pc:sldMkLst>
-          <pc:docMk/>
-          <pc:sldMk cId="654641598" sldId="333"/>
-        </pc:sldMkLst>
-        <pc:spChg chg="del mod">
-          <ac:chgData name="Nguyen, Kenny Bao Khanh (vrv6sf)" userId="8faccc5e-d3bb-4457-99f6-2c8d56a97e84" providerId="ADAL" clId="{C07F7384-005B-A24E-86AD-30D26DF57478}" dt="2025-04-22T20:56:05.410" v="3349" actId="478"/>
-          <ac:spMkLst>
-            <pc:docMk/>
-            <pc:sldMk cId="654641598" sldId="333"/>
-            <ac:spMk id="5" creationId="{A36B35A7-33B4-2246-9592-F0BBDFD568CC}"/>
-          </ac:spMkLst>
-        </pc:spChg>
-      </pc:sldChg>
-      <pc:sldChg chg="del">
-        <pc:chgData name="Nguyen, Kenny Bao Khanh (vrv6sf)" userId="8faccc5e-d3bb-4457-99f6-2c8d56a97e84" providerId="ADAL" clId="{C07F7384-005B-A24E-86AD-30D26DF57478}" dt="2025-04-22T20:56:15.882" v="3351" actId="2696"/>
-        <pc:sldMkLst>
-          <pc:docMk/>
-          <pc:sldMk cId="3917589813" sldId="357"/>
-        </pc:sldMkLst>
-      </pc:sldChg>
-      <pc:sldChg chg="del">
-        <pc:chgData name="Nguyen, Kenny Bao Khanh (vrv6sf)" userId="8faccc5e-d3bb-4457-99f6-2c8d56a97e84" providerId="ADAL" clId="{C07F7384-005B-A24E-86AD-30D26DF57478}" dt="2025-04-22T15:56:47.271" v="157" actId="2696"/>
-        <pc:sldMkLst>
-          <pc:docMk/>
-          <pc:sldMk cId="716826074" sldId="359"/>
-        </pc:sldMkLst>
-      </pc:sldChg>
-      <pc:sldChg chg="del">
-        <pc:chgData name="Nguyen, Kenny Bao Khanh (vrv6sf)" userId="8faccc5e-d3bb-4457-99f6-2c8d56a97e84" providerId="ADAL" clId="{C07F7384-005B-A24E-86AD-30D26DF57478}" dt="2025-04-22T15:56:21.609" v="156" actId="2696"/>
-        <pc:sldMkLst>
-          <pc:docMk/>
-          <pc:sldMk cId="837661682" sldId="360"/>
-        </pc:sldMkLst>
-      </pc:sldChg>
-      <pc:sldChg chg="modSp mod">
-        <pc:chgData name="Nguyen, Kenny Bao Khanh (vrv6sf)" userId="8faccc5e-d3bb-4457-99f6-2c8d56a97e84" providerId="ADAL" clId="{C07F7384-005B-A24E-86AD-30D26DF57478}" dt="2025-04-22T20:20:29.236" v="2977" actId="113"/>
-        <pc:sldMkLst>
-          <pc:docMk/>
-          <pc:sldMk cId="1935632965" sldId="362"/>
-        </pc:sldMkLst>
-        <pc:spChg chg="mod">
-          <ac:chgData name="Nguyen, Kenny Bao Khanh (vrv6sf)" userId="8faccc5e-d3bb-4457-99f6-2c8d56a97e84" providerId="ADAL" clId="{C07F7384-005B-A24E-86AD-30D26DF57478}" dt="2025-04-22T20:20:26.557" v="2975" actId="113"/>
-          <ac:spMkLst>
-            <pc:docMk/>
-            <pc:sldMk cId="1935632965" sldId="362"/>
-            <ac:spMk id="2" creationId="{C2FC3437-EE13-FAE6-46BC-D71708299888}"/>
-          </ac:spMkLst>
-        </pc:spChg>
-        <pc:spChg chg="mod">
-          <ac:chgData name="Nguyen, Kenny Bao Khanh (vrv6sf)" userId="8faccc5e-d3bb-4457-99f6-2c8d56a97e84" providerId="ADAL" clId="{C07F7384-005B-A24E-86AD-30D26DF57478}" dt="2025-04-22T20:20:28.043" v="2976" actId="113"/>
-          <ac:spMkLst>
-            <pc:docMk/>
-            <pc:sldMk cId="1935632965" sldId="362"/>
-            <ac:spMk id="4" creationId="{DD53BD6F-62CE-A000-9DA0-0343F9703036}"/>
-          </ac:spMkLst>
-        </pc:spChg>
-        <pc:spChg chg="mod">
-          <ac:chgData name="Nguyen, Kenny Bao Khanh (vrv6sf)" userId="8faccc5e-d3bb-4457-99f6-2c8d56a97e84" providerId="ADAL" clId="{C07F7384-005B-A24E-86AD-30D26DF57478}" dt="2025-04-22T20:20:25.276" v="2974" actId="113"/>
-          <ac:spMkLst>
-            <pc:docMk/>
-            <pc:sldMk cId="1935632965" sldId="362"/>
-            <ac:spMk id="9" creationId="{7DFF1ABD-240F-B14E-B2EA-F5DA37F75FBB}"/>
-          </ac:spMkLst>
-        </pc:spChg>
-        <pc:spChg chg="mod">
-          <ac:chgData name="Nguyen, Kenny Bao Khanh (vrv6sf)" userId="8faccc5e-d3bb-4457-99f6-2c8d56a97e84" providerId="ADAL" clId="{C07F7384-005B-A24E-86AD-30D26DF57478}" dt="2025-04-22T20:20:29.236" v="2977" actId="113"/>
-          <ac:spMkLst>
-            <pc:docMk/>
-            <pc:sldMk cId="1935632965" sldId="362"/>
-            <ac:spMk id="11" creationId="{E39AC1A8-BC02-C745-82A4-03CA60390375}"/>
-          </ac:spMkLst>
-        </pc:spChg>
-      </pc:sldChg>
-      <pc:sldChg chg="del">
-        <pc:chgData name="Nguyen, Kenny Bao Khanh (vrv6sf)" userId="8faccc5e-d3bb-4457-99f6-2c8d56a97e84" providerId="ADAL" clId="{C07F7384-005B-A24E-86AD-30D26DF57478}" dt="2025-04-22T19:47:22.147" v="1782" actId="2696"/>
-        <pc:sldMkLst>
-          <pc:docMk/>
-          <pc:sldMk cId="1425415951" sldId="364"/>
-        </pc:sldMkLst>
-      </pc:sldChg>
-      <pc:sldChg chg="del">
-        <pc:chgData name="Nguyen, Kenny Bao Khanh (vrv6sf)" userId="8faccc5e-d3bb-4457-99f6-2c8d56a97e84" providerId="ADAL" clId="{C07F7384-005B-A24E-86AD-30D26DF57478}" dt="2025-04-22T19:47:22.147" v="1782" actId="2696"/>
-        <pc:sldMkLst>
-          <pc:docMk/>
-          <pc:sldMk cId="477699963" sldId="365"/>
-        </pc:sldMkLst>
-      </pc:sldChg>
-      <pc:sldChg chg="addSp delSp modSp mod ord">
-        <pc:chgData name="Nguyen, Kenny Bao Khanh (vrv6sf)" userId="8faccc5e-d3bb-4457-99f6-2c8d56a97e84" providerId="ADAL" clId="{C07F7384-005B-A24E-86AD-30D26DF57478}" dt="2025-04-22T20:45:42.223" v="3077" actId="20577"/>
-        <pc:sldMkLst>
-          <pc:docMk/>
-          <pc:sldMk cId="3380446973" sldId="367"/>
-        </pc:sldMkLst>
-        <pc:spChg chg="del mod">
-          <ac:chgData name="Nguyen, Kenny Bao Khanh (vrv6sf)" userId="8faccc5e-d3bb-4457-99f6-2c8d56a97e84" providerId="ADAL" clId="{C07F7384-005B-A24E-86AD-30D26DF57478}" dt="2025-04-22T18:18:22.484" v="164" actId="478"/>
-          <ac:spMkLst>
-            <pc:docMk/>
-            <pc:sldMk cId="3380446973" sldId="367"/>
-            <ac:spMk id="2" creationId="{E5D1DC23-009C-4345-AACE-883EA6E42F99}"/>
-          </ac:spMkLst>
-        </pc:spChg>
-        <pc:spChg chg="add del mod">
-          <ac:chgData name="Nguyen, Kenny Bao Khanh (vrv6sf)" userId="8faccc5e-d3bb-4457-99f6-2c8d56a97e84" providerId="ADAL" clId="{C07F7384-005B-A24E-86AD-30D26DF57478}" dt="2025-04-22T18:17:43.595" v="162" actId="478"/>
-          <ac:spMkLst>
-            <pc:docMk/>
-            <pc:sldMk cId="3380446973" sldId="367"/>
-            <ac:spMk id="3" creationId="{BC03FF30-1677-E5D2-59A7-5D2455D4A54D}"/>
-          </ac:spMkLst>
-        </pc:spChg>
-        <pc:spChg chg="add mod">
-          <ac:chgData name="Nguyen, Kenny Bao Khanh (vrv6sf)" userId="8faccc5e-d3bb-4457-99f6-2c8d56a97e84" providerId="ADAL" clId="{C07F7384-005B-A24E-86AD-30D26DF57478}" dt="2025-04-22T20:45:42.223" v="3077" actId="20577"/>
-          <ac:spMkLst>
-            <pc:docMk/>
-            <pc:sldMk cId="3380446973" sldId="367"/>
-            <ac:spMk id="5" creationId="{93004EAD-0B3D-3318-9BDF-BB0E7EC63CFB}"/>
-          </ac:spMkLst>
-        </pc:spChg>
-        <pc:spChg chg="mod">
-          <ac:chgData name="Nguyen, Kenny Bao Khanh (vrv6sf)" userId="8faccc5e-d3bb-4457-99f6-2c8d56a97e84" providerId="ADAL" clId="{C07F7384-005B-A24E-86AD-30D26DF57478}" dt="2025-04-22T18:45:07.866" v="341" actId="20577"/>
-          <ac:spMkLst>
-            <pc:docMk/>
-            <pc:sldMk cId="3380446973" sldId="367"/>
-            <ac:spMk id="6" creationId="{CEDA7E1F-EA10-664E-B135-4A53E08CED96}"/>
-          </ac:spMkLst>
-        </pc:spChg>
-        <pc:spChg chg="del mod">
-          <ac:chgData name="Nguyen, Kenny Bao Khanh (vrv6sf)" userId="8faccc5e-d3bb-4457-99f6-2c8d56a97e84" providerId="ADAL" clId="{C07F7384-005B-A24E-86AD-30D26DF57478}" dt="2025-04-22T18:14:45.726" v="161" actId="478"/>
-          <ac:spMkLst>
-            <pc:docMk/>
-            <pc:sldMk cId="3380446973" sldId="367"/>
-            <ac:spMk id="92" creationId="{6109F4F5-0601-8B48-B967-EAE63420537D}"/>
-          </ac:spMkLst>
-        </pc:spChg>
-        <pc:spChg chg="del">
-          <ac:chgData name="Nguyen, Kenny Bao Khanh (vrv6sf)" userId="8faccc5e-d3bb-4457-99f6-2c8d56a97e84" providerId="ADAL" clId="{C07F7384-005B-A24E-86AD-30D26DF57478}" dt="2025-04-22T15:54:50.305" v="64" actId="478"/>
-          <ac:spMkLst>
-            <pc:docMk/>
-            <pc:sldMk cId="3380446973" sldId="367"/>
-            <ac:spMk id="96" creationId="{2E203F62-399C-F34B-99F4-03267862559E}"/>
-          </ac:spMkLst>
-        </pc:spChg>
-        <pc:grpChg chg="add del">
-          <ac:chgData name="Nguyen, Kenny Bao Khanh (vrv6sf)" userId="8faccc5e-d3bb-4457-99f6-2c8d56a97e84" providerId="ADAL" clId="{C07F7384-005B-A24E-86AD-30D26DF57478}" dt="2025-04-22T15:54:48.362" v="62" actId="478"/>
-          <ac:grpSpMkLst>
-            <pc:docMk/>
-            <pc:sldMk cId="3380446973" sldId="367"/>
-            <ac:grpSpMk id="89" creationId="{08EA14D6-06E2-9142-BDAA-8572AF88800D}"/>
-          </ac:grpSpMkLst>
-        </pc:grpChg>
-        <pc:cxnChg chg="mod">
-          <ac:chgData name="Nguyen, Kenny Bao Khanh (vrv6sf)" userId="8faccc5e-d3bb-4457-99f6-2c8d56a97e84" providerId="ADAL" clId="{C07F7384-005B-A24E-86AD-30D26DF57478}" dt="2025-04-22T15:54:48.362" v="62" actId="478"/>
-          <ac:cxnSpMkLst>
-            <pc:docMk/>
-            <pc:sldMk cId="3380446973" sldId="367"/>
-            <ac:cxnSpMk id="9" creationId="{2249B7E4-B73A-9C4E-88BA-03A9005BF08B}"/>
-          </ac:cxnSpMkLst>
-        </pc:cxnChg>
-        <pc:cxnChg chg="mod">
-          <ac:chgData name="Nguyen, Kenny Bao Khanh (vrv6sf)" userId="8faccc5e-d3bb-4457-99f6-2c8d56a97e84" providerId="ADAL" clId="{C07F7384-005B-A24E-86AD-30D26DF57478}" dt="2025-04-22T15:54:48.362" v="62" actId="478"/>
-          <ac:cxnSpMkLst>
-            <pc:docMk/>
-            <pc:sldMk cId="3380446973" sldId="367"/>
-            <ac:cxnSpMk id="10" creationId="{24286EE5-C6CD-0641-8528-3236CB446C9E}"/>
-          </ac:cxnSpMkLst>
-        </pc:cxnChg>
-        <pc:cxnChg chg="mod">
-          <ac:chgData name="Nguyen, Kenny Bao Khanh (vrv6sf)" userId="8faccc5e-d3bb-4457-99f6-2c8d56a97e84" providerId="ADAL" clId="{C07F7384-005B-A24E-86AD-30D26DF57478}" dt="2025-04-22T15:54:48.362" v="62" actId="478"/>
-          <ac:cxnSpMkLst>
-            <pc:docMk/>
-            <pc:sldMk cId="3380446973" sldId="367"/>
-            <ac:cxnSpMk id="11" creationId="{4558CCB3-E859-2C45-8FB7-40BFC6F2ECAD}"/>
-          </ac:cxnSpMkLst>
-        </pc:cxnChg>
-        <pc:cxnChg chg="mod">
-          <ac:chgData name="Nguyen, Kenny Bao Khanh (vrv6sf)" userId="8faccc5e-d3bb-4457-99f6-2c8d56a97e84" providerId="ADAL" clId="{C07F7384-005B-A24E-86AD-30D26DF57478}" dt="2025-04-22T15:54:48.362" v="62" actId="478"/>
-          <ac:cxnSpMkLst>
-            <pc:docMk/>
-            <pc:sldMk cId="3380446973" sldId="367"/>
-            <ac:cxnSpMk id="12" creationId="{B7CECFA6-F6BA-BD46-BF86-A2C068D996BB}"/>
-          </ac:cxnSpMkLst>
-        </pc:cxnChg>
-        <pc:cxnChg chg="mod">
-          <ac:chgData name="Nguyen, Kenny Bao Khanh (vrv6sf)" userId="8faccc5e-d3bb-4457-99f6-2c8d56a97e84" providerId="ADAL" clId="{C07F7384-005B-A24E-86AD-30D26DF57478}" dt="2025-04-22T15:54:48.362" v="62" actId="478"/>
-          <ac:cxnSpMkLst>
-            <pc:docMk/>
-            <pc:sldMk cId="3380446973" sldId="367"/>
-            <ac:cxnSpMk id="13" creationId="{502E110D-62F0-E749-956C-38C7E98DC791}"/>
-          </ac:cxnSpMkLst>
-        </pc:cxnChg>
-        <pc:cxnChg chg="mod">
-          <ac:chgData name="Nguyen, Kenny Bao Khanh (vrv6sf)" userId="8faccc5e-d3bb-4457-99f6-2c8d56a97e84" providerId="ADAL" clId="{C07F7384-005B-A24E-86AD-30D26DF57478}" dt="2025-04-22T15:54:48.362" v="62" actId="478"/>
-          <ac:cxnSpMkLst>
-            <pc:docMk/>
-            <pc:sldMk cId="3380446973" sldId="367"/>
-            <ac:cxnSpMk id="14" creationId="{E57C778C-70DC-0A4F-B8E3-49601025C68C}"/>
-          </ac:cxnSpMkLst>
-        </pc:cxnChg>
-        <pc:cxnChg chg="mod">
-          <ac:chgData name="Nguyen, Kenny Bao Khanh (vrv6sf)" userId="8faccc5e-d3bb-4457-99f6-2c8d56a97e84" providerId="ADAL" clId="{C07F7384-005B-A24E-86AD-30D26DF57478}" dt="2025-04-22T15:54:48.362" v="62" actId="478"/>
-          <ac:cxnSpMkLst>
-            <pc:docMk/>
-            <pc:sldMk cId="3380446973" sldId="367"/>
-            <ac:cxnSpMk id="15" creationId="{BA8D0AD6-4A63-B448-B998-5656ED2C852C}"/>
-          </ac:cxnSpMkLst>
-        </pc:cxnChg>
-        <pc:cxnChg chg="mod">
-          <ac:chgData name="Nguyen, Kenny Bao Khanh (vrv6sf)" userId="8faccc5e-d3bb-4457-99f6-2c8d56a97e84" providerId="ADAL" clId="{C07F7384-005B-A24E-86AD-30D26DF57478}" dt="2025-04-22T15:54:48.362" v="62" actId="478"/>
-          <ac:cxnSpMkLst>
-            <pc:docMk/>
-            <pc:sldMk cId="3380446973" sldId="367"/>
-            <ac:cxnSpMk id="16" creationId="{48B5F6F6-66DA-3948-AD09-DB9B85DC1F57}"/>
-          </ac:cxnSpMkLst>
-        </pc:cxnChg>
-        <pc:cxnChg chg="mod">
-          <ac:chgData name="Nguyen, Kenny Bao Khanh (vrv6sf)" userId="8faccc5e-d3bb-4457-99f6-2c8d56a97e84" providerId="ADAL" clId="{C07F7384-005B-A24E-86AD-30D26DF57478}" dt="2025-04-22T15:54:48.362" v="62" actId="478"/>
-          <ac:cxnSpMkLst>
-            <pc:docMk/>
-            <pc:sldMk cId="3380446973" sldId="367"/>
-            <ac:cxnSpMk id="24" creationId="{9E9EF7CD-AEDC-584A-A1FA-4CB143E702B4}"/>
-          </ac:cxnSpMkLst>
-        </pc:cxnChg>
-        <pc:cxnChg chg="mod">
-          <ac:chgData name="Nguyen, Kenny Bao Khanh (vrv6sf)" userId="8faccc5e-d3bb-4457-99f6-2c8d56a97e84" providerId="ADAL" clId="{C07F7384-005B-A24E-86AD-30D26DF57478}" dt="2025-04-22T15:54:48.362" v="62" actId="478"/>
-          <ac:cxnSpMkLst>
-            <pc:docMk/>
-            <pc:sldMk cId="3380446973" sldId="367"/>
-            <ac:cxnSpMk id="26" creationId="{9333B4CB-DD78-8649-9E8E-1DE950524102}"/>
-          </ac:cxnSpMkLst>
-        </pc:cxnChg>
-        <pc:cxnChg chg="mod">
-          <ac:chgData name="Nguyen, Kenny Bao Khanh (vrv6sf)" userId="8faccc5e-d3bb-4457-99f6-2c8d56a97e84" providerId="ADAL" clId="{C07F7384-005B-A24E-86AD-30D26DF57478}" dt="2025-04-22T15:54:48.362" v="62" actId="478"/>
-          <ac:cxnSpMkLst>
-            <pc:docMk/>
-            <pc:sldMk cId="3380446973" sldId="367"/>
-            <ac:cxnSpMk id="29" creationId="{703BFA31-09F1-964F-85E1-35DE606A13F0}"/>
-          </ac:cxnSpMkLst>
-        </pc:cxnChg>
-        <pc:cxnChg chg="mod">
-          <ac:chgData name="Nguyen, Kenny Bao Khanh (vrv6sf)" userId="8faccc5e-d3bb-4457-99f6-2c8d56a97e84" providerId="ADAL" clId="{C07F7384-005B-A24E-86AD-30D26DF57478}" dt="2025-04-22T15:54:48.362" v="62" actId="478"/>
-          <ac:cxnSpMkLst>
-            <pc:docMk/>
-            <pc:sldMk cId="3380446973" sldId="367"/>
-            <ac:cxnSpMk id="44" creationId="{694CAA36-5357-1E41-9D7F-75ADA46B0475}"/>
-          </ac:cxnSpMkLst>
-        </pc:cxnChg>
-        <pc:cxnChg chg="add del">
-          <ac:chgData name="Nguyen, Kenny Bao Khanh (vrv6sf)" userId="8faccc5e-d3bb-4457-99f6-2c8d56a97e84" providerId="ADAL" clId="{C07F7384-005B-A24E-86AD-30D26DF57478}" dt="2025-04-22T18:14:44.478" v="160" actId="478"/>
-          <ac:cxnSpMkLst>
-            <pc:docMk/>
-            <pc:sldMk cId="3380446973" sldId="367"/>
-            <ac:cxnSpMk id="91" creationId="{949E6667-1871-7344-A4FB-45AB1619AFE7}"/>
-          </ac:cxnSpMkLst>
-        </pc:cxnChg>
-        <pc:cxnChg chg="del mod">
-          <ac:chgData name="Nguyen, Kenny Bao Khanh (vrv6sf)" userId="8faccc5e-d3bb-4457-99f6-2c8d56a97e84" providerId="ADAL" clId="{C07F7384-005B-A24E-86AD-30D26DF57478}" dt="2025-04-22T15:54:49.531" v="63" actId="478"/>
-          <ac:cxnSpMkLst>
-            <pc:docMk/>
-            <pc:sldMk cId="3380446973" sldId="367"/>
-            <ac:cxnSpMk id="93" creationId="{6092B1D8-2EFA-C54B-BC1D-B4317DAAD9B0}"/>
-          </ac:cxnSpMkLst>
-        </pc:cxnChg>
-      </pc:sldChg>
-      <pc:sldChg chg="del">
-        <pc:chgData name="Nguyen, Kenny Bao Khanh (vrv6sf)" userId="8faccc5e-d3bb-4457-99f6-2c8d56a97e84" providerId="ADAL" clId="{C07F7384-005B-A24E-86AD-30D26DF57478}" dt="2025-04-22T15:56:47.271" v="157" actId="2696"/>
-        <pc:sldMkLst>
-          <pc:docMk/>
-          <pc:sldMk cId="1365046883" sldId="369"/>
-        </pc:sldMkLst>
-      </pc:sldChg>
-      <pc:sldChg chg="del">
-        <pc:chgData name="Nguyen, Kenny Bao Khanh (vrv6sf)" userId="8faccc5e-d3bb-4457-99f6-2c8d56a97e84" providerId="ADAL" clId="{C07F7384-005B-A24E-86AD-30D26DF57478}" dt="2025-04-22T15:56:21.609" v="156" actId="2696"/>
-        <pc:sldMkLst>
-          <pc:docMk/>
-          <pc:sldMk cId="3018216559" sldId="372"/>
-        </pc:sldMkLst>
-      </pc:sldChg>
-      <pc:sldChg chg="del">
-        <pc:chgData name="Nguyen, Kenny Bao Khanh (vrv6sf)" userId="8faccc5e-d3bb-4457-99f6-2c8d56a97e84" providerId="ADAL" clId="{C07F7384-005B-A24E-86AD-30D26DF57478}" dt="2025-04-22T15:56:21.609" v="156" actId="2696"/>
-        <pc:sldMkLst>
-          <pc:docMk/>
-          <pc:sldMk cId="1977289856" sldId="373"/>
-        </pc:sldMkLst>
-      </pc:sldChg>
-      <pc:sldChg chg="del">
-        <pc:chgData name="Nguyen, Kenny Bao Khanh (vrv6sf)" userId="8faccc5e-d3bb-4457-99f6-2c8d56a97e84" providerId="ADAL" clId="{C07F7384-005B-A24E-86AD-30D26DF57478}" dt="2025-04-22T15:56:21.609" v="156" actId="2696"/>
-        <pc:sldMkLst>
-          <pc:docMk/>
-          <pc:sldMk cId="1677596511" sldId="374"/>
-        </pc:sldMkLst>
-      </pc:sldChg>
-      <pc:sldChg chg="del">
-        <pc:chgData name="Nguyen, Kenny Bao Khanh (vrv6sf)" userId="8faccc5e-d3bb-4457-99f6-2c8d56a97e84" providerId="ADAL" clId="{C07F7384-005B-A24E-86AD-30D26DF57478}" dt="2025-04-22T19:47:22.147" v="1782" actId="2696"/>
-        <pc:sldMkLst>
-          <pc:docMk/>
-          <pc:sldMk cId="554229864" sldId="376"/>
-        </pc:sldMkLst>
-      </pc:sldChg>
-      <pc:sldChg chg="del">
-        <pc:chgData name="Nguyen, Kenny Bao Khanh (vrv6sf)" userId="8faccc5e-d3bb-4457-99f6-2c8d56a97e84" providerId="ADAL" clId="{C07F7384-005B-A24E-86AD-30D26DF57478}" dt="2025-04-22T19:47:22.147" v="1782" actId="2696"/>
-        <pc:sldMkLst>
-          <pc:docMk/>
-          <pc:sldMk cId="1140860291" sldId="377"/>
-        </pc:sldMkLst>
-      </pc:sldChg>
-      <pc:sldChg chg="del">
-        <pc:chgData name="Nguyen, Kenny Bao Khanh (vrv6sf)" userId="8faccc5e-d3bb-4457-99f6-2c8d56a97e84" providerId="ADAL" clId="{C07F7384-005B-A24E-86AD-30D26DF57478}" dt="2025-04-22T19:47:22.147" v="1782" actId="2696"/>
-        <pc:sldMkLst>
-          <pc:docMk/>
-          <pc:sldMk cId="1454998433" sldId="378"/>
-        </pc:sldMkLst>
-      </pc:sldChg>
-      <pc:sldChg chg="del">
-        <pc:chgData name="Nguyen, Kenny Bao Khanh (vrv6sf)" userId="8faccc5e-d3bb-4457-99f6-2c8d56a97e84" providerId="ADAL" clId="{C07F7384-005B-A24E-86AD-30D26DF57478}" dt="2025-04-22T19:47:22.147" v="1782" actId="2696"/>
-        <pc:sldMkLst>
-          <pc:docMk/>
-          <pc:sldMk cId="252684077" sldId="379"/>
-        </pc:sldMkLst>
-      </pc:sldChg>
-      <pc:sldChg chg="del">
-        <pc:chgData name="Nguyen, Kenny Bao Khanh (vrv6sf)" userId="8faccc5e-d3bb-4457-99f6-2c8d56a97e84" providerId="ADAL" clId="{C07F7384-005B-A24E-86AD-30D26DF57478}" dt="2025-04-22T19:47:22.147" v="1782" actId="2696"/>
-        <pc:sldMkLst>
-          <pc:docMk/>
-          <pc:sldMk cId="1110372945" sldId="380"/>
-        </pc:sldMkLst>
-      </pc:sldChg>
-      <pc:sldChg chg="del">
-        <pc:chgData name="Nguyen, Kenny Bao Khanh (vrv6sf)" userId="8faccc5e-d3bb-4457-99f6-2c8d56a97e84" providerId="ADAL" clId="{C07F7384-005B-A24E-86AD-30D26DF57478}" dt="2025-04-22T15:56:47.271" v="157" actId="2696"/>
-        <pc:sldMkLst>
-          <pc:docMk/>
-          <pc:sldMk cId="3773889947" sldId="382"/>
-        </pc:sldMkLst>
-      </pc:sldChg>
-      <pc:sldChg chg="del">
-        <pc:chgData name="Nguyen, Kenny Bao Khanh (vrv6sf)" userId="8faccc5e-d3bb-4457-99f6-2c8d56a97e84" providerId="ADAL" clId="{C07F7384-005B-A24E-86AD-30D26DF57478}" dt="2025-04-22T15:56:47.271" v="157" actId="2696"/>
-        <pc:sldMkLst>
-          <pc:docMk/>
-          <pc:sldMk cId="357024374" sldId="383"/>
-        </pc:sldMkLst>
-      </pc:sldChg>
-      <pc:sldChg chg="del">
-        <pc:chgData name="Nguyen, Kenny Bao Khanh (vrv6sf)" userId="8faccc5e-d3bb-4457-99f6-2c8d56a97e84" providerId="ADAL" clId="{C07F7384-005B-A24E-86AD-30D26DF57478}" dt="2025-04-22T15:56:47.271" v="157" actId="2696"/>
-        <pc:sldMkLst>
-          <pc:docMk/>
-          <pc:sldMk cId="3519982301" sldId="384"/>
-        </pc:sldMkLst>
-      </pc:sldChg>
-      <pc:sldChg chg="del">
-        <pc:chgData name="Nguyen, Kenny Bao Khanh (vrv6sf)" userId="8faccc5e-d3bb-4457-99f6-2c8d56a97e84" providerId="ADAL" clId="{C07F7384-005B-A24E-86AD-30D26DF57478}" dt="2025-04-22T15:56:47.271" v="157" actId="2696"/>
-        <pc:sldMkLst>
-          <pc:docMk/>
-          <pc:sldMk cId="2800014122" sldId="385"/>
-        </pc:sldMkLst>
-      </pc:sldChg>
-      <pc:sldChg chg="del">
-        <pc:chgData name="Nguyen, Kenny Bao Khanh (vrv6sf)" userId="8faccc5e-d3bb-4457-99f6-2c8d56a97e84" providerId="ADAL" clId="{C07F7384-005B-A24E-86AD-30D26DF57478}" dt="2025-04-22T15:56:47.271" v="157" actId="2696"/>
-        <pc:sldMkLst>
-          <pc:docMk/>
-          <pc:sldMk cId="1458556952" sldId="386"/>
-        </pc:sldMkLst>
-      </pc:sldChg>
-      <pc:sldChg chg="del">
-        <pc:chgData name="Nguyen, Kenny Bao Khanh (vrv6sf)" userId="8faccc5e-d3bb-4457-99f6-2c8d56a97e84" providerId="ADAL" clId="{C07F7384-005B-A24E-86AD-30D26DF57478}" dt="2025-04-22T15:56:47.271" v="157" actId="2696"/>
-        <pc:sldMkLst>
-          <pc:docMk/>
-          <pc:sldMk cId="1695947724" sldId="388"/>
-        </pc:sldMkLst>
-      </pc:sldChg>
-      <pc:sldChg chg="del">
-        <pc:chgData name="Nguyen, Kenny Bao Khanh (vrv6sf)" userId="8faccc5e-d3bb-4457-99f6-2c8d56a97e84" providerId="ADAL" clId="{C07F7384-005B-A24E-86AD-30D26DF57478}" dt="2025-04-22T15:56:47.271" v="157" actId="2696"/>
-        <pc:sldMkLst>
-          <pc:docMk/>
-          <pc:sldMk cId="488845182" sldId="389"/>
-        </pc:sldMkLst>
-      </pc:sldChg>
-      <pc:sldChg chg="del">
-        <pc:chgData name="Nguyen, Kenny Bao Khanh (vrv6sf)" userId="8faccc5e-d3bb-4457-99f6-2c8d56a97e84" providerId="ADAL" clId="{C07F7384-005B-A24E-86AD-30D26DF57478}" dt="2025-04-22T15:56:21.609" v="156" actId="2696"/>
-        <pc:sldMkLst>
-          <pc:docMk/>
-          <pc:sldMk cId="1185504780" sldId="391"/>
-        </pc:sldMkLst>
-      </pc:sldChg>
-      <pc:sldChg chg="del">
-        <pc:chgData name="Nguyen, Kenny Bao Khanh (vrv6sf)" userId="8faccc5e-d3bb-4457-99f6-2c8d56a97e84" providerId="ADAL" clId="{C07F7384-005B-A24E-86AD-30D26DF57478}" dt="2025-04-22T15:56:21.609" v="156" actId="2696"/>
-        <pc:sldMkLst>
-          <pc:docMk/>
-          <pc:sldMk cId="2939740784" sldId="392"/>
-        </pc:sldMkLst>
-      </pc:sldChg>
-      <pc:sldChg chg="del">
-        <pc:chgData name="Nguyen, Kenny Bao Khanh (vrv6sf)" userId="8faccc5e-d3bb-4457-99f6-2c8d56a97e84" providerId="ADAL" clId="{C07F7384-005B-A24E-86AD-30D26DF57478}" dt="2025-04-22T15:56:21.609" v="156" actId="2696"/>
-        <pc:sldMkLst>
-          <pc:docMk/>
-          <pc:sldMk cId="2273537162" sldId="393"/>
-        </pc:sldMkLst>
-      </pc:sldChg>
-      <pc:sldChg chg="del">
-        <pc:chgData name="Nguyen, Kenny Bao Khanh (vrv6sf)" userId="8faccc5e-d3bb-4457-99f6-2c8d56a97e84" providerId="ADAL" clId="{C07F7384-005B-A24E-86AD-30D26DF57478}" dt="2025-04-22T15:56:21.609" v="156" actId="2696"/>
-        <pc:sldMkLst>
-          <pc:docMk/>
-          <pc:sldMk cId="1688541465" sldId="394"/>
-        </pc:sldMkLst>
-      </pc:sldChg>
-      <pc:sldChg chg="del">
-        <pc:chgData name="Nguyen, Kenny Bao Khanh (vrv6sf)" userId="8faccc5e-d3bb-4457-99f6-2c8d56a97e84" providerId="ADAL" clId="{C07F7384-005B-A24E-86AD-30D26DF57478}" dt="2025-04-22T15:56:07.681" v="155" actId="2696"/>
-        <pc:sldMkLst>
-          <pc:docMk/>
-          <pc:sldMk cId="1451743996" sldId="395"/>
-        </pc:sldMkLst>
-      </pc:sldChg>
-      <pc:sldChg chg="del">
-        <pc:chgData name="Nguyen, Kenny Bao Khanh (vrv6sf)" userId="8faccc5e-d3bb-4457-99f6-2c8d56a97e84" providerId="ADAL" clId="{C07F7384-005B-A24E-86AD-30D26DF57478}" dt="2025-04-22T15:56:21.609" v="156" actId="2696"/>
-        <pc:sldMkLst>
-          <pc:docMk/>
-          <pc:sldMk cId="83658818" sldId="396"/>
-        </pc:sldMkLst>
-      </pc:sldChg>
-      <pc:sldChg chg="del">
-        <pc:chgData name="Nguyen, Kenny Bao Khanh (vrv6sf)" userId="8faccc5e-d3bb-4457-99f6-2c8d56a97e84" providerId="ADAL" clId="{C07F7384-005B-A24E-86AD-30D26DF57478}" dt="2025-04-22T15:56:07.681" v="155" actId="2696"/>
-        <pc:sldMkLst>
-          <pc:docMk/>
-          <pc:sldMk cId="919271472" sldId="397"/>
-        </pc:sldMkLst>
-      </pc:sldChg>
-      <pc:sldChg chg="del">
-        <pc:chgData name="Nguyen, Kenny Bao Khanh (vrv6sf)" userId="8faccc5e-d3bb-4457-99f6-2c8d56a97e84" providerId="ADAL" clId="{C07F7384-005B-A24E-86AD-30D26DF57478}" dt="2025-04-22T15:56:07.681" v="155" actId="2696"/>
-        <pc:sldMkLst>
-          <pc:docMk/>
-          <pc:sldMk cId="3884649319" sldId="398"/>
-        </pc:sldMkLst>
-      </pc:sldChg>
-      <pc:sldChg chg="del">
-        <pc:chgData name="Nguyen, Kenny Bao Khanh (vrv6sf)" userId="8faccc5e-d3bb-4457-99f6-2c8d56a97e84" providerId="ADAL" clId="{C07F7384-005B-A24E-86AD-30D26DF57478}" dt="2025-04-22T15:56:07.681" v="155" actId="2696"/>
-        <pc:sldMkLst>
-          <pc:docMk/>
-          <pc:sldMk cId="1033573435" sldId="399"/>
-        </pc:sldMkLst>
-      </pc:sldChg>
-      <pc:sldChg chg="del">
-        <pc:chgData name="Nguyen, Kenny Bao Khanh (vrv6sf)" userId="8faccc5e-d3bb-4457-99f6-2c8d56a97e84" providerId="ADAL" clId="{C07F7384-005B-A24E-86AD-30D26DF57478}" dt="2025-04-22T15:56:07.681" v="155" actId="2696"/>
-        <pc:sldMkLst>
-          <pc:docMk/>
-          <pc:sldMk cId="992042148" sldId="400"/>
-        </pc:sldMkLst>
-      </pc:sldChg>
-      <pc:sldChg chg="del">
-        <pc:chgData name="Nguyen, Kenny Bao Khanh (vrv6sf)" userId="8faccc5e-d3bb-4457-99f6-2c8d56a97e84" providerId="ADAL" clId="{C07F7384-005B-A24E-86AD-30D26DF57478}" dt="2025-04-22T15:57:01.993" v="158" actId="2696"/>
-        <pc:sldMkLst>
-          <pc:docMk/>
-          <pc:sldMk cId="4197285213" sldId="401"/>
-        </pc:sldMkLst>
-      </pc:sldChg>
-      <pc:sldChg chg="del">
-        <pc:chgData name="Nguyen, Kenny Bao Khanh (vrv6sf)" userId="8faccc5e-d3bb-4457-99f6-2c8d56a97e84" providerId="ADAL" clId="{C07F7384-005B-A24E-86AD-30D26DF57478}" dt="2025-04-22T15:56:47.271" v="157" actId="2696"/>
-        <pc:sldMkLst>
-          <pc:docMk/>
-          <pc:sldMk cId="1176930280" sldId="402"/>
-        </pc:sldMkLst>
-      </pc:sldChg>
-      <pc:sldChg chg="del">
-        <pc:chgData name="Nguyen, Kenny Bao Khanh (vrv6sf)" userId="8faccc5e-d3bb-4457-99f6-2c8d56a97e84" providerId="ADAL" clId="{C07F7384-005B-A24E-86AD-30D26DF57478}" dt="2025-04-22T19:47:22.147" v="1782" actId="2696"/>
-        <pc:sldMkLst>
-          <pc:docMk/>
-          <pc:sldMk cId="2975391319" sldId="406"/>
-        </pc:sldMkLst>
-      </pc:sldChg>
-      <pc:sldChg chg="addSp delSp modSp add mod">
-        <pc:chgData name="Nguyen, Kenny Bao Khanh (vrv6sf)" userId="8faccc5e-d3bb-4457-99f6-2c8d56a97e84" providerId="ADAL" clId="{C07F7384-005B-A24E-86AD-30D26DF57478}" dt="2025-04-22T20:46:50.055" v="3085" actId="478"/>
-        <pc:sldMkLst>
-          <pc:docMk/>
-          <pc:sldMk cId="172464985" sldId="407"/>
-        </pc:sldMkLst>
-        <pc:spChg chg="del">
-          <ac:chgData name="Nguyen, Kenny Bao Khanh (vrv6sf)" userId="8faccc5e-d3bb-4457-99f6-2c8d56a97e84" providerId="ADAL" clId="{C07F7384-005B-A24E-86AD-30D26DF57478}" dt="2025-04-22T18:45:12.221" v="343" actId="478"/>
-          <ac:spMkLst>
-            <pc:docMk/>
-            <pc:sldMk cId="172464985" sldId="407"/>
-            <ac:spMk id="2" creationId="{F0637160-2FEA-16F1-5ADE-FDB820201510}"/>
-          </ac:spMkLst>
-        </pc:spChg>
-        <pc:spChg chg="del mod">
-          <ac:chgData name="Nguyen, Kenny Bao Khanh (vrv6sf)" userId="8faccc5e-d3bb-4457-99f6-2c8d56a97e84" providerId="ADAL" clId="{C07F7384-005B-A24E-86AD-30D26DF57478}" dt="2025-04-22T18:42:21.831" v="318" actId="478"/>
-          <ac:spMkLst>
-            <pc:docMk/>
-            <pc:sldMk cId="172464985" sldId="407"/>
-            <ac:spMk id="3" creationId="{0A1400F4-FB7A-19E4-AFAA-439828E7D609}"/>
-          </ac:spMkLst>
-        </pc:spChg>
-        <pc:spChg chg="add del mod">
-          <ac:chgData name="Nguyen, Kenny Bao Khanh (vrv6sf)" userId="8faccc5e-d3bb-4457-99f6-2c8d56a97e84" providerId="ADAL" clId="{C07F7384-005B-A24E-86AD-30D26DF57478}" dt="2025-04-22T20:46:50.055" v="3085" actId="478"/>
-          <ac:spMkLst>
-            <pc:docMk/>
-            <pc:sldMk cId="172464985" sldId="407"/>
-            <ac:spMk id="5" creationId="{B9D45E50-49F4-F220-20BC-403757358FA5}"/>
-          </ac:spMkLst>
-        </pc:spChg>
-        <pc:spChg chg="mod">
-          <ac:chgData name="Nguyen, Kenny Bao Khanh (vrv6sf)" userId="8faccc5e-d3bb-4457-99f6-2c8d56a97e84" providerId="ADAL" clId="{C07F7384-005B-A24E-86AD-30D26DF57478}" dt="2025-04-22T18:45:03.112" v="328" actId="20577"/>
-          <ac:spMkLst>
-            <pc:docMk/>
-            <pc:sldMk cId="172464985" sldId="407"/>
-            <ac:spMk id="6" creationId="{CDA804AF-2BDD-3EED-341A-0D8877968EE6}"/>
-          </ac:spMkLst>
-        </pc:spChg>
-        <pc:spChg chg="add mod">
-          <ac:chgData name="Nguyen, Kenny Bao Khanh (vrv6sf)" userId="8faccc5e-d3bb-4457-99f6-2c8d56a97e84" providerId="ADAL" clId="{C07F7384-005B-A24E-86AD-30D26DF57478}" dt="2025-04-22T20:46:48.958" v="3084" actId="20577"/>
-          <ac:spMkLst>
-            <pc:docMk/>
-            <pc:sldMk cId="172464985" sldId="407"/>
-            <ac:spMk id="7" creationId="{142DE114-4EE3-B6D5-687D-E8699C8D338D}"/>
-          </ac:spMkLst>
-        </pc:spChg>
-        <pc:spChg chg="del">
-          <ac:chgData name="Nguyen, Kenny Bao Khanh (vrv6sf)" userId="8faccc5e-d3bb-4457-99f6-2c8d56a97e84" providerId="ADAL" clId="{C07F7384-005B-A24E-86AD-30D26DF57478}" dt="2025-04-22T18:45:13.174" v="344" actId="478"/>
-          <ac:spMkLst>
-            <pc:docMk/>
-            <pc:sldMk cId="172464985" sldId="407"/>
-            <ac:spMk id="92" creationId="{7AAD6D87-B055-ADFD-7CB9-D34D473914E5}"/>
-          </ac:spMkLst>
-        </pc:spChg>
-        <pc:graphicFrameChg chg="add mod modGraphic">
-          <ac:chgData name="Nguyen, Kenny Bao Khanh (vrv6sf)" userId="8faccc5e-d3bb-4457-99f6-2c8d56a97e84" providerId="ADAL" clId="{C07F7384-005B-A24E-86AD-30D26DF57478}" dt="2025-04-22T18:47:48.043" v="514" actId="207"/>
-          <ac:graphicFrameMkLst>
-            <pc:docMk/>
-            <pc:sldMk cId="172464985" sldId="407"/>
-            <ac:graphicFrameMk id="8" creationId="{527BAEA2-E8A9-BB60-4514-17CE3042C7FE}"/>
-          </ac:graphicFrameMkLst>
-        </pc:graphicFrameChg>
-        <pc:picChg chg="add del mod">
-          <ac:chgData name="Nguyen, Kenny Bao Khanh (vrv6sf)" userId="8faccc5e-d3bb-4457-99f6-2c8d56a97e84" providerId="ADAL" clId="{C07F7384-005B-A24E-86AD-30D26DF57478}" dt="2025-04-22T18:45:36.616" v="348" actId="478"/>
-          <ac:picMkLst>
-            <pc:docMk/>
-            <pc:sldMk cId="172464985" sldId="407"/>
-            <ac:picMk id="4" creationId="{42E2BCCD-A4A5-E840-0C7D-456B833FA1D4}"/>
-          </ac:picMkLst>
-        </pc:picChg>
-        <pc:picChg chg="add mod">
-          <ac:chgData name="Nguyen, Kenny Bao Khanh (vrv6sf)" userId="8faccc5e-d3bb-4457-99f6-2c8d56a97e84" providerId="ADAL" clId="{C07F7384-005B-A24E-86AD-30D26DF57478}" dt="2025-04-22T20:46:24.226" v="3079" actId="732"/>
-          <ac:picMkLst>
-            <pc:docMk/>
-            <pc:sldMk cId="172464985" sldId="407"/>
-            <ac:picMk id="3074" creationId="{288ED403-DD53-AE86-0B20-3519FA7CDBCE}"/>
-          </ac:picMkLst>
-        </pc:picChg>
-        <pc:cxnChg chg="del">
-          <ac:chgData name="Nguyen, Kenny Bao Khanh (vrv6sf)" userId="8faccc5e-d3bb-4457-99f6-2c8d56a97e84" providerId="ADAL" clId="{C07F7384-005B-A24E-86AD-30D26DF57478}" dt="2025-04-22T18:45:10.913" v="342" actId="478"/>
-          <ac:cxnSpMkLst>
-            <pc:docMk/>
-            <pc:sldMk cId="172464985" sldId="407"/>
-            <ac:cxnSpMk id="91" creationId="{6B1DDD27-6FB9-B759-600C-84ED38897140}"/>
-          </ac:cxnSpMkLst>
-        </pc:cxnChg>
-      </pc:sldChg>
-      <pc:sldChg chg="add del">
-        <pc:chgData name="Nguyen, Kenny Bao Khanh (vrv6sf)" userId="8faccc5e-d3bb-4457-99f6-2c8d56a97e84" providerId="ADAL" clId="{C07F7384-005B-A24E-86AD-30D26DF57478}" dt="2025-04-22T15:54:14.532" v="1"/>
-        <pc:sldMkLst>
-          <pc:docMk/>
-          <pc:sldMk cId="758848726" sldId="407"/>
-        </pc:sldMkLst>
-      </pc:sldChg>
-      <pc:sldChg chg="addSp delSp modSp add del mod ord">
-        <pc:chgData name="Nguyen, Kenny Bao Khanh (vrv6sf)" userId="8faccc5e-d3bb-4457-99f6-2c8d56a97e84" providerId="ADAL" clId="{C07F7384-005B-A24E-86AD-30D26DF57478}" dt="2025-04-22T20:20:07.046" v="2973" actId="20577"/>
-        <pc:sldMkLst>
-          <pc:docMk/>
-          <pc:sldMk cId="4227851130" sldId="408"/>
-        </pc:sldMkLst>
-        <pc:spChg chg="del mod">
-          <ac:chgData name="Nguyen, Kenny Bao Khanh (vrv6sf)" userId="8faccc5e-d3bb-4457-99f6-2c8d56a97e84" providerId="ADAL" clId="{C07F7384-005B-A24E-86AD-30D26DF57478}" dt="2025-04-22T19:47:44.448" v="1803" actId="478"/>
-          <ac:spMkLst>
-            <pc:docMk/>
-            <pc:sldMk cId="4227851130" sldId="408"/>
-            <ac:spMk id="2" creationId="{BBF8E251-1132-D5A2-27F8-4AB3884A95C7}"/>
-          </ac:spMkLst>
-        </pc:spChg>
-        <pc:spChg chg="mod">
-          <ac:chgData name="Nguyen, Kenny Bao Khanh (vrv6sf)" userId="8faccc5e-d3bb-4457-99f6-2c8d56a97e84" providerId="ADAL" clId="{C07F7384-005B-A24E-86AD-30D26DF57478}" dt="2025-04-22T20:00:41.057" v="2281" actId="1076"/>
-          <ac:spMkLst>
-            <pc:docMk/>
-            <pc:sldMk cId="4227851130" sldId="408"/>
-            <ac:spMk id="3" creationId="{CC8BD2F6-E894-B790-E5B0-78D04C296B48}"/>
-          </ac:spMkLst>
-        </pc:spChg>
-        <pc:spChg chg="add mod">
-          <ac:chgData name="Nguyen, Kenny Bao Khanh (vrv6sf)" userId="8faccc5e-d3bb-4457-99f6-2c8d56a97e84" providerId="ADAL" clId="{C07F7384-005B-A24E-86AD-30D26DF57478}" dt="2025-04-22T20:20:07.046" v="2973" actId="20577"/>
-          <ac:spMkLst>
-            <pc:docMk/>
-            <pc:sldMk cId="4227851130" sldId="408"/>
-            <ac:spMk id="5" creationId="{9C38A1FE-54F6-5303-F6F9-3BE2F64D9D1D}"/>
-          </ac:spMkLst>
-        </pc:spChg>
-        <pc:spChg chg="mod">
-          <ac:chgData name="Nguyen, Kenny Bao Khanh (vrv6sf)" userId="8faccc5e-d3bb-4457-99f6-2c8d56a97e84" providerId="ADAL" clId="{C07F7384-005B-A24E-86AD-30D26DF57478}" dt="2025-04-22T20:05:43.019" v="2302" actId="20577"/>
-          <ac:spMkLst>
-            <pc:docMk/>
-            <pc:sldMk cId="4227851130" sldId="408"/>
-            <ac:spMk id="6" creationId="{E472CFBB-4A87-B95B-6B2D-16AE09D5E4A7}"/>
-          </ac:spMkLst>
-        </pc:spChg>
-        <pc:spChg chg="del">
-          <ac:chgData name="Nguyen, Kenny Bao Khanh (vrv6sf)" userId="8faccc5e-d3bb-4457-99f6-2c8d56a97e84" providerId="ADAL" clId="{C07F7384-005B-A24E-86AD-30D26DF57478}" dt="2025-04-22T19:47:45.573" v="1804" actId="478"/>
-          <ac:spMkLst>
-            <pc:docMk/>
-            <pc:sldMk cId="4227851130" sldId="408"/>
-            <ac:spMk id="92" creationId="{4255A406-9FA4-A86D-F92B-304BF67AF8B9}"/>
-          </ac:spMkLst>
-        </pc:spChg>
-        <pc:cxnChg chg="del">
-          <ac:chgData name="Nguyen, Kenny Bao Khanh (vrv6sf)" userId="8faccc5e-d3bb-4457-99f6-2c8d56a97e84" providerId="ADAL" clId="{C07F7384-005B-A24E-86AD-30D26DF57478}" dt="2025-04-22T19:47:39.925" v="1799" actId="478"/>
-          <ac:cxnSpMkLst>
-            <pc:docMk/>
-            <pc:sldMk cId="4227851130" sldId="408"/>
-            <ac:cxnSpMk id="91" creationId="{BE188605-4297-B8A6-B7A8-FC6850EF0819}"/>
-          </ac:cxnSpMkLst>
-        </pc:cxnChg>
-      </pc:sldChg>
-      <pc:sldChg chg="add del">
-        <pc:chgData name="Nguyen, Kenny Bao Khanh (vrv6sf)" userId="8faccc5e-d3bb-4457-99f6-2c8d56a97e84" providerId="ADAL" clId="{C07F7384-005B-A24E-86AD-30D26DF57478}" dt="2025-04-22T19:47:22.147" v="1782" actId="2696"/>
-        <pc:sldMkLst>
-          <pc:docMk/>
-          <pc:sldMk cId="3013368288" sldId="409"/>
-        </pc:sldMkLst>
-      </pc:sldChg>
-      <pc:sldChg chg="delSp modSp add del mod">
-        <pc:chgData name="Nguyen, Kenny Bao Khanh (vrv6sf)" userId="8faccc5e-d3bb-4457-99f6-2c8d56a97e84" providerId="ADAL" clId="{C07F7384-005B-A24E-86AD-30D26DF57478}" dt="2025-04-22T20:46:45.921" v="3082" actId="2696"/>
-        <pc:sldMkLst>
-          <pc:docMk/>
-          <pc:sldMk cId="3897704600" sldId="410"/>
-        </pc:sldMkLst>
-        <pc:spChg chg="del mod">
-          <ac:chgData name="Nguyen, Kenny Bao Khanh (vrv6sf)" userId="8faccc5e-d3bb-4457-99f6-2c8d56a97e84" providerId="ADAL" clId="{C07F7384-005B-A24E-86AD-30D26DF57478}" dt="2025-04-22T18:50:56.382" v="534" actId="478"/>
-          <ac:spMkLst>
-            <pc:docMk/>
-            <pc:sldMk cId="3897704600" sldId="410"/>
-            <ac:spMk id="7" creationId="{31432E84-C49C-66CB-C424-9F06002792B7}"/>
-          </ac:spMkLst>
-        </pc:spChg>
-        <pc:graphicFrameChg chg="del modGraphic">
-          <ac:chgData name="Nguyen, Kenny Bao Khanh (vrv6sf)" userId="8faccc5e-d3bb-4457-99f6-2c8d56a97e84" providerId="ADAL" clId="{C07F7384-005B-A24E-86AD-30D26DF57478}" dt="2025-04-22T18:50:57.297" v="535" actId="478"/>
-          <ac:graphicFrameMkLst>
-            <pc:docMk/>
-            <pc:sldMk cId="3897704600" sldId="410"/>
-            <ac:graphicFrameMk id="8" creationId="{C17E15F4-8251-F0EE-385E-A1798EED885D}"/>
-          </ac:graphicFrameMkLst>
-        </pc:graphicFrameChg>
-        <pc:picChg chg="mod">
-          <ac:chgData name="Nguyen, Kenny Bao Khanh (vrv6sf)" userId="8faccc5e-d3bb-4457-99f6-2c8d56a97e84" providerId="ADAL" clId="{C07F7384-005B-A24E-86AD-30D26DF57478}" dt="2025-04-22T20:46:16.183" v="3078" actId="732"/>
-          <ac:picMkLst>
-            <pc:docMk/>
-            <pc:sldMk cId="3897704600" sldId="410"/>
-            <ac:picMk id="3074" creationId="{BE353BD1-4927-CC98-9F79-4E1E50316C09}"/>
-          </ac:picMkLst>
-        </pc:picChg>
-      </pc:sldChg>
-      <pc:sldChg chg="addSp delSp modSp add mod">
-        <pc:chgData name="Nguyen, Kenny Bao Khanh (vrv6sf)" userId="8faccc5e-d3bb-4457-99f6-2c8d56a97e84" providerId="ADAL" clId="{C07F7384-005B-A24E-86AD-30D26DF57478}" dt="2025-04-22T20:46:54.461" v="3090" actId="20577"/>
-        <pc:sldMkLst>
-          <pc:docMk/>
-          <pc:sldMk cId="253651980" sldId="411"/>
-        </pc:sldMkLst>
-        <pc:spChg chg="add mod">
-          <ac:chgData name="Nguyen, Kenny Bao Khanh (vrv6sf)" userId="8faccc5e-d3bb-4457-99f6-2c8d56a97e84" providerId="ADAL" clId="{C07F7384-005B-A24E-86AD-30D26DF57478}" dt="2025-04-22T20:46:54.461" v="3090" actId="20577"/>
-          <ac:spMkLst>
-            <pc:docMk/>
-            <pc:sldMk cId="253651980" sldId="411"/>
-            <ac:spMk id="2" creationId="{0FD38FA6-851B-98D2-7122-32B4FDC8A560}"/>
-          </ac:spMkLst>
-        </pc:spChg>
-        <pc:spChg chg="add mod">
-          <ac:chgData name="Nguyen, Kenny Bao Khanh (vrv6sf)" userId="8faccc5e-d3bb-4457-99f6-2c8d56a97e84" providerId="ADAL" clId="{C07F7384-005B-A24E-86AD-30D26DF57478}" dt="2025-04-22T18:54:38.907" v="671" actId="1076"/>
-          <ac:spMkLst>
-            <pc:docMk/>
-            <pc:sldMk cId="253651980" sldId="411"/>
-            <ac:spMk id="3" creationId="{CE04FFBC-3445-FB4E-128D-5B233557FEFB}"/>
-          </ac:spMkLst>
-        </pc:spChg>
-        <pc:spChg chg="add mod">
-          <ac:chgData name="Nguyen, Kenny Bao Khanh (vrv6sf)" userId="8faccc5e-d3bb-4457-99f6-2c8d56a97e84" providerId="ADAL" clId="{C07F7384-005B-A24E-86AD-30D26DF57478}" dt="2025-04-22T18:54:39.897" v="672"/>
-          <ac:spMkLst>
-            <pc:docMk/>
-            <pc:sldMk cId="253651980" sldId="411"/>
-            <ac:spMk id="4" creationId="{B2572535-AEB1-F5F1-7718-13BCA7D1F857}"/>
-          </ac:spMkLst>
-        </pc:spChg>
-        <pc:spChg chg="del">
-          <ac:chgData name="Nguyen, Kenny Bao Khanh (vrv6sf)" userId="8faccc5e-d3bb-4457-99f6-2c8d56a97e84" providerId="ADAL" clId="{C07F7384-005B-A24E-86AD-30D26DF57478}" dt="2025-04-22T20:46:51.956" v="3086" actId="478"/>
-          <ac:spMkLst>
-            <pc:docMk/>
-            <pc:sldMk cId="253651980" sldId="411"/>
-            <ac:spMk id="5" creationId="{A95E751A-635E-82DD-5DE9-D3219788C458}"/>
-          </ac:spMkLst>
-        </pc:spChg>
-        <pc:spChg chg="mod">
-          <ac:chgData name="Nguyen, Kenny Bao Khanh (vrv6sf)" userId="8faccc5e-d3bb-4457-99f6-2c8d56a97e84" providerId="ADAL" clId="{C07F7384-005B-A24E-86AD-30D26DF57478}" dt="2025-04-22T20:46:53.361" v="3088" actId="20577"/>
-          <ac:spMkLst>
-            <pc:docMk/>
-            <pc:sldMk cId="253651980" sldId="411"/>
-            <ac:spMk id="7" creationId="{C7DF038E-2A91-DA5A-FAF8-A31EC7494590}"/>
-          </ac:spMkLst>
-        </pc:spChg>
-        <pc:spChg chg="add mod">
-          <ac:chgData name="Nguyen, Kenny Bao Khanh (vrv6sf)" userId="8faccc5e-d3bb-4457-99f6-2c8d56a97e84" providerId="ADAL" clId="{C07F7384-005B-A24E-86AD-30D26DF57478}" dt="2025-04-22T18:55:09.060" v="679" actId="1076"/>
-          <ac:spMkLst>
-            <pc:docMk/>
-            <pc:sldMk cId="253651980" sldId="411"/>
-            <ac:spMk id="9" creationId="{A7DE4A83-88E6-C505-43F0-9DD6972FCBAB}"/>
-          </ac:spMkLst>
-        </pc:spChg>
-        <pc:graphicFrameChg chg="add mod">
-          <ac:chgData name="Nguyen, Kenny Bao Khanh (vrv6sf)" userId="8faccc5e-d3bb-4457-99f6-2c8d56a97e84" providerId="ADAL" clId="{C07F7384-005B-A24E-86AD-30D26DF57478}" dt="2025-04-22T18:56:06.741" v="682" actId="1076"/>
-          <ac:graphicFrameMkLst>
-            <pc:docMk/>
-            <pc:sldMk cId="253651980" sldId="411"/>
-            <ac:graphicFrameMk id="10" creationId="{7DB10B35-5AC2-709A-441D-913B65F5EDEC}"/>
-          </ac:graphicFrameMkLst>
-        </pc:graphicFrameChg>
-        <pc:picChg chg="mod">
-          <ac:chgData name="Nguyen, Kenny Bao Khanh (vrv6sf)" userId="8faccc5e-d3bb-4457-99f6-2c8d56a97e84" providerId="ADAL" clId="{C07F7384-005B-A24E-86AD-30D26DF57478}" dt="2025-04-22T20:46:29.719" v="3080" actId="732"/>
-          <ac:picMkLst>
-            <pc:docMk/>
-            <pc:sldMk cId="253651980" sldId="411"/>
-            <ac:picMk id="3074" creationId="{DE71AF58-0ACC-A4DB-777C-C4AB613A52D9}"/>
-          </ac:picMkLst>
-        </pc:picChg>
-      </pc:sldChg>
-      <pc:sldChg chg="addSp modSp add del mod">
-        <pc:chgData name="Nguyen, Kenny Bao Khanh (vrv6sf)" userId="8faccc5e-d3bb-4457-99f6-2c8d56a97e84" providerId="ADAL" clId="{C07F7384-005B-A24E-86AD-30D26DF57478}" dt="2025-04-22T18:54:06.564" v="624" actId="2696"/>
-        <pc:sldMkLst>
-          <pc:docMk/>
-          <pc:sldMk cId="3975317052" sldId="411"/>
-        </pc:sldMkLst>
-        <pc:spChg chg="add mod">
-          <ac:chgData name="Nguyen, Kenny Bao Khanh (vrv6sf)" userId="8faccc5e-d3bb-4457-99f6-2c8d56a97e84" providerId="ADAL" clId="{C07F7384-005B-A24E-86AD-30D26DF57478}" dt="2025-04-22T18:52:34.658" v="553" actId="1076"/>
-          <ac:spMkLst>
-            <pc:docMk/>
-            <pc:sldMk cId="3975317052" sldId="411"/>
-            <ac:spMk id="2" creationId="{49893409-90E4-A091-5CC8-CFCA40CEA9AB}"/>
-          </ac:spMkLst>
-        </pc:spChg>
-        <pc:spChg chg="mod">
-          <ac:chgData name="Nguyen, Kenny Bao Khanh (vrv6sf)" userId="8faccc5e-d3bb-4457-99f6-2c8d56a97e84" providerId="ADAL" clId="{C07F7384-005B-A24E-86AD-30D26DF57478}" dt="2025-04-22T18:51:49.716" v="549" actId="20577"/>
-          <ac:spMkLst>
-            <pc:docMk/>
-            <pc:sldMk cId="3975317052" sldId="411"/>
-            <ac:spMk id="7" creationId="{5C95FBE0-719A-D593-A1CE-DA1442CBB6B3}"/>
-          </ac:spMkLst>
-        </pc:spChg>
-        <pc:graphicFrameChg chg="modGraphic">
-          <ac:chgData name="Nguyen, Kenny Bao Khanh (vrv6sf)" userId="8faccc5e-d3bb-4457-99f6-2c8d56a97e84" providerId="ADAL" clId="{C07F7384-005B-A24E-86AD-30D26DF57478}" dt="2025-04-22T18:52:26.733" v="551" actId="2165"/>
-          <ac:graphicFrameMkLst>
-            <pc:docMk/>
-            <pc:sldMk cId="3975317052" sldId="411"/>
-            <ac:graphicFrameMk id="8" creationId="{54C58D2C-ADD4-7EC6-7EDC-6F40EB50DAA6}"/>
-          </ac:graphicFrameMkLst>
-        </pc:graphicFrameChg>
-      </pc:sldChg>
-      <pc:sldChg chg="addSp delSp modSp add mod">
-        <pc:chgData name="Nguyen, Kenny Bao Khanh (vrv6sf)" userId="8faccc5e-d3bb-4457-99f6-2c8d56a97e84" providerId="ADAL" clId="{C07F7384-005B-A24E-86AD-30D26DF57478}" dt="2025-04-22T20:47:01.511" v="3099" actId="20577"/>
-        <pc:sldMkLst>
-          <pc:docMk/>
-          <pc:sldMk cId="326373042" sldId="412"/>
-        </pc:sldMkLst>
-        <pc:spChg chg="mod">
-          <ac:chgData name="Nguyen, Kenny Bao Khanh (vrv6sf)" userId="8faccc5e-d3bb-4457-99f6-2c8d56a97e84" providerId="ADAL" clId="{C07F7384-005B-A24E-86AD-30D26DF57478}" dt="2025-04-22T20:47:00.491" v="3097" actId="20577"/>
-          <ac:spMkLst>
-            <pc:docMk/>
-            <pc:sldMk cId="326373042" sldId="412"/>
-            <ac:spMk id="2" creationId="{DB4C219D-1725-045E-9AC9-34A94DB1E65C}"/>
-          </ac:spMkLst>
-        </pc:spChg>
-        <pc:spChg chg="add mod">
-          <ac:chgData name="Nguyen, Kenny Bao Khanh (vrv6sf)" userId="8faccc5e-d3bb-4457-99f6-2c8d56a97e84" providerId="ADAL" clId="{C07F7384-005B-A24E-86AD-30D26DF57478}" dt="2025-04-22T20:47:01.511" v="3099" actId="20577"/>
-          <ac:spMkLst>
-            <pc:docMk/>
-            <pc:sldMk cId="326373042" sldId="412"/>
-            <ac:spMk id="4" creationId="{9E607290-92B9-B778-8A76-76268B61CEC3}"/>
-          </ac:spMkLst>
-        </pc:spChg>
-        <pc:spChg chg="del">
-          <ac:chgData name="Nguyen, Kenny Bao Khanh (vrv6sf)" userId="8faccc5e-d3bb-4457-99f6-2c8d56a97e84" providerId="ADAL" clId="{C07F7384-005B-A24E-86AD-30D26DF57478}" dt="2025-04-22T20:46:58.064" v="3091" actId="478"/>
-          <ac:spMkLst>
-            <pc:docMk/>
-            <pc:sldMk cId="326373042" sldId="412"/>
-            <ac:spMk id="5" creationId="{82E61BC1-FFD4-F8D4-8671-017B1541DE76}"/>
-          </ac:spMkLst>
-        </pc:spChg>
-        <pc:spChg chg="mod">
-          <ac:chgData name="Nguyen, Kenny Bao Khanh (vrv6sf)" userId="8faccc5e-d3bb-4457-99f6-2c8d56a97e84" providerId="ADAL" clId="{C07F7384-005B-A24E-86AD-30D26DF57478}" dt="2025-04-22T20:46:59.591" v="3095" actId="20577"/>
-          <ac:spMkLst>
-            <pc:docMk/>
-            <pc:sldMk cId="326373042" sldId="412"/>
-            <ac:spMk id="7" creationId="{AC2FBD87-7F11-A268-2E13-73030B1608B4}"/>
-          </ac:spMkLst>
-        </pc:spChg>
-        <pc:spChg chg="add mod">
-          <ac:chgData name="Nguyen, Kenny Bao Khanh (vrv6sf)" userId="8faccc5e-d3bb-4457-99f6-2c8d56a97e84" providerId="ADAL" clId="{C07F7384-005B-A24E-86AD-30D26DF57478}" dt="2025-04-22T19:02:01.089" v="993"/>
-          <ac:spMkLst>
-            <pc:docMk/>
-            <pc:sldMk cId="326373042" sldId="412"/>
-            <ac:spMk id="16" creationId="{3C933F5D-CE29-DFD8-12F5-0076E356EDAC}"/>
-          </ac:spMkLst>
-        </pc:spChg>
-        <pc:spChg chg="add mod">
-          <ac:chgData name="Nguyen, Kenny Bao Khanh (vrv6sf)" userId="8faccc5e-d3bb-4457-99f6-2c8d56a97e84" providerId="ADAL" clId="{C07F7384-005B-A24E-86AD-30D26DF57478}" dt="2025-04-22T19:02:01.089" v="993"/>
-          <ac:spMkLst>
-            <pc:docMk/>
-            <pc:sldMk cId="326373042" sldId="412"/>
-            <ac:spMk id="17" creationId="{E945433B-D509-AFEB-4875-F1B53163E3E4}"/>
-          </ac:spMkLst>
-        </pc:spChg>
-        <pc:graphicFrameChg chg="add del mod modGraphic">
-          <ac:chgData name="Nguyen, Kenny Bao Khanh (vrv6sf)" userId="8faccc5e-d3bb-4457-99f6-2c8d56a97e84" providerId="ADAL" clId="{C07F7384-005B-A24E-86AD-30D26DF57478}" dt="2025-04-22T18:59:36.526" v="904" actId="478"/>
-          <ac:graphicFrameMkLst>
-            <pc:docMk/>
-            <pc:sldMk cId="326373042" sldId="412"/>
-            <ac:graphicFrameMk id="11" creationId="{421D044F-6CE7-F472-612B-896B4D42C1D1}"/>
-          </ac:graphicFrameMkLst>
-        </pc:graphicFrameChg>
-        <pc:graphicFrameChg chg="add del modGraphic">
-          <ac:chgData name="Nguyen, Kenny Bao Khanh (vrv6sf)" userId="8faccc5e-d3bb-4457-99f6-2c8d56a97e84" providerId="ADAL" clId="{C07F7384-005B-A24E-86AD-30D26DF57478}" dt="2025-04-22T18:59:45.412" v="908" actId="478"/>
-          <ac:graphicFrameMkLst>
-            <pc:docMk/>
-            <pc:sldMk cId="326373042" sldId="412"/>
-            <ac:graphicFrameMk id="12" creationId="{7C236268-405A-EFDD-3B6D-76BC363F9B43}"/>
-          </ac:graphicFrameMkLst>
-        </pc:graphicFrameChg>
-        <pc:graphicFrameChg chg="add del mod modGraphic">
-          <ac:chgData name="Nguyen, Kenny Bao Khanh (vrv6sf)" userId="8faccc5e-d3bb-4457-99f6-2c8d56a97e84" providerId="ADAL" clId="{C07F7384-005B-A24E-86AD-30D26DF57478}" dt="2025-04-22T19:01:36.649" v="983" actId="21"/>
-          <ac:graphicFrameMkLst>
-            <pc:docMk/>
-            <pc:sldMk cId="326373042" sldId="412"/>
-            <ac:graphicFrameMk id="13" creationId="{F486800C-B1B5-D3A3-8073-FF1E0B5D384C}"/>
-          </ac:graphicFrameMkLst>
-        </pc:graphicFrameChg>
-        <pc:graphicFrameChg chg="add del mod">
-          <ac:chgData name="Nguyen, Kenny Bao Khanh (vrv6sf)" userId="8faccc5e-d3bb-4457-99f6-2c8d56a97e84" providerId="ADAL" clId="{C07F7384-005B-A24E-86AD-30D26DF57478}" dt="2025-04-22T19:08:50.176" v="1049" actId="478"/>
-          <ac:graphicFrameMkLst>
-            <pc:docMk/>
-            <pc:sldMk cId="326373042" sldId="412"/>
-            <ac:graphicFrameMk id="14" creationId="{9A5713DE-80EE-2221-9AEB-5DCA2CF90F1F}"/>
-          </ac:graphicFrameMkLst>
-        </pc:graphicFrameChg>
-        <pc:graphicFrameChg chg="add mod">
-          <ac:chgData name="Nguyen, Kenny Bao Khanh (vrv6sf)" userId="8faccc5e-d3bb-4457-99f6-2c8d56a97e84" providerId="ADAL" clId="{C07F7384-005B-A24E-86AD-30D26DF57478}" dt="2025-04-22T19:02:01.089" v="993"/>
-          <ac:graphicFrameMkLst>
-            <pc:docMk/>
-            <pc:sldMk cId="326373042" sldId="412"/>
-            <ac:graphicFrameMk id="15" creationId="{102DE140-F471-F96B-70B6-3161F3BC1FA7}"/>
-          </ac:graphicFrameMkLst>
-        </pc:graphicFrameChg>
-        <pc:graphicFrameChg chg="add mod">
-          <ac:chgData name="Nguyen, Kenny Bao Khanh (vrv6sf)" userId="8faccc5e-d3bb-4457-99f6-2c8d56a97e84" providerId="ADAL" clId="{C07F7384-005B-A24E-86AD-30D26DF57478}" dt="2025-04-22T19:02:01.089" v="993"/>
-          <ac:graphicFrameMkLst>
-            <pc:docMk/>
-            <pc:sldMk cId="326373042" sldId="412"/>
-            <ac:graphicFrameMk id="18" creationId="{8ABB8B90-291C-8DE8-4BF0-4BC6DC31C395}"/>
-          </ac:graphicFrameMkLst>
-        </pc:graphicFrameChg>
-        <pc:picChg chg="mod">
-          <ac:chgData name="Nguyen, Kenny Bao Khanh (vrv6sf)" userId="8faccc5e-d3bb-4457-99f6-2c8d56a97e84" providerId="ADAL" clId="{C07F7384-005B-A24E-86AD-30D26DF57478}" dt="2025-04-22T20:46:35.157" v="3081" actId="732"/>
-          <ac:picMkLst>
-            <pc:docMk/>
-            <pc:sldMk cId="326373042" sldId="412"/>
-            <ac:picMk id="3074" creationId="{04E60D8C-D287-5B3D-86D8-F2FA096414DB}"/>
-          </ac:picMkLst>
-        </pc:picChg>
-      </pc:sldChg>
-      <pc:sldChg chg="addSp delSp modSp add mod">
-        <pc:chgData name="Nguyen, Kenny Bao Khanh (vrv6sf)" userId="8faccc5e-d3bb-4457-99f6-2c8d56a97e84" providerId="ADAL" clId="{C07F7384-005B-A24E-86AD-30D26DF57478}" dt="2025-04-22T20:47:23.134" v="3100" actId="732"/>
-        <pc:sldMkLst>
-          <pc:docMk/>
-          <pc:sldMk cId="3661575610" sldId="413"/>
-        </pc:sldMkLst>
-        <pc:spChg chg="del">
-          <ac:chgData name="Nguyen, Kenny Bao Khanh (vrv6sf)" userId="8faccc5e-d3bb-4457-99f6-2c8d56a97e84" providerId="ADAL" clId="{C07F7384-005B-A24E-86AD-30D26DF57478}" dt="2025-04-22T19:01:44.192" v="986" actId="478"/>
-          <ac:spMkLst>
-            <pc:docMk/>
-            <pc:sldMk cId="3661575610" sldId="413"/>
-            <ac:spMk id="2" creationId="{012C6D45-BB57-4464-4AC9-AB22EE0C0482}"/>
-          </ac:spMkLst>
-        </pc:spChg>
-        <pc:spChg chg="del">
-          <ac:chgData name="Nguyen, Kenny Bao Khanh (vrv6sf)" userId="8faccc5e-d3bb-4457-99f6-2c8d56a97e84" providerId="ADAL" clId="{C07F7384-005B-A24E-86AD-30D26DF57478}" dt="2025-04-22T19:01:46.206" v="988" actId="478"/>
-          <ac:spMkLst>
-            <pc:docMk/>
-            <pc:sldMk cId="3661575610" sldId="413"/>
-            <ac:spMk id="3" creationId="{E3117AEA-60A7-9BBC-90FD-D4F2F2EA5271}"/>
-          </ac:spMkLst>
-        </pc:spChg>
-        <pc:spChg chg="mod">
-          <ac:chgData name="Nguyen, Kenny Bao Khanh (vrv6sf)" userId="8faccc5e-d3bb-4457-99f6-2c8d56a97e84" providerId="ADAL" clId="{C07F7384-005B-A24E-86AD-30D26DF57478}" dt="2025-04-22T19:01:53.132" v="991" actId="1076"/>
-          <ac:spMkLst>
-            <pc:docMk/>
-            <pc:sldMk cId="3661575610" sldId="413"/>
-            <ac:spMk id="4" creationId="{4FDD6E9C-5B71-832C-DDA7-BEB7A2D10A4F}"/>
-          </ac:spMkLst>
-        </pc:spChg>
-        <pc:spChg chg="del">
-          <ac:chgData name="Nguyen, Kenny Bao Khanh (vrv6sf)" userId="8faccc5e-d3bb-4457-99f6-2c8d56a97e84" providerId="ADAL" clId="{C07F7384-005B-A24E-86AD-30D26DF57478}" dt="2025-04-22T19:01:44.192" v="986" actId="478"/>
-          <ac:spMkLst>
-            <pc:docMk/>
-            <pc:sldMk cId="3661575610" sldId="413"/>
-            <ac:spMk id="5" creationId="{B6B6D2E3-273F-0DCA-27FD-E703BCA4FC04}"/>
-          </ac:spMkLst>
-        </pc:spChg>
-        <pc:spChg chg="del">
-          <ac:chgData name="Nguyen, Kenny Bao Khanh (vrv6sf)" userId="8faccc5e-d3bb-4457-99f6-2c8d56a97e84" providerId="ADAL" clId="{C07F7384-005B-A24E-86AD-30D26DF57478}" dt="2025-04-22T19:01:44.192" v="986" actId="478"/>
-          <ac:spMkLst>
-            <pc:docMk/>
-            <pc:sldMk cId="3661575610" sldId="413"/>
-            <ac:spMk id="7" creationId="{0ED62DB3-032E-3A81-BCDA-BB29DBFC362F}"/>
-          </ac:spMkLst>
-        </pc:spChg>
-        <pc:spChg chg="del">
-          <ac:chgData name="Nguyen, Kenny Bao Khanh (vrv6sf)" userId="8faccc5e-d3bb-4457-99f6-2c8d56a97e84" providerId="ADAL" clId="{C07F7384-005B-A24E-86AD-30D26DF57478}" dt="2025-04-22T19:01:49.155" v="990" actId="478"/>
-          <ac:spMkLst>
-            <pc:docMk/>
-            <pc:sldMk cId="3661575610" sldId="413"/>
-            <ac:spMk id="9" creationId="{107A3962-B128-29BD-1DDB-0576A64163D1}"/>
-          </ac:spMkLst>
-        </pc:spChg>
-        <pc:spChg chg="add mod">
-          <ac:chgData name="Nguyen, Kenny Bao Khanh (vrv6sf)" userId="8faccc5e-d3bb-4457-99f6-2c8d56a97e84" providerId="ADAL" clId="{C07F7384-005B-A24E-86AD-30D26DF57478}" dt="2025-04-22T19:02:05.919" v="995" actId="1076"/>
-          <ac:spMkLst>
-            <pc:docMk/>
-            <pc:sldMk cId="3661575610" sldId="413"/>
-            <ac:spMk id="12" creationId="{F32FAE81-1424-66A6-41A4-9D07EA9D3D78}"/>
-          </ac:spMkLst>
-        </pc:spChg>
-        <pc:spChg chg="add mod">
-          <ac:chgData name="Nguyen, Kenny Bao Khanh (vrv6sf)" userId="8faccc5e-d3bb-4457-99f6-2c8d56a97e84" providerId="ADAL" clId="{C07F7384-005B-A24E-86AD-30D26DF57478}" dt="2025-04-22T19:02:10.891" v="996" actId="1076"/>
-          <ac:spMkLst>
-            <pc:docMk/>
-            <pc:sldMk cId="3661575610" sldId="413"/>
-            <ac:spMk id="13" creationId="{E40A717F-1F37-C368-11DF-71A0E7C8A99D}"/>
-          </ac:spMkLst>
-        </pc:spChg>
-        <pc:spChg chg="add mod">
-          <ac:chgData name="Nguyen, Kenny Bao Khanh (vrv6sf)" userId="8faccc5e-d3bb-4457-99f6-2c8d56a97e84" providerId="ADAL" clId="{C07F7384-005B-A24E-86AD-30D26DF57478}" dt="2025-04-22T20:38:53.715" v="3070" actId="20577"/>
-          <ac:spMkLst>
-            <pc:docMk/>
-            <pc:sldMk cId="3661575610" sldId="413"/>
-            <ac:spMk id="18" creationId="{BFFE8897-C9D3-C9A9-6373-47D7A5A397BC}"/>
-          </ac:spMkLst>
-        </pc:spChg>
-        <pc:graphicFrameChg chg="del">
-          <ac:chgData name="Nguyen, Kenny Bao Khanh (vrv6sf)" userId="8faccc5e-d3bb-4457-99f6-2c8d56a97e84" providerId="ADAL" clId="{C07F7384-005B-A24E-86AD-30D26DF57478}" dt="2025-04-22T19:01:45.235" v="987" actId="478"/>
-          <ac:graphicFrameMkLst>
-            <pc:docMk/>
-            <pc:sldMk cId="3661575610" sldId="413"/>
-            <ac:graphicFrameMk id="8" creationId="{F1D80277-1A18-9FF8-5531-F46C9E9C600A}"/>
-          </ac:graphicFrameMkLst>
-        </pc:graphicFrameChg>
-        <pc:graphicFrameChg chg="del">
-          <ac:chgData name="Nguyen, Kenny Bao Khanh (vrv6sf)" userId="8faccc5e-d3bb-4457-99f6-2c8d56a97e84" providerId="ADAL" clId="{C07F7384-005B-A24E-86AD-30D26DF57478}" dt="2025-04-22T19:01:47.138" v="989" actId="478"/>
-          <ac:graphicFrameMkLst>
-            <pc:docMk/>
-            <pc:sldMk cId="3661575610" sldId="413"/>
-            <ac:graphicFrameMk id="10" creationId="{E4CA4C2F-865F-AB48-FEFD-47160E99418E}"/>
-          </ac:graphicFrameMkLst>
-        </pc:graphicFrameChg>
-        <pc:graphicFrameChg chg="add mod">
-          <ac:chgData name="Nguyen, Kenny Bao Khanh (vrv6sf)" userId="8faccc5e-d3bb-4457-99f6-2c8d56a97e84" providerId="ADAL" clId="{C07F7384-005B-A24E-86AD-30D26DF57478}" dt="2025-04-22T19:02:05.919" v="995" actId="1076"/>
-          <ac:graphicFrameMkLst>
-            <pc:docMk/>
-            <pc:sldMk cId="3661575610" sldId="413"/>
-            <ac:graphicFrameMk id="11" creationId="{E8C3D938-BB39-3001-99D5-883CD80056E0}"/>
-          </ac:graphicFrameMkLst>
-        </pc:graphicFrameChg>
-        <pc:graphicFrameChg chg="mod modGraphic">
-          <ac:chgData name="Nguyen, Kenny Bao Khanh (vrv6sf)" userId="8faccc5e-d3bb-4457-99f6-2c8d56a97e84" providerId="ADAL" clId="{C07F7384-005B-A24E-86AD-30D26DF57478}" dt="2025-04-22T20:39:00.032" v="3074" actId="14734"/>
-          <ac:graphicFrameMkLst>
-            <pc:docMk/>
-            <pc:sldMk cId="3661575610" sldId="413"/>
-            <ac:graphicFrameMk id="14" creationId="{8DD71FC3-06E0-3339-AA4B-34DE87EE69D6}"/>
-          </ac:graphicFrameMkLst>
-        </pc:graphicFrameChg>
-        <pc:graphicFrameChg chg="add mod modGraphic">
-          <ac:chgData name="Nguyen, Kenny Bao Khanh (vrv6sf)" userId="8faccc5e-d3bb-4457-99f6-2c8d56a97e84" providerId="ADAL" clId="{C07F7384-005B-A24E-86AD-30D26DF57478}" dt="2025-04-22T19:09:23.039" v="1130" actId="113"/>
-          <ac:graphicFrameMkLst>
-            <pc:docMk/>
-            <pc:sldMk cId="3661575610" sldId="413"/>
-            <ac:graphicFrameMk id="15" creationId="{5321CA79-8B9E-AB6A-E6D0-05107F49AB04}"/>
-          </ac:graphicFrameMkLst>
-        </pc:graphicFrameChg>
-        <pc:picChg chg="mod">
-          <ac:chgData name="Nguyen, Kenny Bao Khanh (vrv6sf)" userId="8faccc5e-d3bb-4457-99f6-2c8d56a97e84" providerId="ADAL" clId="{C07F7384-005B-A24E-86AD-30D26DF57478}" dt="2025-04-22T20:47:23.134" v="3100" actId="732"/>
-          <ac:picMkLst>
-            <pc:docMk/>
-            <pc:sldMk cId="3661575610" sldId="413"/>
-            <ac:picMk id="3074" creationId="{BC0E0A38-D374-F6EF-3CF5-AA9CAE594583}"/>
-          </ac:picMkLst>
-        </pc:picChg>
-        <pc:cxnChg chg="add mod">
-          <ac:chgData name="Nguyen, Kenny Bao Khanh (vrv6sf)" userId="8faccc5e-d3bb-4457-99f6-2c8d56a97e84" providerId="ADAL" clId="{C07F7384-005B-A24E-86AD-30D26DF57478}" dt="2025-04-22T19:08:38.613" v="1048" actId="208"/>
-          <ac:cxnSpMkLst>
-            <pc:docMk/>
-            <pc:sldMk cId="3661575610" sldId="413"/>
-            <ac:cxnSpMk id="17" creationId="{0EF758B7-3815-02DD-C503-2810F4DB3D57}"/>
-          </ac:cxnSpMkLst>
-        </pc:cxnChg>
-      </pc:sldChg>
-      <pc:sldChg chg="delSp add del mod">
-        <pc:chgData name="Nguyen, Kenny Bao Khanh (vrv6sf)" userId="8faccc5e-d3bb-4457-99f6-2c8d56a97e84" providerId="ADAL" clId="{C07F7384-005B-A24E-86AD-30D26DF57478}" dt="2025-04-22T19:27:50.818" v="1135" actId="2696"/>
-        <pc:sldMkLst>
-          <pc:docMk/>
-          <pc:sldMk cId="70128501" sldId="414"/>
-        </pc:sldMkLst>
-        <pc:spChg chg="del">
-          <ac:chgData name="Nguyen, Kenny Bao Khanh (vrv6sf)" userId="8faccc5e-d3bb-4457-99f6-2c8d56a97e84" providerId="ADAL" clId="{C07F7384-005B-A24E-86AD-30D26DF57478}" dt="2025-04-22T19:27:28.928" v="1134" actId="478"/>
-          <ac:spMkLst>
-            <pc:docMk/>
-            <pc:sldMk cId="70128501" sldId="414"/>
-            <ac:spMk id="18" creationId="{15A452AC-DC14-6F5F-DF4E-FD050B3951BE}"/>
-          </ac:spMkLst>
-        </pc:spChg>
-      </pc:sldChg>
-      <pc:sldChg chg="addSp delSp modSp add mod">
-        <pc:chgData name="Nguyen, Kenny Bao Khanh (vrv6sf)" userId="8faccc5e-d3bb-4457-99f6-2c8d56a97e84" providerId="ADAL" clId="{C07F7384-005B-A24E-86AD-30D26DF57478}" dt="2025-04-22T20:47:28.491" v="3101" actId="732"/>
-        <pc:sldMkLst>
-          <pc:docMk/>
-          <pc:sldMk cId="4001370992" sldId="414"/>
-        </pc:sldMkLst>
-        <pc:spChg chg="add mod">
-          <ac:chgData name="Nguyen, Kenny Bao Khanh (vrv6sf)" userId="8faccc5e-d3bb-4457-99f6-2c8d56a97e84" providerId="ADAL" clId="{C07F7384-005B-A24E-86AD-30D26DF57478}" dt="2025-04-22T19:36:36.400" v="1316"/>
-          <ac:spMkLst>
-            <pc:docMk/>
-            <pc:sldMk cId="4001370992" sldId="414"/>
-            <ac:spMk id="2" creationId="{2A28CC59-9646-6429-A42E-FC57A391394D}"/>
-          </ac:spMkLst>
-        </pc:spChg>
-        <pc:spChg chg="add mod">
-          <ac:chgData name="Nguyen, Kenny Bao Khanh (vrv6sf)" userId="8faccc5e-d3bb-4457-99f6-2c8d56a97e84" providerId="ADAL" clId="{C07F7384-005B-A24E-86AD-30D26DF57478}" dt="2025-04-22T19:36:41.091" v="1317"/>
-          <ac:spMkLst>
-            <pc:docMk/>
-            <pc:sldMk cId="4001370992" sldId="414"/>
-            <ac:spMk id="3" creationId="{D23B389B-666A-48E9-059A-07A9C84BD994}"/>
-          </ac:spMkLst>
-        </pc:spChg>
-        <pc:spChg chg="mod">
-          <ac:chgData name="Nguyen, Kenny Bao Khanh (vrv6sf)" userId="8faccc5e-d3bb-4457-99f6-2c8d56a97e84" providerId="ADAL" clId="{C07F7384-005B-A24E-86AD-30D26DF57478}" dt="2025-04-22T19:44:18.698" v="1573" actId="20577"/>
-          <ac:spMkLst>
-            <pc:docMk/>
-            <pc:sldMk cId="4001370992" sldId="414"/>
-            <ac:spMk id="4" creationId="{C5CC2319-55B6-6F9A-D2CC-A2C8708470D5}"/>
-          </ac:spMkLst>
-        </pc:spChg>
-        <pc:spChg chg="add del">
-          <ac:chgData name="Nguyen, Kenny Bao Khanh (vrv6sf)" userId="8faccc5e-d3bb-4457-99f6-2c8d56a97e84" providerId="ADAL" clId="{C07F7384-005B-A24E-86AD-30D26DF57478}" dt="2025-04-22T19:38:07.406" v="1381" actId="22"/>
-          <ac:spMkLst>
-            <pc:docMk/>
-            <pc:sldMk cId="4001370992" sldId="414"/>
-            <ac:spMk id="8" creationId="{3B731AD5-05BF-0AAA-BA6F-4D0854B30571}"/>
-          </ac:spMkLst>
-        </pc:spChg>
-        <pc:spChg chg="del">
-          <ac:chgData name="Nguyen, Kenny Bao Khanh (vrv6sf)" userId="8faccc5e-d3bb-4457-99f6-2c8d56a97e84" providerId="ADAL" clId="{C07F7384-005B-A24E-86AD-30D26DF57478}" dt="2025-04-22T19:35:25.731" v="1251" actId="478"/>
-          <ac:spMkLst>
-            <pc:docMk/>
-            <pc:sldMk cId="4001370992" sldId="414"/>
-            <ac:spMk id="13" creationId="{7C5DF717-307C-C375-0573-0596F0A29F5C}"/>
-          </ac:spMkLst>
-        </pc:spChg>
-        <pc:spChg chg="del">
-          <ac:chgData name="Nguyen, Kenny Bao Khanh (vrv6sf)" userId="8faccc5e-d3bb-4457-99f6-2c8d56a97e84" providerId="ADAL" clId="{C07F7384-005B-A24E-86AD-30D26DF57478}" dt="2025-04-22T19:28:04.660" v="1137" actId="478"/>
-          <ac:spMkLst>
-            <pc:docMk/>
-            <pc:sldMk cId="4001370992" sldId="414"/>
-            <ac:spMk id="18" creationId="{CDB50FAB-B9B3-16C8-4D6E-1A864365A7B4}"/>
-          </ac:spMkLst>
-        </pc:spChg>
-        <pc:graphicFrameChg chg="add mod modGraphic">
-          <ac:chgData name="Nguyen, Kenny Bao Khanh (vrv6sf)" userId="8faccc5e-d3bb-4457-99f6-2c8d56a97e84" providerId="ADAL" clId="{C07F7384-005B-A24E-86AD-30D26DF57478}" dt="2025-04-22T19:42:38.627" v="1420" actId="207"/>
-          <ac:graphicFrameMkLst>
-            <pc:docMk/>
-            <pc:sldMk cId="4001370992" sldId="414"/>
-            <ac:graphicFrameMk id="5" creationId="{A3778B42-4321-758D-FA3C-3B65C98B8610}"/>
-          </ac:graphicFrameMkLst>
-        </pc:graphicFrameChg>
-        <pc:graphicFrameChg chg="add mod modGraphic">
-          <ac:chgData name="Nguyen, Kenny Bao Khanh (vrv6sf)" userId="8faccc5e-d3bb-4457-99f6-2c8d56a97e84" providerId="ADAL" clId="{C07F7384-005B-A24E-86AD-30D26DF57478}" dt="2025-04-22T19:40:05.245" v="1406" actId="113"/>
-          <ac:graphicFrameMkLst>
-            <pc:docMk/>
-            <pc:sldMk cId="4001370992" sldId="414"/>
-            <ac:graphicFrameMk id="9" creationId="{70D55611-7403-89E5-8544-D50CA63AD56C}"/>
-          </ac:graphicFrameMkLst>
-        </pc:graphicFrameChg>
-        <pc:graphicFrameChg chg="modGraphic">
-          <ac:chgData name="Nguyen, Kenny Bao Khanh (vrv6sf)" userId="8faccc5e-d3bb-4457-99f6-2c8d56a97e84" providerId="ADAL" clId="{C07F7384-005B-A24E-86AD-30D26DF57478}" dt="2025-04-22T20:28:09.975" v="2978" actId="207"/>
-          <ac:graphicFrameMkLst>
-            <pc:docMk/>
-            <pc:sldMk cId="4001370992" sldId="414"/>
-            <ac:graphicFrameMk id="11" creationId="{98BC4A11-1C79-6BA1-1F2A-512FFFCFE47C}"/>
-          </ac:graphicFrameMkLst>
-        </pc:graphicFrameChg>
-        <pc:graphicFrameChg chg="del mod modGraphic">
-          <ac:chgData name="Nguyen, Kenny Bao Khanh (vrv6sf)" userId="8faccc5e-d3bb-4457-99f6-2c8d56a97e84" providerId="ADAL" clId="{C07F7384-005B-A24E-86AD-30D26DF57478}" dt="2025-04-22T19:36:17.313" v="1254" actId="478"/>
-          <ac:graphicFrameMkLst>
-            <pc:docMk/>
-            <pc:sldMk cId="4001370992" sldId="414"/>
-            <ac:graphicFrameMk id="14" creationId="{C78AE9CB-7C8C-668F-EB7C-F132593A48E1}"/>
-          </ac:graphicFrameMkLst>
-        </pc:graphicFrameChg>
-        <pc:graphicFrameChg chg="del">
-          <ac:chgData name="Nguyen, Kenny Bao Khanh (vrv6sf)" userId="8faccc5e-d3bb-4457-99f6-2c8d56a97e84" providerId="ADAL" clId="{C07F7384-005B-A24E-86AD-30D26DF57478}" dt="2025-04-22T19:35:25.731" v="1251" actId="478"/>
-          <ac:graphicFrameMkLst>
-            <pc:docMk/>
-            <pc:sldMk cId="4001370992" sldId="414"/>
-            <ac:graphicFrameMk id="15" creationId="{821757BA-6501-A15E-FF9C-9D0D8FC2B9F5}"/>
-          </ac:graphicFrameMkLst>
-        </pc:graphicFrameChg>
-        <pc:picChg chg="mod">
-          <ac:chgData name="Nguyen, Kenny Bao Khanh (vrv6sf)" userId="8faccc5e-d3bb-4457-99f6-2c8d56a97e84" providerId="ADAL" clId="{C07F7384-005B-A24E-86AD-30D26DF57478}" dt="2025-04-22T20:47:28.491" v="3101" actId="732"/>
-          <ac:picMkLst>
-            <pc:docMk/>
-            <pc:sldMk cId="4001370992" sldId="414"/>
-            <ac:picMk id="3074" creationId="{732AA08E-D0F9-8EFC-CD23-C74BDA29BF66}"/>
-          </ac:picMkLst>
-        </pc:picChg>
-        <pc:cxnChg chg="del">
-          <ac:chgData name="Nguyen, Kenny Bao Khanh (vrv6sf)" userId="8faccc5e-d3bb-4457-99f6-2c8d56a97e84" providerId="ADAL" clId="{C07F7384-005B-A24E-86AD-30D26DF57478}" dt="2025-04-22T19:28:05.611" v="1138" actId="478"/>
-          <ac:cxnSpMkLst>
-            <pc:docMk/>
-            <pc:sldMk cId="4001370992" sldId="414"/>
-            <ac:cxnSpMk id="17" creationId="{03B87266-79E7-449A-C159-6CDB3FD1CE7D}"/>
-          </ac:cxnSpMkLst>
-        </pc:cxnChg>
-      </pc:sldChg>
-      <pc:sldChg chg="addSp modSp add mod">
-        <pc:chgData name="Nguyen, Kenny Bao Khanh (vrv6sf)" userId="8faccc5e-d3bb-4457-99f6-2c8d56a97e84" providerId="ADAL" clId="{C07F7384-005B-A24E-86AD-30D26DF57478}" dt="2025-04-22T20:47:34.035" v="3102" actId="732"/>
-        <pc:sldMkLst>
-          <pc:docMk/>
-          <pc:sldMk cId="2511985104" sldId="415"/>
-        </pc:sldMkLst>
-        <pc:spChg chg="mod">
-          <ac:chgData name="Nguyen, Kenny Bao Khanh (vrv6sf)" userId="8faccc5e-d3bb-4457-99f6-2c8d56a97e84" providerId="ADAL" clId="{C07F7384-005B-A24E-86AD-30D26DF57478}" dt="2025-04-22T19:44:26.036" v="1581" actId="20577"/>
-          <ac:spMkLst>
-            <pc:docMk/>
-            <pc:sldMk cId="2511985104" sldId="415"/>
-            <ac:spMk id="4" creationId="{4734585F-C970-4CB4-6CFE-677ED5BCD490}"/>
-          </ac:spMkLst>
-        </pc:spChg>
-        <pc:spChg chg="add mod">
-          <ac:chgData name="Nguyen, Kenny Bao Khanh (vrv6sf)" userId="8faccc5e-d3bb-4457-99f6-2c8d56a97e84" providerId="ADAL" clId="{C07F7384-005B-A24E-86AD-30D26DF57478}" dt="2025-04-22T19:44:00.078" v="1560" actId="20577"/>
-          <ac:spMkLst>
-            <pc:docMk/>
-            <pc:sldMk cId="2511985104" sldId="415"/>
-            <ac:spMk id="7" creationId="{86E64B08-1743-93E7-AFDC-E7AA70D31E67}"/>
-          </ac:spMkLst>
-        </pc:spChg>
-        <pc:graphicFrameChg chg="modGraphic">
-          <ac:chgData name="Nguyen, Kenny Bao Khanh (vrv6sf)" userId="8faccc5e-d3bb-4457-99f6-2c8d56a97e84" providerId="ADAL" clId="{C07F7384-005B-A24E-86AD-30D26DF57478}" dt="2025-04-22T19:42:43.107" v="1421" actId="207"/>
-          <ac:graphicFrameMkLst>
-            <pc:docMk/>
-            <pc:sldMk cId="2511985104" sldId="415"/>
-            <ac:graphicFrameMk id="5" creationId="{6AFDC7C9-29E6-EC9B-80E0-17BDBC337E73}"/>
-          </ac:graphicFrameMkLst>
-        </pc:graphicFrameChg>
-        <pc:graphicFrameChg chg="modGraphic">
-          <ac:chgData name="Nguyen, Kenny Bao Khanh (vrv6sf)" userId="8faccc5e-d3bb-4457-99f6-2c8d56a97e84" providerId="ADAL" clId="{C07F7384-005B-A24E-86AD-30D26DF57478}" dt="2025-04-22T19:42:55.880" v="1429" actId="20577"/>
-          <ac:graphicFrameMkLst>
-            <pc:docMk/>
-            <pc:sldMk cId="2511985104" sldId="415"/>
-            <ac:graphicFrameMk id="9" creationId="{B173BEA5-337E-BFD2-E98D-60F936544C42}"/>
-          </ac:graphicFrameMkLst>
-        </pc:graphicFrameChg>
-        <pc:graphicFrameChg chg="modGraphic">
-          <ac:chgData name="Nguyen, Kenny Bao Khanh (vrv6sf)" userId="8faccc5e-d3bb-4457-99f6-2c8d56a97e84" providerId="ADAL" clId="{C07F7384-005B-A24E-86AD-30D26DF57478}" dt="2025-04-22T20:28:23.145" v="2979" actId="207"/>
-          <ac:graphicFrameMkLst>
-            <pc:docMk/>
-            <pc:sldMk cId="2511985104" sldId="415"/>
-            <ac:graphicFrameMk id="11" creationId="{620F644B-B640-5AFE-4A2C-E68E0E1DCF92}"/>
-          </ac:graphicFrameMkLst>
-        </pc:graphicFrameChg>
-        <pc:picChg chg="mod">
-          <ac:chgData name="Nguyen, Kenny Bao Khanh (vrv6sf)" userId="8faccc5e-d3bb-4457-99f6-2c8d56a97e84" providerId="ADAL" clId="{C07F7384-005B-A24E-86AD-30D26DF57478}" dt="2025-04-22T20:47:34.035" v="3102" actId="732"/>
-          <ac:picMkLst>
-            <pc:docMk/>
-            <pc:sldMk cId="2511985104" sldId="415"/>
-            <ac:picMk id="3074" creationId="{66DF9BBD-54EB-1E8A-C8A4-A5C27D58052C}"/>
-          </ac:picMkLst>
-        </pc:picChg>
-        <pc:cxnChg chg="add mod">
-          <ac:chgData name="Nguyen, Kenny Bao Khanh (vrv6sf)" userId="8faccc5e-d3bb-4457-99f6-2c8d56a97e84" providerId="ADAL" clId="{C07F7384-005B-A24E-86AD-30D26DF57478}" dt="2025-04-22T19:43:11.179" v="1430"/>
-          <ac:cxnSpMkLst>
-            <pc:docMk/>
-            <pc:sldMk cId="2511985104" sldId="415"/>
-            <ac:cxnSpMk id="2" creationId="{BF5AACBF-29CD-9FC7-A669-BCADFC5E2880}"/>
-          </ac:cxnSpMkLst>
-        </pc:cxnChg>
-      </pc:sldChg>
-      <pc:sldChg chg="ord">
-        <pc:chgData name="Nguyen, Kenny Bao Khanh (vrv6sf)" userId="8faccc5e-d3bb-4457-99f6-2c8d56a97e84" providerId="ADAL" clId="{C07F7384-005B-A24E-86AD-30D26DF57478}" dt="2025-04-22T20:50:40.405" v="3112" actId="20578"/>
-        <pc:sldMkLst>
-          <pc:docMk/>
-          <pc:sldMk cId="1604977033" sldId="417"/>
-        </pc:sldMkLst>
-      </pc:sldChg>
-      <pc:sldChg chg="addSp delSp modSp add mod ord">
-        <pc:chgData name="Nguyen, Kenny Bao Khanh (vrv6sf)" userId="8faccc5e-d3bb-4457-99f6-2c8d56a97e84" providerId="ADAL" clId="{C07F7384-005B-A24E-86AD-30D26DF57478}" dt="2025-04-22T21:09:56.103" v="3352" actId="20578"/>
-        <pc:sldMkLst>
-          <pc:docMk/>
-          <pc:sldMk cId="3790743420" sldId="418"/>
-        </pc:sldMkLst>
-        <pc:spChg chg="del">
-          <ac:chgData name="Nguyen, Kenny Bao Khanh (vrv6sf)" userId="8faccc5e-d3bb-4457-99f6-2c8d56a97e84" providerId="ADAL" clId="{C07F7384-005B-A24E-86AD-30D26DF57478}" dt="2025-04-22T19:43:48.181" v="1557" actId="478"/>
-          <ac:spMkLst>
-            <pc:docMk/>
-            <pc:sldMk cId="3790743420" sldId="418"/>
-            <ac:spMk id="3" creationId="{6BC52A9C-3292-45D3-93CF-B111EC02A95F}"/>
-          </ac:spMkLst>
-        </pc:spChg>
-        <pc:spChg chg="mod">
-          <ac:chgData name="Nguyen, Kenny Bao Khanh (vrv6sf)" userId="8faccc5e-d3bb-4457-99f6-2c8d56a97e84" providerId="ADAL" clId="{C07F7384-005B-A24E-86AD-30D26DF57478}" dt="2025-04-22T19:44:57.313" v="1660" actId="20577"/>
-          <ac:spMkLst>
-            <pc:docMk/>
-            <pc:sldMk cId="3790743420" sldId="418"/>
-            <ac:spMk id="4" creationId="{A04A7914-872E-6626-D08F-F511333FB09C}"/>
-          </ac:spMkLst>
-        </pc:spChg>
-        <pc:spChg chg="del">
-          <ac:chgData name="Nguyen, Kenny Bao Khanh (vrv6sf)" userId="8faccc5e-d3bb-4457-99f6-2c8d56a97e84" providerId="ADAL" clId="{C07F7384-005B-A24E-86AD-30D26DF57478}" dt="2025-04-22T19:45:28.338" v="1706" actId="478"/>
-          <ac:spMkLst>
-            <pc:docMk/>
-            <pc:sldMk cId="3790743420" sldId="418"/>
-            <ac:spMk id="7" creationId="{BB65E855-917A-EA0F-36B5-960A5F6119B4}"/>
-          </ac:spMkLst>
-        </pc:spChg>
-        <pc:spChg chg="add mod">
-          <ac:chgData name="Nguyen, Kenny Bao Khanh (vrv6sf)" userId="8faccc5e-d3bb-4457-99f6-2c8d56a97e84" providerId="ADAL" clId="{C07F7384-005B-A24E-86AD-30D26DF57478}" dt="2025-04-22T20:34:45.267" v="3042" actId="20577"/>
-          <ac:spMkLst>
-            <pc:docMk/>
-            <pc:sldMk cId="3790743420" sldId="418"/>
-            <ac:spMk id="13" creationId="{F4EC387D-7940-4889-74B1-2EE46621543E}"/>
-          </ac:spMkLst>
-        </pc:spChg>
-        <pc:graphicFrameChg chg="del">
-          <ac:chgData name="Nguyen, Kenny Bao Khanh (vrv6sf)" userId="8faccc5e-d3bb-4457-99f6-2c8d56a97e84" providerId="ADAL" clId="{C07F7384-005B-A24E-86AD-30D26DF57478}" dt="2025-04-22T19:43:46.439" v="1556" actId="478"/>
-          <ac:graphicFrameMkLst>
-            <pc:docMk/>
-            <pc:sldMk cId="3790743420" sldId="418"/>
-            <ac:graphicFrameMk id="5" creationId="{81856A39-CF1C-A435-7EE8-5BC21D4F123D}"/>
-          </ac:graphicFrameMkLst>
-        </pc:graphicFrameChg>
-        <pc:graphicFrameChg chg="add mod modGraphic">
-          <ac:chgData name="Nguyen, Kenny Bao Khanh (vrv6sf)" userId="8faccc5e-d3bb-4457-99f6-2c8d56a97e84" providerId="ADAL" clId="{C07F7384-005B-A24E-86AD-30D26DF57478}" dt="2025-04-22T20:47:56.979" v="3105" actId="20577"/>
-          <ac:graphicFrameMkLst>
-            <pc:docMk/>
-            <pc:sldMk cId="3790743420" sldId="418"/>
-            <ac:graphicFrameMk id="8" creationId="{E0BA8CFA-3E0A-0178-0576-AA509160473B}"/>
-          </ac:graphicFrameMkLst>
-        </pc:graphicFrameChg>
-        <pc:graphicFrameChg chg="del modGraphic">
-          <ac:chgData name="Nguyen, Kenny Bao Khanh (vrv6sf)" userId="8faccc5e-d3bb-4457-99f6-2c8d56a97e84" providerId="ADAL" clId="{C07F7384-005B-A24E-86AD-30D26DF57478}" dt="2025-04-22T19:43:45.665" v="1555" actId="478"/>
-          <ac:graphicFrameMkLst>
-            <pc:docMk/>
-            <pc:sldMk cId="3790743420" sldId="418"/>
-            <ac:graphicFrameMk id="9" creationId="{651FF9F0-7452-B567-1145-3D7E348999C1}"/>
-          </ac:graphicFrameMkLst>
-        </pc:graphicFrameChg>
-        <pc:graphicFrameChg chg="add del mod modGraphic">
-          <ac:chgData name="Nguyen, Kenny Bao Khanh (vrv6sf)" userId="8faccc5e-d3bb-4457-99f6-2c8d56a97e84" providerId="ADAL" clId="{C07F7384-005B-A24E-86AD-30D26DF57478}" dt="2025-04-22T19:45:56.025" v="1716" actId="478"/>
-          <ac:graphicFrameMkLst>
-            <pc:docMk/>
-            <pc:sldMk cId="3790743420" sldId="418"/>
-            <ac:graphicFrameMk id="10" creationId="{86A7B7EA-ED82-CBED-9003-3926B6C017C5}"/>
-          </ac:graphicFrameMkLst>
-        </pc:graphicFrameChg>
-        <pc:graphicFrameChg chg="modGraphic">
-          <ac:chgData name="Nguyen, Kenny Bao Khanh (vrv6sf)" userId="8faccc5e-d3bb-4457-99f6-2c8d56a97e84" providerId="ADAL" clId="{C07F7384-005B-A24E-86AD-30D26DF57478}" dt="2025-04-22T20:28:32.269" v="2980" actId="207"/>
-          <ac:graphicFrameMkLst>
-            <pc:docMk/>
-            <pc:sldMk cId="3790743420" sldId="418"/>
-            <ac:graphicFrameMk id="11" creationId="{75281D9D-8915-5F3F-FF0D-386D29B0287A}"/>
-          </ac:graphicFrameMkLst>
-        </pc:graphicFrameChg>
-        <pc:picChg chg="add del mod">
-          <ac:chgData name="Nguyen, Kenny Bao Khanh (vrv6sf)" userId="8faccc5e-d3bb-4457-99f6-2c8d56a97e84" providerId="ADAL" clId="{C07F7384-005B-A24E-86AD-30D26DF57478}" dt="2025-04-22T20:50:00.678" v="3106" actId="478"/>
-          <ac:picMkLst>
-            <pc:docMk/>
-            <pc:sldMk cId="3790743420" sldId="418"/>
-            <ac:picMk id="3" creationId="{42BC4833-3159-E730-BCC1-83CC34C3890C}"/>
-          </ac:picMkLst>
-        </pc:picChg>
-        <pc:picChg chg="add mod">
-          <ac:chgData name="Nguyen, Kenny Bao Khanh (vrv6sf)" userId="8faccc5e-d3bb-4457-99f6-2c8d56a97e84" providerId="ADAL" clId="{C07F7384-005B-A24E-86AD-30D26DF57478}" dt="2025-04-22T20:50:13.324" v="3111" actId="1076"/>
-          <ac:picMkLst>
-            <pc:docMk/>
-            <pc:sldMk cId="3790743420" sldId="418"/>
-            <ac:picMk id="7" creationId="{A067AB24-E172-C8F5-19A2-E89FF102C67D}"/>
-          </ac:picMkLst>
-        </pc:picChg>
-        <pc:picChg chg="add">
-          <ac:chgData name="Nguyen, Kenny Bao Khanh (vrv6sf)" userId="8faccc5e-d3bb-4457-99f6-2c8d56a97e84" providerId="ADAL" clId="{C07F7384-005B-A24E-86AD-30D26DF57478}" dt="2025-04-22T20:32:38.772" v="2986"/>
-          <ac:picMkLst>
-            <pc:docMk/>
-            <pc:sldMk cId="3790743420" sldId="418"/>
-            <ac:picMk id="1026" creationId="{207C376D-41D3-588C-7879-4181BD231561}"/>
-          </ac:picMkLst>
-        </pc:picChg>
-        <pc:picChg chg="del">
-          <ac:chgData name="Nguyen, Kenny Bao Khanh (vrv6sf)" userId="8faccc5e-d3bb-4457-99f6-2c8d56a97e84" providerId="ADAL" clId="{C07F7384-005B-A24E-86AD-30D26DF57478}" dt="2025-04-22T19:45:40.500" v="1708" actId="478"/>
-          <ac:picMkLst>
-            <pc:docMk/>
-            <pc:sldMk cId="3790743420" sldId="418"/>
-            <ac:picMk id="3074" creationId="{9D5CD20D-A342-7EFA-5BA7-764E44CE71AA}"/>
-          </ac:picMkLst>
-        </pc:picChg>
-        <pc:picChg chg="add del mod">
-          <ac:chgData name="Nguyen, Kenny Bao Khanh (vrv6sf)" userId="8faccc5e-d3bb-4457-99f6-2c8d56a97e84" providerId="ADAL" clId="{C07F7384-005B-A24E-86AD-30D26DF57478}" dt="2025-04-22T20:32:38.421" v="2985" actId="478"/>
-          <ac:picMkLst>
-            <pc:docMk/>
-            <pc:sldMk cId="3790743420" sldId="418"/>
-            <ac:picMk id="12290" creationId="{01E6E670-00D2-E918-226B-83ACF25848E4}"/>
-          </ac:picMkLst>
-        </pc:picChg>
-        <pc:cxnChg chg="del">
-          <ac:chgData name="Nguyen, Kenny Bao Khanh (vrv6sf)" userId="8faccc5e-d3bb-4457-99f6-2c8d56a97e84" providerId="ADAL" clId="{C07F7384-005B-A24E-86AD-30D26DF57478}" dt="2025-04-22T19:45:29.093" v="1707" actId="478"/>
-          <ac:cxnSpMkLst>
-            <pc:docMk/>
-            <pc:sldMk cId="3790743420" sldId="418"/>
-            <ac:cxnSpMk id="2" creationId="{5C9C25C6-DB4D-4060-90C5-75844E1B7BD2}"/>
-          </ac:cxnSpMkLst>
-        </pc:cxnChg>
-      </pc:sldChg>
-    </pc:docChg>
-  </pc:docChgLst>
-</pc:chgInfo>
 </file>
 
 <file path=ppt/comments/modernComment_193_217C9E9F.xml><?xml version="1.0" encoding="utf-8"?>
@@ -1977,7 +250,7 @@
           <a:p>
             <a:fld id="{C5B45307-6ED4-B142-BD64-10F739779302}" type="datetimeFigureOut">
               <a:rPr lang="en-US" smtClean="0"/>
-              <a:t>4/22/2025</a:t>
+              <a:t>4/25/2025</a:t>
             </a:fld>
             <a:endParaRPr lang="en-US"/>
           </a:p>
@@ -2385,7 +658,7 @@
           <a:noFill/>
           <a:extLst>
             <a:ext uri="{909E8E84-426E-40dd-AFC4-6F175D3DCCD1}">
-              <a14:hiddenFill xmlns:a14="http://schemas.microsoft.com/office/drawing/2010/main" xmlns="">
+              <a14:hiddenFill xmlns="" xmlns:a14="http://schemas.microsoft.com/office/drawing/2010/main">
                 <a:solidFill>
                   <a:srgbClr val="FFFFFF"/>
                 </a:solidFill>
@@ -2444,7 +717,7 @@
             </a:ln>
             <a:extLst>
               <a:ext uri="{91240B29-F687-4f45-9708-019B960494DF}">
-                <a14:hiddenLine xmlns:a14="http://schemas.microsoft.com/office/drawing/2010/main" xmlns="" w="9525">
+                <a14:hiddenLine xmlns="" xmlns:a14="http://schemas.microsoft.com/office/drawing/2010/main" w="9525">
                   <a:solidFill>
                     <a:srgbClr val="000000"/>
                   </a:solidFill>
@@ -2534,7 +807,7 @@
             </a:ln>
             <a:extLst>
               <a:ext uri="{91240B29-F687-4f45-9708-019B960494DF}">
-                <a14:hiddenLine xmlns:a14="http://schemas.microsoft.com/office/drawing/2010/main" xmlns="" w="9525">
+                <a14:hiddenLine xmlns="" xmlns:a14="http://schemas.microsoft.com/office/drawing/2010/main" w="9525">
                   <a:solidFill>
                     <a:srgbClr val="000000"/>
                   </a:solidFill>
@@ -2624,7 +897,7 @@
             </a:ln>
             <a:extLst>
               <a:ext uri="{91240B29-F687-4f45-9708-019B960494DF}">
-                <a14:hiddenLine xmlns:a14="http://schemas.microsoft.com/office/drawing/2010/main" xmlns="" w="9525">
+                <a14:hiddenLine xmlns="" xmlns:a14="http://schemas.microsoft.com/office/drawing/2010/main" w="9525">
                   <a:solidFill>
                     <a:srgbClr val="000000"/>
                   </a:solidFill>
@@ -2658,7 +931,7 @@
             </a:ln>
             <a:extLst>
               <a:ext uri="{91240B29-F687-4f45-9708-019B960494DF}">
-                <a14:hiddenLine xmlns:a14="http://schemas.microsoft.com/office/drawing/2010/main" xmlns="" w="9525">
+                <a14:hiddenLine xmlns="" xmlns:a14="http://schemas.microsoft.com/office/drawing/2010/main" w="9525">
                   <a:solidFill>
                     <a:srgbClr val="000000"/>
                   </a:solidFill>
@@ -2748,7 +1021,7 @@
             </a:ln>
             <a:extLst>
               <a:ext uri="{91240B29-F687-4f45-9708-019B960494DF}">
-                <a14:hiddenLine xmlns:a14="http://schemas.microsoft.com/office/drawing/2010/main" xmlns="" w="9525">
+                <a14:hiddenLine xmlns="" xmlns:a14="http://schemas.microsoft.com/office/drawing/2010/main" w="9525">
                   <a:solidFill>
                     <a:srgbClr val="000000"/>
                   </a:solidFill>
@@ -2810,7 +1083,7 @@
             </a:ln>
             <a:extLst>
               <a:ext uri="{91240B29-F687-4f45-9708-019B960494DF}">
-                <a14:hiddenLine xmlns:a14="http://schemas.microsoft.com/office/drawing/2010/main" xmlns="" w="9525">
+                <a14:hiddenLine xmlns="" xmlns:a14="http://schemas.microsoft.com/office/drawing/2010/main" w="9525">
                   <a:solidFill>
                     <a:srgbClr val="000000"/>
                   </a:solidFill>
@@ -2872,7 +1145,7 @@
             </a:ln>
             <a:extLst>
               <a:ext uri="{91240B29-F687-4f45-9708-019B960494DF}">
-                <a14:hiddenLine xmlns:a14="http://schemas.microsoft.com/office/drawing/2010/main" xmlns="" w="9525">
+                <a14:hiddenLine xmlns="" xmlns:a14="http://schemas.microsoft.com/office/drawing/2010/main" w="9525">
                   <a:solidFill>
                     <a:srgbClr val="000000"/>
                   </a:solidFill>
@@ -2962,7 +1235,7 @@
             </a:ln>
             <a:extLst>
               <a:ext uri="{91240B29-F687-4f45-9708-019B960494DF}">
-                <a14:hiddenLine xmlns:a14="http://schemas.microsoft.com/office/drawing/2010/main" xmlns="" w="9525">
+                <a14:hiddenLine xmlns="" xmlns:a14="http://schemas.microsoft.com/office/drawing/2010/main" w="9525">
                   <a:solidFill>
                     <a:srgbClr val="000000"/>
                   </a:solidFill>
@@ -3024,7 +1297,7 @@
             </a:ln>
             <a:extLst>
               <a:ext uri="{91240B29-F687-4f45-9708-019B960494DF}">
-                <a14:hiddenLine xmlns:a14="http://schemas.microsoft.com/office/drawing/2010/main" xmlns="" w="9525">
+                <a14:hiddenLine xmlns="" xmlns:a14="http://schemas.microsoft.com/office/drawing/2010/main" w="9525">
                   <a:solidFill>
                     <a:srgbClr val="000000"/>
                   </a:solidFill>
@@ -3086,7 +1359,7 @@
             </a:ln>
             <a:extLst>
               <a:ext uri="{91240B29-F687-4f45-9708-019B960494DF}">
-                <a14:hiddenLine xmlns:a14="http://schemas.microsoft.com/office/drawing/2010/main" xmlns="" w="9525">
+                <a14:hiddenLine xmlns="" xmlns:a14="http://schemas.microsoft.com/office/drawing/2010/main" w="9525">
                   <a:solidFill>
                     <a:srgbClr val="000000"/>
                   </a:solidFill>
@@ -3176,7 +1449,7 @@
             </a:ln>
             <a:extLst>
               <a:ext uri="{91240B29-F687-4f45-9708-019B960494DF}">
-                <a14:hiddenLine xmlns:a14="http://schemas.microsoft.com/office/drawing/2010/main" xmlns="" w="9525">
+                <a14:hiddenLine xmlns="" xmlns:a14="http://schemas.microsoft.com/office/drawing/2010/main" w="9525">
                   <a:solidFill>
                     <a:srgbClr val="000000"/>
                   </a:solidFill>
@@ -3266,7 +1539,7 @@
             </a:ln>
             <a:extLst>
               <a:ext uri="{91240B29-F687-4f45-9708-019B960494DF}">
-                <a14:hiddenLine xmlns:a14="http://schemas.microsoft.com/office/drawing/2010/main" xmlns="" w="9525">
+                <a14:hiddenLine xmlns="" xmlns:a14="http://schemas.microsoft.com/office/drawing/2010/main" w="9525">
                   <a:solidFill>
                     <a:srgbClr val="000000"/>
                   </a:solidFill>
@@ -3328,7 +1601,7 @@
             </a:ln>
             <a:extLst>
               <a:ext uri="{91240B29-F687-4f45-9708-019B960494DF}">
-                <a14:hiddenLine xmlns:a14="http://schemas.microsoft.com/office/drawing/2010/main" xmlns="" w="9525">
+                <a14:hiddenLine xmlns="" xmlns:a14="http://schemas.microsoft.com/office/drawing/2010/main" w="9525">
                   <a:solidFill>
                     <a:srgbClr val="000000"/>
                   </a:solidFill>
@@ -3438,7 +1711,7 @@
             </a:ln>
             <a:extLst>
               <a:ext uri="{91240B29-F687-4f45-9708-019B960494DF}">
-                <a14:hiddenLine xmlns:a14="http://schemas.microsoft.com/office/drawing/2010/main" xmlns="" w="9525">
+                <a14:hiddenLine xmlns="" xmlns:a14="http://schemas.microsoft.com/office/drawing/2010/main" w="9525">
                   <a:solidFill>
                     <a:srgbClr val="000000"/>
                   </a:solidFill>
@@ -3500,7 +1773,7 @@
             </a:ln>
             <a:extLst>
               <a:ext uri="{91240B29-F687-4f45-9708-019B960494DF}">
-                <a14:hiddenLine xmlns:a14="http://schemas.microsoft.com/office/drawing/2010/main" xmlns="" w="9525">
+                <a14:hiddenLine xmlns="" xmlns:a14="http://schemas.microsoft.com/office/drawing/2010/main" w="9525">
                   <a:solidFill>
                     <a:srgbClr val="000000"/>
                   </a:solidFill>
@@ -3590,7 +1863,7 @@
             </a:ln>
             <a:extLst>
               <a:ext uri="{91240B29-F687-4f45-9708-019B960494DF}">
-                <a14:hiddenLine xmlns:a14="http://schemas.microsoft.com/office/drawing/2010/main" xmlns="" w="9525">
+                <a14:hiddenLine xmlns="" xmlns:a14="http://schemas.microsoft.com/office/drawing/2010/main" w="9525">
                   <a:solidFill>
                     <a:srgbClr val="000000"/>
                   </a:solidFill>
@@ -3680,7 +1953,7 @@
             </a:ln>
             <a:extLst>
               <a:ext uri="{91240B29-F687-4f45-9708-019B960494DF}">
-                <a14:hiddenLine xmlns:a14="http://schemas.microsoft.com/office/drawing/2010/main" xmlns="" w="9525">
+                <a14:hiddenLine xmlns="" xmlns:a14="http://schemas.microsoft.com/office/drawing/2010/main" w="9525">
                   <a:solidFill>
                     <a:srgbClr val="000000"/>
                   </a:solidFill>
@@ -3742,7 +2015,7 @@
             </a:ln>
             <a:extLst>
               <a:ext uri="{91240B29-F687-4f45-9708-019B960494DF}">
-                <a14:hiddenLine xmlns:a14="http://schemas.microsoft.com/office/drawing/2010/main" xmlns="" w="9525">
+                <a14:hiddenLine xmlns="" xmlns:a14="http://schemas.microsoft.com/office/drawing/2010/main" w="9525">
                   <a:solidFill>
                     <a:srgbClr val="000000"/>
                   </a:solidFill>
@@ -3832,7 +2105,7 @@
             </a:ln>
             <a:extLst>
               <a:ext uri="{91240B29-F687-4f45-9708-019B960494DF}">
-                <a14:hiddenLine xmlns:a14="http://schemas.microsoft.com/office/drawing/2010/main" xmlns="" w="9525">
+                <a14:hiddenLine xmlns="" xmlns:a14="http://schemas.microsoft.com/office/drawing/2010/main" w="9525">
                   <a:solidFill>
                     <a:srgbClr val="000000"/>
                   </a:solidFill>
@@ -3922,7 +2195,7 @@
             </a:ln>
             <a:extLst>
               <a:ext uri="{91240B29-F687-4f45-9708-019B960494DF}">
-                <a14:hiddenLine xmlns:a14="http://schemas.microsoft.com/office/drawing/2010/main" xmlns="" w="9525">
+                <a14:hiddenLine xmlns="" xmlns:a14="http://schemas.microsoft.com/office/drawing/2010/main" w="9525">
                   <a:solidFill>
                     <a:srgbClr val="000000"/>
                   </a:solidFill>
@@ -3978,7 +2251,7 @@
             </a:ln>
             <a:extLst>
               <a:ext uri="{91240B29-F687-4f45-9708-019B960494DF}">
-                <a14:hiddenLine xmlns:a14="http://schemas.microsoft.com/office/drawing/2010/main" xmlns="" w="9525">
+                <a14:hiddenLine xmlns="" xmlns:a14="http://schemas.microsoft.com/office/drawing/2010/main" w="9525">
                   <a:solidFill>
                     <a:srgbClr val="000000"/>
                   </a:solidFill>
@@ -4068,7 +2341,7 @@
             </a:ln>
             <a:extLst>
               <a:ext uri="{91240B29-F687-4f45-9708-019B960494DF}">
-                <a14:hiddenLine xmlns:a14="http://schemas.microsoft.com/office/drawing/2010/main" xmlns="" w="9525">
+                <a14:hiddenLine xmlns="" xmlns:a14="http://schemas.microsoft.com/office/drawing/2010/main" w="9525">
                   <a:solidFill>
                     <a:srgbClr val="000000"/>
                   </a:solidFill>
@@ -4124,7 +2397,7 @@
             </a:ln>
             <a:extLst>
               <a:ext uri="{91240B29-F687-4f45-9708-019B960494DF}">
-                <a14:hiddenLine xmlns:a14="http://schemas.microsoft.com/office/drawing/2010/main" xmlns="" w="9525">
+                <a14:hiddenLine xmlns="" xmlns:a14="http://schemas.microsoft.com/office/drawing/2010/main" w="9525">
                   <a:solidFill>
                     <a:srgbClr val="000000"/>
                   </a:solidFill>
@@ -4214,7 +2487,7 @@
             </a:ln>
             <a:extLst>
               <a:ext uri="{91240B29-F687-4f45-9708-019B960494DF}">
-                <a14:hiddenLine xmlns:a14="http://schemas.microsoft.com/office/drawing/2010/main" xmlns="" w="9525">
+                <a14:hiddenLine xmlns="" xmlns:a14="http://schemas.microsoft.com/office/drawing/2010/main" w="9525">
                   <a:solidFill>
                     <a:srgbClr val="000000"/>
                   </a:solidFill>
@@ -4282,7 +2555,7 @@
             </a:ln>
             <a:extLst>
               <a:ext uri="{91240B29-F687-4f45-9708-019B960494DF}">
-                <a14:hiddenLine xmlns:a14="http://schemas.microsoft.com/office/drawing/2010/main" xmlns="" w="9525">
+                <a14:hiddenLine xmlns="" xmlns:a14="http://schemas.microsoft.com/office/drawing/2010/main" w="9525">
                   <a:solidFill>
                     <a:srgbClr val="000000"/>
                   </a:solidFill>
@@ -4372,7 +2645,7 @@
             </a:ln>
             <a:extLst>
               <a:ext uri="{91240B29-F687-4f45-9708-019B960494DF}">
-                <a14:hiddenLine xmlns:a14="http://schemas.microsoft.com/office/drawing/2010/main" xmlns="" w="9525">
+                <a14:hiddenLine xmlns="" xmlns:a14="http://schemas.microsoft.com/office/drawing/2010/main" w="9525">
                   <a:solidFill>
                     <a:srgbClr val="000000"/>
                   </a:solidFill>
@@ -4440,7 +2713,7 @@
             </a:ln>
             <a:extLst>
               <a:ext uri="{91240B29-F687-4f45-9708-019B960494DF}">
-                <a14:hiddenLine xmlns:a14="http://schemas.microsoft.com/office/drawing/2010/main" xmlns="" w="9525">
+                <a14:hiddenLine xmlns="" xmlns:a14="http://schemas.microsoft.com/office/drawing/2010/main" w="9525">
                   <a:solidFill>
                     <a:srgbClr val="000000"/>
                   </a:solidFill>
@@ -4530,7 +2803,7 @@
             </a:ln>
             <a:extLst>
               <a:ext uri="{91240B29-F687-4f45-9708-019B960494DF}">
-                <a14:hiddenLine xmlns:a14="http://schemas.microsoft.com/office/drawing/2010/main" xmlns="" w="9525">
+                <a14:hiddenLine xmlns="" xmlns:a14="http://schemas.microsoft.com/office/drawing/2010/main" w="9525">
                   <a:solidFill>
                     <a:srgbClr val="000000"/>
                   </a:solidFill>
@@ -4564,7 +2837,7 @@
             </a:ln>
             <a:extLst>
               <a:ext uri="{91240B29-F687-4f45-9708-019B960494DF}">
-                <a14:hiddenLine xmlns:a14="http://schemas.microsoft.com/office/drawing/2010/main" xmlns="" w="9525">
+                <a14:hiddenLine xmlns="" xmlns:a14="http://schemas.microsoft.com/office/drawing/2010/main" w="9525">
                   <a:solidFill>
                     <a:srgbClr val="000000"/>
                   </a:solidFill>
@@ -4654,7 +2927,7 @@
             </a:ln>
             <a:extLst>
               <a:ext uri="{91240B29-F687-4f45-9708-019B960494DF}">
-                <a14:hiddenLine xmlns:a14="http://schemas.microsoft.com/office/drawing/2010/main" xmlns="" w="9525">
+                <a14:hiddenLine xmlns="" xmlns:a14="http://schemas.microsoft.com/office/drawing/2010/main" w="9525">
                   <a:solidFill>
                     <a:srgbClr val="000000"/>
                   </a:solidFill>
@@ -4716,7 +2989,7 @@
             </a:ln>
             <a:extLst>
               <a:ext uri="{91240B29-F687-4f45-9708-019B960494DF}">
-                <a14:hiddenLine xmlns:a14="http://schemas.microsoft.com/office/drawing/2010/main" xmlns="" w="9525">
+                <a14:hiddenLine xmlns="" xmlns:a14="http://schemas.microsoft.com/office/drawing/2010/main" w="9525">
                   <a:solidFill>
                     <a:srgbClr val="000000"/>
                   </a:solidFill>
@@ -4778,7 +3051,7 @@
             </a:ln>
             <a:extLst>
               <a:ext uri="{91240B29-F687-4f45-9708-019B960494DF}">
-                <a14:hiddenLine xmlns:a14="http://schemas.microsoft.com/office/drawing/2010/main" xmlns="" w="9525">
+                <a14:hiddenLine xmlns="" xmlns:a14="http://schemas.microsoft.com/office/drawing/2010/main" w="9525">
                   <a:solidFill>
                     <a:srgbClr val="000000"/>
                   </a:solidFill>
@@ -4868,7 +3141,7 @@
             </a:ln>
             <a:extLst>
               <a:ext uri="{91240B29-F687-4f45-9708-019B960494DF}">
-                <a14:hiddenLine xmlns:a14="http://schemas.microsoft.com/office/drawing/2010/main" xmlns="" w="9525">
+                <a14:hiddenLine xmlns="" xmlns:a14="http://schemas.microsoft.com/office/drawing/2010/main" w="9525">
                   <a:solidFill>
                     <a:srgbClr val="000000"/>
                   </a:solidFill>
@@ -4936,7 +3209,7 @@
             </a:ln>
             <a:extLst>
               <a:ext uri="{91240B29-F687-4f45-9708-019B960494DF}">
-                <a14:hiddenLine xmlns:a14="http://schemas.microsoft.com/office/drawing/2010/main" xmlns="" w="9525">
+                <a14:hiddenLine xmlns="" xmlns:a14="http://schemas.microsoft.com/office/drawing/2010/main" w="9525">
                   <a:solidFill>
                     <a:srgbClr val="000000"/>
                   </a:solidFill>
@@ -4998,7 +3271,7 @@
             </a:ln>
             <a:extLst>
               <a:ext uri="{91240B29-F687-4f45-9708-019B960494DF}">
-                <a14:hiddenLine xmlns:a14="http://schemas.microsoft.com/office/drawing/2010/main" xmlns="" w="9525">
+                <a14:hiddenLine xmlns="" xmlns:a14="http://schemas.microsoft.com/office/drawing/2010/main" w="9525">
                   <a:solidFill>
                     <a:srgbClr val="000000"/>
                   </a:solidFill>
@@ -5088,7 +3361,7 @@
             </a:ln>
             <a:extLst>
               <a:ext uri="{91240B29-F687-4f45-9708-019B960494DF}">
-                <a14:hiddenLine xmlns:a14="http://schemas.microsoft.com/office/drawing/2010/main" xmlns="" w="9525">
+                <a14:hiddenLine xmlns="" xmlns:a14="http://schemas.microsoft.com/office/drawing/2010/main" w="9525">
                   <a:solidFill>
                     <a:srgbClr val="000000"/>
                   </a:solidFill>
@@ -5150,7 +3423,7 @@
             </a:ln>
             <a:extLst>
               <a:ext uri="{91240B29-F687-4f45-9708-019B960494DF}">
-                <a14:hiddenLine xmlns:a14="http://schemas.microsoft.com/office/drawing/2010/main" xmlns="" w="9525">
+                <a14:hiddenLine xmlns="" xmlns:a14="http://schemas.microsoft.com/office/drawing/2010/main" w="9525">
                   <a:solidFill>
                     <a:srgbClr val="000000"/>
                   </a:solidFill>
@@ -5240,7 +3513,7 @@
             </a:ln>
             <a:extLst>
               <a:ext uri="{91240B29-F687-4f45-9708-019B960494DF}">
-                <a14:hiddenLine xmlns:a14="http://schemas.microsoft.com/office/drawing/2010/main" xmlns="" w="9525">
+                <a14:hiddenLine xmlns="" xmlns:a14="http://schemas.microsoft.com/office/drawing/2010/main" w="9525">
                   <a:solidFill>
                     <a:srgbClr val="000000"/>
                   </a:solidFill>
@@ -5302,7 +3575,7 @@
             </a:ln>
             <a:extLst>
               <a:ext uri="{91240B29-F687-4f45-9708-019B960494DF}">
-                <a14:hiddenLine xmlns:a14="http://schemas.microsoft.com/office/drawing/2010/main" xmlns="" w="9525">
+                <a14:hiddenLine xmlns="" xmlns:a14="http://schemas.microsoft.com/office/drawing/2010/main" w="9525">
                   <a:solidFill>
                     <a:srgbClr val="000000"/>
                   </a:solidFill>
@@ -5392,7 +3665,7 @@
             </a:ln>
             <a:extLst>
               <a:ext uri="{91240B29-F687-4f45-9708-019B960494DF}">
-                <a14:hiddenLine xmlns:a14="http://schemas.microsoft.com/office/drawing/2010/main" xmlns="" w="9525">
+                <a14:hiddenLine xmlns="" xmlns:a14="http://schemas.microsoft.com/office/drawing/2010/main" w="9525">
                   <a:solidFill>
                     <a:srgbClr val="000000"/>
                   </a:solidFill>
@@ -5426,7 +3699,7 @@
             </a:ln>
             <a:extLst>
               <a:ext uri="{91240B29-F687-4f45-9708-019B960494DF}">
-                <a14:hiddenLine xmlns:a14="http://schemas.microsoft.com/office/drawing/2010/main" xmlns="" w="9525">
+                <a14:hiddenLine xmlns="" xmlns:a14="http://schemas.microsoft.com/office/drawing/2010/main" w="9525">
                   <a:solidFill>
                     <a:srgbClr val="000000"/>
                   </a:solidFill>
@@ -5491,7 +3764,7 @@
             </a:ln>
             <a:extLst>
               <a:ext uri="{91240B29-F687-4f45-9708-019B960494DF}">
-                <a14:hiddenLine xmlns:a14="http://schemas.microsoft.com/office/drawing/2010/main" xmlns="" w="9525">
+                <a14:hiddenLine xmlns="" xmlns:a14="http://schemas.microsoft.com/office/drawing/2010/main" w="9525">
                   <a:solidFill>
                     <a:srgbClr val="000000"/>
                   </a:solidFill>
@@ -5581,7 +3854,7 @@
             </a:ln>
             <a:extLst>
               <a:ext uri="{91240B29-F687-4f45-9708-019B960494DF}">
-                <a14:hiddenLine xmlns:a14="http://schemas.microsoft.com/office/drawing/2010/main" xmlns="" w="9525">
+                <a14:hiddenLine xmlns="" xmlns:a14="http://schemas.microsoft.com/office/drawing/2010/main" w="9525">
                   <a:solidFill>
                     <a:srgbClr val="000000"/>
                   </a:solidFill>
@@ -5643,7 +3916,7 @@
             </a:ln>
             <a:extLst>
               <a:ext uri="{91240B29-F687-4f45-9708-019B960494DF}">
-                <a14:hiddenLine xmlns:a14="http://schemas.microsoft.com/office/drawing/2010/main" xmlns="" w="9525">
+                <a14:hiddenLine xmlns="" xmlns:a14="http://schemas.microsoft.com/office/drawing/2010/main" w="9525">
                   <a:solidFill>
                     <a:srgbClr val="000000"/>
                   </a:solidFill>
@@ -5733,7 +4006,7 @@
             </a:ln>
             <a:extLst>
               <a:ext uri="{91240B29-F687-4f45-9708-019B960494DF}">
-                <a14:hiddenLine xmlns:a14="http://schemas.microsoft.com/office/drawing/2010/main" xmlns="" w="9525">
+                <a14:hiddenLine xmlns="" xmlns:a14="http://schemas.microsoft.com/office/drawing/2010/main" w="9525">
                   <a:solidFill>
                     <a:srgbClr val="000000"/>
                   </a:solidFill>
@@ -5823,7 +4096,7 @@
             </a:ln>
             <a:extLst>
               <a:ext uri="{91240B29-F687-4f45-9708-019B960494DF}">
-                <a14:hiddenLine xmlns:a14="http://schemas.microsoft.com/office/drawing/2010/main" xmlns="" w="9525">
+                <a14:hiddenLine xmlns="" xmlns:a14="http://schemas.microsoft.com/office/drawing/2010/main" w="9525">
                   <a:solidFill>
                     <a:srgbClr val="000000"/>
                   </a:solidFill>
@@ -5888,7 +4161,7 @@
             </a:ln>
             <a:extLst>
               <a:ext uri="{91240B29-F687-4f45-9708-019B960494DF}">
-                <a14:hiddenLine xmlns:a14="http://schemas.microsoft.com/office/drawing/2010/main" xmlns="" w="9525">
+                <a14:hiddenLine xmlns="" xmlns:a14="http://schemas.microsoft.com/office/drawing/2010/main" w="9525">
                   <a:solidFill>
                     <a:srgbClr val="000000"/>
                   </a:solidFill>
@@ -5950,7 +4223,7 @@
             </a:ln>
             <a:extLst>
               <a:ext uri="{91240B29-F687-4f45-9708-019B960494DF}">
-                <a14:hiddenLine xmlns:a14="http://schemas.microsoft.com/office/drawing/2010/main" xmlns="" w="9525">
+                <a14:hiddenLine xmlns="" xmlns:a14="http://schemas.microsoft.com/office/drawing/2010/main" w="9525">
                   <a:solidFill>
                     <a:srgbClr val="000000"/>
                   </a:solidFill>
@@ -6040,7 +4313,7 @@
             </a:ln>
             <a:extLst>
               <a:ext uri="{91240B29-F687-4f45-9708-019B960494DF}">
-                <a14:hiddenLine xmlns:a14="http://schemas.microsoft.com/office/drawing/2010/main" xmlns="" w="9525">
+                <a14:hiddenLine xmlns="" xmlns:a14="http://schemas.microsoft.com/office/drawing/2010/main" w="9525">
                   <a:solidFill>
                     <a:srgbClr val="000000"/>
                   </a:solidFill>
@@ -6130,7 +4403,7 @@
             </a:ln>
             <a:extLst>
               <a:ext uri="{91240B29-F687-4f45-9708-019B960494DF}">
-                <a14:hiddenLine xmlns:a14="http://schemas.microsoft.com/office/drawing/2010/main" xmlns="" w="9525">
+                <a14:hiddenLine xmlns="" xmlns:a14="http://schemas.microsoft.com/office/drawing/2010/main" w="9525">
                   <a:solidFill>
                     <a:srgbClr val="000000"/>
                   </a:solidFill>
@@ -6192,7 +4465,7 @@
             </a:ln>
             <a:extLst>
               <a:ext uri="{91240B29-F687-4f45-9708-019B960494DF}">
-                <a14:hiddenLine xmlns:a14="http://schemas.microsoft.com/office/drawing/2010/main" xmlns="" w="9525">
+                <a14:hiddenLine xmlns="" xmlns:a14="http://schemas.microsoft.com/office/drawing/2010/main" w="9525">
                   <a:solidFill>
                     <a:srgbClr val="000000"/>
                   </a:solidFill>
@@ -6312,7 +4585,7 @@
             </a:ln>
             <a:extLst>
               <a:ext uri="{91240B29-F687-4f45-9708-019B960494DF}">
-                <a14:hiddenLine xmlns:a14="http://schemas.microsoft.com/office/drawing/2010/main" xmlns="" w="9525">
+                <a14:hiddenLine xmlns="" xmlns:a14="http://schemas.microsoft.com/office/drawing/2010/main" w="9525">
                   <a:solidFill>
                     <a:srgbClr val="000000"/>
                   </a:solidFill>
@@ -6380,7 +4653,7 @@
             </a:ln>
             <a:extLst>
               <a:ext uri="{91240B29-F687-4f45-9708-019B960494DF}">
-                <a14:hiddenLine xmlns:a14="http://schemas.microsoft.com/office/drawing/2010/main" xmlns="" w="9525">
+                <a14:hiddenLine xmlns="" xmlns:a14="http://schemas.microsoft.com/office/drawing/2010/main" w="9525">
                   <a:solidFill>
                     <a:srgbClr val="000000"/>
                   </a:solidFill>
@@ -6470,7 +4743,7 @@
             </a:ln>
             <a:extLst>
               <a:ext uri="{91240B29-F687-4f45-9708-019B960494DF}">
-                <a14:hiddenLine xmlns:a14="http://schemas.microsoft.com/office/drawing/2010/main" xmlns="" w="9525">
+                <a14:hiddenLine xmlns="" xmlns:a14="http://schemas.microsoft.com/office/drawing/2010/main" w="9525">
                   <a:solidFill>
                     <a:srgbClr val="000000"/>
                   </a:solidFill>
@@ -6608,7 +4881,7 @@
           <a:p>
             <a:fld id="{EC4347D3-4C9A-C240-8F14-750059DFEEB0}" type="datetimeFigureOut">
               <a:rPr lang="en-US" smtClean="0"/>
-              <a:t>4/22/2025</a:t>
+              <a:t>4/25/2025</a:t>
             </a:fld>
             <a:endParaRPr lang="en-US"/>
           </a:p>
@@ -6873,7 +5146,7 @@
           <a:p>
             <a:fld id="{EC4347D3-4C9A-C240-8F14-750059DFEEB0}" type="datetimeFigureOut">
               <a:rPr lang="en-US" smtClean="0"/>
-              <a:t>4/22/2025</a:t>
+              <a:t>4/25/2025</a:t>
             </a:fld>
             <a:endParaRPr lang="en-US"/>
           </a:p>
@@ -7068,7 +5341,7 @@
           <a:p>
             <a:fld id="{EC4347D3-4C9A-C240-8F14-750059DFEEB0}" type="datetimeFigureOut">
               <a:rPr lang="en-US" smtClean="0"/>
-              <a:t>4/22/2025</a:t>
+              <a:t>4/25/2025</a:t>
             </a:fld>
             <a:endParaRPr lang="en-US"/>
           </a:p>
@@ -7330,7 +5603,7 @@
           <a:p>
             <a:fld id="{EC4347D3-4C9A-C240-8F14-750059DFEEB0}" type="datetimeFigureOut">
               <a:rPr lang="en-US" smtClean="0"/>
-              <a:t>4/22/2025</a:t>
+              <a:t>4/25/2025</a:t>
             </a:fld>
             <a:endParaRPr lang="en-US"/>
           </a:p>
@@ -7763,7 +6036,7 @@
           <a:p>
             <a:fld id="{EC4347D3-4C9A-C240-8F14-750059DFEEB0}" type="datetimeFigureOut">
               <a:rPr lang="en-US" smtClean="0"/>
-              <a:t>4/22/2025</a:t>
+              <a:t>4/25/2025</a:t>
             </a:fld>
             <a:endParaRPr lang="en-US"/>
           </a:p>
@@ -8308,7 +6581,7 @@
           <a:p>
             <a:fld id="{EC4347D3-4C9A-C240-8F14-750059DFEEB0}" type="datetimeFigureOut">
               <a:rPr lang="en-US" smtClean="0"/>
-              <a:t>4/22/2025</a:t>
+              <a:t>4/25/2025</a:t>
             </a:fld>
             <a:endParaRPr lang="en-US"/>
           </a:p>
@@ -9024,7 +7297,7 @@
           <a:p>
             <a:fld id="{EC4347D3-4C9A-C240-8F14-750059DFEEB0}" type="datetimeFigureOut">
               <a:rPr lang="en-US" smtClean="0"/>
-              <a:t>4/22/2025</a:t>
+              <a:t>4/25/2025</a:t>
             </a:fld>
             <a:endParaRPr lang="en-US"/>
           </a:p>
@@ -9192,7 +7465,7 @@
           <a:p>
             <a:fld id="{EC4347D3-4C9A-C240-8F14-750059DFEEB0}" type="datetimeFigureOut">
               <a:rPr lang="en-US" smtClean="0"/>
-              <a:t>4/22/2025</a:t>
+              <a:t>4/25/2025</a:t>
             </a:fld>
             <a:endParaRPr lang="en-US"/>
           </a:p>
@@ -9370,7 +7643,7 @@
           <a:p>
             <a:fld id="{EC4347D3-4C9A-C240-8F14-750059DFEEB0}" type="datetimeFigureOut">
               <a:rPr lang="en-US" smtClean="0"/>
-              <a:t>4/22/2025</a:t>
+              <a:t>4/25/2025</a:t>
             </a:fld>
             <a:endParaRPr lang="en-US"/>
           </a:p>
@@ -9538,7 +7811,7 @@
           <a:p>
             <a:fld id="{EC4347D3-4C9A-C240-8F14-750059DFEEB0}" type="datetimeFigureOut">
               <a:rPr lang="en-US" smtClean="0"/>
-              <a:t>4/22/2025</a:t>
+              <a:t>4/25/2025</a:t>
             </a:fld>
             <a:endParaRPr lang="en-US"/>
           </a:p>
@@ -9787,7 +8060,7 @@
           <a:p>
             <a:fld id="{EC4347D3-4C9A-C240-8F14-750059DFEEB0}" type="datetimeFigureOut">
               <a:rPr lang="en-US" smtClean="0"/>
-              <a:t>4/22/2025</a:t>
+              <a:t>4/25/2025</a:t>
             </a:fld>
             <a:endParaRPr lang="en-US"/>
           </a:p>
@@ -10016,7 +8289,7 @@
           <a:p>
             <a:fld id="{EC4347D3-4C9A-C240-8F14-750059DFEEB0}" type="datetimeFigureOut">
               <a:rPr lang="en-US" smtClean="0"/>
-              <a:t>4/22/2025</a:t>
+              <a:t>4/25/2025</a:t>
             </a:fld>
             <a:endParaRPr lang="en-US"/>
           </a:p>
@@ -10399,7 +8672,7 @@
           <a:p>
             <a:fld id="{EC4347D3-4C9A-C240-8F14-750059DFEEB0}" type="datetimeFigureOut">
               <a:rPr lang="en-US" smtClean="0"/>
-              <a:t>4/22/2025</a:t>
+              <a:t>4/25/2025</a:t>
             </a:fld>
             <a:endParaRPr lang="en-US"/>
           </a:p>
@@ -10521,7 +8794,7 @@
           <a:p>
             <a:fld id="{EC4347D3-4C9A-C240-8F14-750059DFEEB0}" type="datetimeFigureOut">
               <a:rPr lang="en-US" smtClean="0"/>
-              <a:t>4/22/2025</a:t>
+              <a:t>4/25/2025</a:t>
             </a:fld>
             <a:endParaRPr lang="en-US"/>
           </a:p>
@@ -10616,7 +8889,7 @@
           <a:p>
             <a:fld id="{EC4347D3-4C9A-C240-8F14-750059DFEEB0}" type="datetimeFigureOut">
               <a:rPr lang="en-US" smtClean="0"/>
-              <a:t>4/22/2025</a:t>
+              <a:t>4/25/2025</a:t>
             </a:fld>
             <a:endParaRPr lang="en-US"/>
           </a:p>
@@ -10863,7 +9136,7 @@
           <a:p>
             <a:fld id="{EC4347D3-4C9A-C240-8F14-750059DFEEB0}" type="datetimeFigureOut">
               <a:rPr lang="en-US" smtClean="0"/>
-              <a:t>4/22/2025</a:t>
+              <a:t>4/25/2025</a:t>
             </a:fld>
             <a:endParaRPr lang="en-US"/>
           </a:p>
@@ -11146,7 +9419,7 @@
           <a:p>
             <a:fld id="{EC4347D3-4C9A-C240-8F14-750059DFEEB0}" type="datetimeFigureOut">
               <a:rPr lang="en-US" smtClean="0"/>
-              <a:t>4/22/2025</a:t>
+              <a:t>4/25/2025</a:t>
             </a:fld>
             <a:endParaRPr lang="en-US"/>
           </a:p>
@@ -11269,7 +9542,7 @@
           <a:noFill/>
           <a:extLst>
             <a:ext uri="{909E8E84-426E-40dd-AFC4-6F175D3DCCD1}">
-              <a14:hiddenFill xmlns:a14="http://schemas.microsoft.com/office/drawing/2010/main" xmlns="">
+              <a14:hiddenFill xmlns="" xmlns:a14="http://schemas.microsoft.com/office/drawing/2010/main">
                 <a:solidFill>
                   <a:srgbClr val="FFFFFF"/>
                 </a:solidFill>
@@ -11343,7 +9616,7 @@
               </a:ln>
               <a:extLst>
                 <a:ext uri="{91240B29-F687-4f45-9708-019B960494DF}">
-                  <a14:hiddenLine xmlns:a14="http://schemas.microsoft.com/office/drawing/2010/main" xmlns="" w="9525">
+                  <a14:hiddenLine xmlns="" xmlns:a14="http://schemas.microsoft.com/office/drawing/2010/main" w="9525">
                     <a:solidFill>
                       <a:srgbClr val="000000"/>
                     </a:solidFill>
@@ -11433,7 +9706,7 @@
               </a:ln>
               <a:extLst>
                 <a:ext uri="{91240B29-F687-4f45-9708-019B960494DF}">
-                  <a14:hiddenLine xmlns:a14="http://schemas.microsoft.com/office/drawing/2010/main" xmlns="" w="9525">
+                  <a14:hiddenLine xmlns="" xmlns:a14="http://schemas.microsoft.com/office/drawing/2010/main" w="9525">
                     <a:solidFill>
                       <a:srgbClr val="000000"/>
                     </a:solidFill>
@@ -11523,7 +9796,7 @@
               </a:ln>
               <a:extLst>
                 <a:ext uri="{91240B29-F687-4f45-9708-019B960494DF}">
-                  <a14:hiddenLine xmlns:a14="http://schemas.microsoft.com/office/drawing/2010/main" xmlns="" w="9525">
+                  <a14:hiddenLine xmlns="" xmlns:a14="http://schemas.microsoft.com/office/drawing/2010/main" w="9525">
                     <a:solidFill>
                       <a:srgbClr val="000000"/>
                     </a:solidFill>
@@ -11585,7 +9858,7 @@
               </a:ln>
               <a:extLst>
                 <a:ext uri="{91240B29-F687-4f45-9708-019B960494DF}">
-                  <a14:hiddenLine xmlns:a14="http://schemas.microsoft.com/office/drawing/2010/main" xmlns="" w="9525">
+                  <a14:hiddenLine xmlns="" xmlns:a14="http://schemas.microsoft.com/office/drawing/2010/main" w="9525">
                     <a:solidFill>
                       <a:srgbClr val="000000"/>
                     </a:solidFill>
@@ -11675,7 +9948,7 @@
               </a:ln>
               <a:extLst>
                 <a:ext uri="{91240B29-F687-4f45-9708-019B960494DF}">
-                  <a14:hiddenLine xmlns:a14="http://schemas.microsoft.com/office/drawing/2010/main" xmlns="" w="9525">
+                  <a14:hiddenLine xmlns="" xmlns:a14="http://schemas.microsoft.com/office/drawing/2010/main" w="9525">
                     <a:solidFill>
                       <a:srgbClr val="000000"/>
                     </a:solidFill>
@@ -11737,7 +10010,7 @@
               </a:ln>
               <a:extLst>
                 <a:ext uri="{91240B29-F687-4f45-9708-019B960494DF}">
-                  <a14:hiddenLine xmlns:a14="http://schemas.microsoft.com/office/drawing/2010/main" xmlns="" w="9525">
+                  <a14:hiddenLine xmlns="" xmlns:a14="http://schemas.microsoft.com/office/drawing/2010/main" w="9525">
                     <a:solidFill>
                       <a:srgbClr val="000000"/>
                     </a:solidFill>
@@ -11799,7 +10072,7 @@
               </a:ln>
               <a:extLst>
                 <a:ext uri="{91240B29-F687-4f45-9708-019B960494DF}">
-                  <a14:hiddenLine xmlns:a14="http://schemas.microsoft.com/office/drawing/2010/main" xmlns="" w="9525">
+                  <a14:hiddenLine xmlns="" xmlns:a14="http://schemas.microsoft.com/office/drawing/2010/main" w="9525">
                     <a:solidFill>
                       <a:srgbClr val="000000"/>
                     </a:solidFill>
@@ -11889,7 +10162,7 @@
               </a:ln>
               <a:extLst>
                 <a:ext uri="{91240B29-F687-4f45-9708-019B960494DF}">
-                  <a14:hiddenLine xmlns:a14="http://schemas.microsoft.com/office/drawing/2010/main" xmlns="" w="9525">
+                  <a14:hiddenLine xmlns="" xmlns:a14="http://schemas.microsoft.com/office/drawing/2010/main" w="9525">
                     <a:solidFill>
                       <a:srgbClr val="000000"/>
                     </a:solidFill>
@@ -11979,7 +10252,7 @@
               </a:ln>
               <a:extLst>
                 <a:ext uri="{91240B29-F687-4f45-9708-019B960494DF}">
-                  <a14:hiddenLine xmlns:a14="http://schemas.microsoft.com/office/drawing/2010/main" xmlns="" w="9525">
+                  <a14:hiddenLine xmlns="" xmlns:a14="http://schemas.microsoft.com/office/drawing/2010/main" w="9525">
                     <a:solidFill>
                       <a:srgbClr val="000000"/>
                     </a:solidFill>
@@ -12041,7 +10314,7 @@
               </a:ln>
               <a:extLst>
                 <a:ext uri="{91240B29-F687-4f45-9708-019B960494DF}">
-                  <a14:hiddenLine xmlns:a14="http://schemas.microsoft.com/office/drawing/2010/main" xmlns="" w="9525">
+                  <a14:hiddenLine xmlns="" xmlns:a14="http://schemas.microsoft.com/office/drawing/2010/main" w="9525">
                     <a:solidFill>
                       <a:srgbClr val="000000"/>
                     </a:solidFill>
@@ -12151,7 +10424,7 @@
               </a:ln>
               <a:extLst>
                 <a:ext uri="{91240B29-F687-4f45-9708-019B960494DF}">
-                  <a14:hiddenLine xmlns:a14="http://schemas.microsoft.com/office/drawing/2010/main" xmlns="" w="9525">
+                  <a14:hiddenLine xmlns="" xmlns:a14="http://schemas.microsoft.com/office/drawing/2010/main" w="9525">
                     <a:solidFill>
                       <a:srgbClr val="000000"/>
                     </a:solidFill>
@@ -12235,7 +10508,7 @@
               </a:ln>
               <a:extLst>
                 <a:ext uri="{91240B29-F687-4f45-9708-019B960494DF}">
-                  <a14:hiddenLine xmlns:a14="http://schemas.microsoft.com/office/drawing/2010/main" xmlns="" w="9525">
+                  <a14:hiddenLine xmlns="" xmlns:a14="http://schemas.microsoft.com/office/drawing/2010/main" w="9525">
                     <a:solidFill>
                       <a:srgbClr val="000000"/>
                     </a:solidFill>
@@ -12297,7 +10570,7 @@
               </a:ln>
               <a:extLst>
                 <a:ext uri="{91240B29-F687-4f45-9708-019B960494DF}">
-                  <a14:hiddenLine xmlns:a14="http://schemas.microsoft.com/office/drawing/2010/main" xmlns="" w="9525">
+                  <a14:hiddenLine xmlns="" xmlns:a14="http://schemas.microsoft.com/office/drawing/2010/main" w="9525">
                     <a:solidFill>
                       <a:srgbClr val="000000"/>
                     </a:solidFill>
@@ -12359,7 +10632,7 @@
               </a:ln>
               <a:extLst>
                 <a:ext uri="{91240B29-F687-4f45-9708-019B960494DF}">
-                  <a14:hiddenLine xmlns:a14="http://schemas.microsoft.com/office/drawing/2010/main" xmlns="" w="9525">
+                  <a14:hiddenLine xmlns="" xmlns:a14="http://schemas.microsoft.com/office/drawing/2010/main" w="9525">
                     <a:solidFill>
                       <a:srgbClr val="000000"/>
                     </a:solidFill>
@@ -12449,7 +10722,7 @@
               </a:ln>
               <a:extLst>
                 <a:ext uri="{91240B29-F687-4f45-9708-019B960494DF}">
-                  <a14:hiddenLine xmlns:a14="http://schemas.microsoft.com/office/drawing/2010/main" xmlns="" w="9525">
+                  <a14:hiddenLine xmlns="" xmlns:a14="http://schemas.microsoft.com/office/drawing/2010/main" w="9525">
                     <a:solidFill>
                       <a:srgbClr val="000000"/>
                     </a:solidFill>
@@ -12483,7 +10756,7 @@
               </a:ln>
               <a:extLst>
                 <a:ext uri="{91240B29-F687-4f45-9708-019B960494DF}">
-                  <a14:hiddenLine xmlns:a14="http://schemas.microsoft.com/office/drawing/2010/main" xmlns="" w="9525">
+                  <a14:hiddenLine xmlns="" xmlns:a14="http://schemas.microsoft.com/office/drawing/2010/main" w="9525">
                     <a:solidFill>
                       <a:srgbClr val="000000"/>
                     </a:solidFill>
@@ -12548,7 +10821,7 @@
               </a:ln>
               <a:extLst>
                 <a:ext uri="{91240B29-F687-4f45-9708-019B960494DF}">
-                  <a14:hiddenLine xmlns:a14="http://schemas.microsoft.com/office/drawing/2010/main" xmlns="" w="9525">
+                  <a14:hiddenLine xmlns="" xmlns:a14="http://schemas.microsoft.com/office/drawing/2010/main" w="9525">
                     <a:solidFill>
                       <a:srgbClr val="000000"/>
                     </a:solidFill>
@@ -12638,7 +10911,7 @@
               </a:ln>
               <a:extLst>
                 <a:ext uri="{91240B29-F687-4f45-9708-019B960494DF}">
-                  <a14:hiddenLine xmlns:a14="http://schemas.microsoft.com/office/drawing/2010/main" xmlns="" w="9525">
+                  <a14:hiddenLine xmlns="" xmlns:a14="http://schemas.microsoft.com/office/drawing/2010/main" w="9525">
                     <a:solidFill>
                       <a:srgbClr val="000000"/>
                     </a:solidFill>
@@ -12700,7 +10973,7 @@
               </a:ln>
               <a:extLst>
                 <a:ext uri="{91240B29-F687-4f45-9708-019B960494DF}">
-                  <a14:hiddenLine xmlns:a14="http://schemas.microsoft.com/office/drawing/2010/main" xmlns="" w="9525">
+                  <a14:hiddenLine xmlns="" xmlns:a14="http://schemas.microsoft.com/office/drawing/2010/main" w="9525">
                     <a:solidFill>
                       <a:srgbClr val="000000"/>
                     </a:solidFill>
@@ -12790,7 +11063,7 @@
               </a:ln>
               <a:extLst>
                 <a:ext uri="{91240B29-F687-4f45-9708-019B960494DF}">
-                  <a14:hiddenLine xmlns:a14="http://schemas.microsoft.com/office/drawing/2010/main" xmlns="" w="9525">
+                  <a14:hiddenLine xmlns="" xmlns:a14="http://schemas.microsoft.com/office/drawing/2010/main" w="9525">
                     <a:solidFill>
                       <a:srgbClr val="000000"/>
                     </a:solidFill>
@@ -12855,7 +11128,7 @@
               </a:ln>
               <a:extLst>
                 <a:ext uri="{91240B29-F687-4f45-9708-019B960494DF}">
-                  <a14:hiddenLine xmlns:a14="http://schemas.microsoft.com/office/drawing/2010/main" xmlns="" w="9525">
+                  <a14:hiddenLine xmlns="" xmlns:a14="http://schemas.microsoft.com/office/drawing/2010/main" w="9525">
                     <a:solidFill>
                       <a:srgbClr val="000000"/>
                     </a:solidFill>
@@ -12917,7 +11190,7 @@
               </a:ln>
               <a:extLst>
                 <a:ext uri="{91240B29-F687-4f45-9708-019B960494DF}">
-                  <a14:hiddenLine xmlns:a14="http://schemas.microsoft.com/office/drawing/2010/main" xmlns="" w="9525">
+                  <a14:hiddenLine xmlns="" xmlns:a14="http://schemas.microsoft.com/office/drawing/2010/main" w="9525">
                     <a:solidFill>
                       <a:srgbClr val="000000"/>
                     </a:solidFill>
@@ -13007,7 +11280,7 @@
               </a:ln>
               <a:extLst>
                 <a:ext uri="{91240B29-F687-4f45-9708-019B960494DF}">
-                  <a14:hiddenLine xmlns:a14="http://schemas.microsoft.com/office/drawing/2010/main" xmlns="" w="9525">
+                  <a14:hiddenLine xmlns="" xmlns:a14="http://schemas.microsoft.com/office/drawing/2010/main" w="9525">
                     <a:solidFill>
                       <a:srgbClr val="000000"/>
                     </a:solidFill>
@@ -13097,7 +11370,7 @@
               </a:ln>
               <a:extLst>
                 <a:ext uri="{91240B29-F687-4f45-9708-019B960494DF}">
-                  <a14:hiddenLine xmlns:a14="http://schemas.microsoft.com/office/drawing/2010/main" xmlns="" w="9525">
+                  <a14:hiddenLine xmlns="" xmlns:a14="http://schemas.microsoft.com/office/drawing/2010/main" w="9525">
                     <a:solidFill>
                       <a:srgbClr val="000000"/>
                     </a:solidFill>
@@ -13162,7 +11435,7 @@
               </a:ln>
               <a:extLst>
                 <a:ext uri="{91240B29-F687-4f45-9708-019B960494DF}">
-                  <a14:hiddenLine xmlns:a14="http://schemas.microsoft.com/office/drawing/2010/main" xmlns="" w="9525">
+                  <a14:hiddenLine xmlns="" xmlns:a14="http://schemas.microsoft.com/office/drawing/2010/main" w="9525">
                     <a:solidFill>
                       <a:srgbClr val="000000"/>
                     </a:solidFill>
@@ -13282,7 +11555,7 @@
               </a:ln>
               <a:extLst>
                 <a:ext uri="{91240B29-F687-4f45-9708-019B960494DF}">
-                  <a14:hiddenLine xmlns:a14="http://schemas.microsoft.com/office/drawing/2010/main" xmlns="" w="9525">
+                  <a14:hiddenLine xmlns="" xmlns:a14="http://schemas.microsoft.com/office/drawing/2010/main" w="9525">
                     <a:solidFill>
                       <a:srgbClr val="000000"/>
                     </a:solidFill>
@@ -13363,7 +11636,7 @@
               </a:ln>
               <a:extLst>
                 <a:ext uri="{91240B29-F687-4f45-9708-019B960494DF}">
-                  <a14:hiddenLine xmlns:a14="http://schemas.microsoft.com/office/drawing/2010/main" xmlns="" w="9525">
+                  <a14:hiddenLine xmlns="" xmlns:a14="http://schemas.microsoft.com/office/drawing/2010/main" w="9525">
                     <a:solidFill>
                       <a:srgbClr val="000000"/>
                     </a:solidFill>
@@ -13478,7 +11751,7 @@
               </a:ln>
               <a:extLst>
                 <a:ext uri="{91240B29-F687-4f45-9708-019B960494DF}">
-                  <a14:hiddenLine xmlns:a14="http://schemas.microsoft.com/office/drawing/2010/main" xmlns="" w="9525">
+                  <a14:hiddenLine xmlns="" xmlns:a14="http://schemas.microsoft.com/office/drawing/2010/main" w="9525">
                     <a:solidFill>
                       <a:srgbClr val="000000"/>
                     </a:solidFill>
@@ -13568,7 +11841,7 @@
               </a:ln>
               <a:extLst>
                 <a:ext uri="{91240B29-F687-4f45-9708-019B960494DF}">
-                  <a14:hiddenLine xmlns:a14="http://schemas.microsoft.com/office/drawing/2010/main" xmlns="" w="9525">
+                  <a14:hiddenLine xmlns="" xmlns:a14="http://schemas.microsoft.com/office/drawing/2010/main" w="9525">
                     <a:solidFill>
                       <a:srgbClr val="000000"/>
                     </a:solidFill>
@@ -13633,7 +11906,7 @@
               </a:ln>
               <a:extLst>
                 <a:ext uri="{91240B29-F687-4f45-9708-019B960494DF}">
-                  <a14:hiddenLine xmlns:a14="http://schemas.microsoft.com/office/drawing/2010/main" xmlns="" w="9525">
+                  <a14:hiddenLine xmlns="" xmlns:a14="http://schemas.microsoft.com/office/drawing/2010/main" w="9525">
                     <a:solidFill>
                       <a:srgbClr val="000000"/>
                     </a:solidFill>
@@ -13723,7 +11996,7 @@
               </a:ln>
               <a:extLst>
                 <a:ext uri="{91240B29-F687-4f45-9708-019B960494DF}">
-                  <a14:hiddenLine xmlns:a14="http://schemas.microsoft.com/office/drawing/2010/main" xmlns="" w="9525">
+                  <a14:hiddenLine xmlns="" xmlns:a14="http://schemas.microsoft.com/office/drawing/2010/main" w="9525">
                     <a:solidFill>
                       <a:srgbClr val="000000"/>
                     </a:solidFill>
@@ -13791,7 +12064,7 @@
               </a:ln>
               <a:extLst>
                 <a:ext uri="{91240B29-F687-4f45-9708-019B960494DF}">
-                  <a14:hiddenLine xmlns:a14="http://schemas.microsoft.com/office/drawing/2010/main" xmlns="" w="9525">
+                  <a14:hiddenLine xmlns="" xmlns:a14="http://schemas.microsoft.com/office/drawing/2010/main" w="9525">
                     <a:solidFill>
                       <a:srgbClr val="000000"/>
                     </a:solidFill>
@@ -13881,7 +12154,7 @@
               </a:ln>
               <a:extLst>
                 <a:ext uri="{91240B29-F687-4f45-9708-019B960494DF}">
-                  <a14:hiddenLine xmlns:a14="http://schemas.microsoft.com/office/drawing/2010/main" xmlns="" w="9525">
+                  <a14:hiddenLine xmlns="" xmlns:a14="http://schemas.microsoft.com/office/drawing/2010/main" w="9525">
                     <a:solidFill>
                       <a:srgbClr val="000000"/>
                     </a:solidFill>
@@ -13949,7 +12222,7 @@
               </a:ln>
               <a:extLst>
                 <a:ext uri="{91240B29-F687-4f45-9708-019B960494DF}">
-                  <a14:hiddenLine xmlns:a14="http://schemas.microsoft.com/office/drawing/2010/main" xmlns="" w="9525">
+                  <a14:hiddenLine xmlns="" xmlns:a14="http://schemas.microsoft.com/office/drawing/2010/main" w="9525">
                     <a:solidFill>
                       <a:srgbClr val="000000"/>
                     </a:solidFill>
@@ -14039,7 +12312,7 @@
               </a:ln>
               <a:extLst>
                 <a:ext uri="{91240B29-F687-4f45-9708-019B960494DF}">
-                  <a14:hiddenLine xmlns:a14="http://schemas.microsoft.com/office/drawing/2010/main" xmlns="" w="9525">
+                  <a14:hiddenLine xmlns="" xmlns:a14="http://schemas.microsoft.com/office/drawing/2010/main" w="9525">
                     <a:solidFill>
                       <a:srgbClr val="000000"/>
                     </a:solidFill>
@@ -14073,7 +12346,7 @@
               </a:ln>
               <a:extLst>
                 <a:ext uri="{91240B29-F687-4f45-9708-019B960494DF}">
-                  <a14:hiddenLine xmlns:a14="http://schemas.microsoft.com/office/drawing/2010/main" xmlns="" w="9525">
+                  <a14:hiddenLine xmlns="" xmlns:a14="http://schemas.microsoft.com/office/drawing/2010/main" w="9525">
                     <a:solidFill>
                       <a:srgbClr val="000000"/>
                     </a:solidFill>
@@ -14212,7 +12485,7 @@
           <a:p>
             <a:fld id="{EC4347D3-4C9A-C240-8F14-750059DFEEB0}" type="datetimeFigureOut">
               <a:rPr lang="en-US" smtClean="0"/>
-              <a:t>4/22/2025</a:t>
+              <a:t>4/25/2025</a:t>
             </a:fld>
             <a:endParaRPr lang="en-US"/>
           </a:p>
@@ -19669,7 +17942,7 @@
         <p:spPr>
           <a:xfrm>
             <a:off x="7392951" y="5219518"/>
-            <a:ext cx="3654459" cy="369332"/>
+            <a:ext cx="3654459" cy="646331"/>
           </a:xfrm>
           <a:prstGeom prst="rect">
             <a:avLst/>
@@ -19677,14 +17950,14 @@
           <a:noFill/>
         </p:spPr>
         <p:txBody>
-          <a:bodyPr wrap="square" rtlCol="0">
+          <a:bodyPr wrap="square" lIns="91440" tIns="45720" rIns="91440" bIns="45720" rtlCol="0" anchor="t">
             <a:spAutoFit/>
           </a:bodyPr>
           <a:lstStyle/>
           <a:p>
             <a:r>
               <a:rPr lang="en-US"/>
-              <a:t>L = Strings that do not start with a 11</a:t>
+              <a:t>L = Strings with both 0 and 1 that do not start with a 11</a:t>
             </a:r>
           </a:p>
         </p:txBody>
@@ -19955,7 +18228,7 @@
         <p:spPr>
           <a:xfrm>
             <a:off x="1139304" y="2287421"/>
-            <a:ext cx="6057899" cy="2554545"/>
+            <a:ext cx="6057899" cy="3908762"/>
           </a:xfrm>
           <a:prstGeom prst="rect">
             <a:avLst/>
@@ -20032,7 +18305,82 @@
                 <a:latin typeface="TW Cen MT"/>
                 <a:cs typeface="Arial"/>
               </a:rPr>
-              <a:t>([q], a) =  [</a:t>
+              <a:t>(</a:t>
+            </a:r>
+            <a:r>
+              <a:rPr lang="en-US" sz="3200" i="1">
+                <a:solidFill>
+                  <a:srgbClr val="FFFF00"/>
+                </a:solidFill>
+                <a:highlight>
+                  <a:srgbClr val="008080"/>
+                </a:highlight>
+                <a:latin typeface="TW Cen MT"/>
+                <a:cs typeface="Arial"/>
+              </a:rPr>
+              <a:t>[q]</a:t>
+            </a:r>
+            <a:r>
+              <a:rPr lang="en-US" sz="3200" i="1">
+                <a:highlight>
+                  <a:srgbClr val="008080"/>
+                </a:highlight>
+                <a:latin typeface="TW Cen MT"/>
+                <a:cs typeface="Arial"/>
+              </a:rPr>
+              <a:t>, a) =  [</a:t>
+            </a:r>
+            <a:r>
+              <a:rPr lang="el-GR" sz="3200" i="1">
+                <a:solidFill>
+                  <a:srgbClr val="92D050"/>
+                </a:solidFill>
+                <a:highlight>
+                  <a:srgbClr val="008080"/>
+                </a:highlight>
+                <a:latin typeface="TW Cen MT"/>
+                <a:cs typeface="Arial"/>
+              </a:rPr>
+              <a:t>δ(</a:t>
+            </a:r>
+            <a:r>
+              <a:rPr lang="el-GR" sz="3200" i="1" err="1">
+                <a:solidFill>
+                  <a:srgbClr val="FFFF00"/>
+                </a:solidFill>
+                <a:highlight>
+                  <a:srgbClr val="008080"/>
+                </a:highlight>
+                <a:latin typeface="TW Cen MT"/>
+                <a:cs typeface="Arial"/>
+              </a:rPr>
+              <a:t>q</a:t>
+            </a:r>
+            <a:r>
+              <a:rPr lang="el-GR" sz="3200" i="1" err="1">
+                <a:solidFill>
+                  <a:srgbClr val="92D050"/>
+                </a:solidFill>
+                <a:highlight>
+                  <a:srgbClr val="008080"/>
+                </a:highlight>
+                <a:latin typeface="TW Cen MT"/>
+                <a:cs typeface="Arial"/>
+              </a:rPr>
+              <a:t>,a</a:t>
+            </a:r>
+            <a:r>
+              <a:rPr lang="el-GR" sz="3200" i="1">
+                <a:solidFill>
+                  <a:srgbClr val="92D050"/>
+                </a:solidFill>
+                <a:highlight>
+                  <a:srgbClr val="008080"/>
+                </a:highlight>
+                <a:latin typeface="TW Cen MT"/>
+                <a:cs typeface="Arial"/>
+              </a:rPr>
+              <a:t>)</a:t>
             </a:r>
             <a:r>
               <a:rPr lang="el-GR" sz="3200" i="1">
@@ -20042,27 +18390,7 @@
                 <a:latin typeface="TW Cen MT"/>
                 <a:cs typeface="Arial"/>
               </a:rPr>
-              <a:t>δ(</a:t>
-            </a:r>
-            <a:r>
-              <a:rPr lang="el-GR" sz="3200" i="1" err="1">
-                <a:highlight>
-                  <a:srgbClr val="008080"/>
-                </a:highlight>
-                <a:latin typeface="TW Cen MT"/>
-                <a:cs typeface="Arial"/>
-              </a:rPr>
-              <a:t>q,a</a:t>
-            </a:r>
-            <a:r>
-              <a:rPr lang="el-GR" sz="3200" i="1">
-                <a:highlight>
-                  <a:srgbClr val="008080"/>
-                </a:highlight>
-                <a:latin typeface="TW Cen MT"/>
-                <a:cs typeface="Arial"/>
-              </a:rPr>
-              <a:t>)]</a:t>
+              <a:t>]</a:t>
             </a:r>
             <a:endParaRPr lang="en-US" sz="3200" i="1">
               <a:solidFill>
@@ -20121,6 +18449,193 @@
               </a:rPr>
               <a:t> = {[q] for q in Q}</a:t>
             </a:r>
+          </a:p>
+          <a:p>
+            <a:endParaRPr lang="en-US" sz="3200" i="1">
+              <a:latin typeface="TW Cen MT"/>
+              <a:cs typeface="Arial"/>
+            </a:endParaRPr>
+          </a:p>
+          <a:p>
+            <a:r>
+              <a:rPr lang="el-GR" sz="2800" i="1">
+                <a:solidFill>
+                  <a:srgbClr val="008080"/>
+                </a:solidFill>
+                <a:latin typeface="TW Cen MT"/>
+                <a:cs typeface="Arial"/>
+              </a:rPr>
+              <a:t>δ</a:t>
+            </a:r>
+            <a:r>
+              <a:rPr lang="en-US" sz="2800" i="1" baseline="-25000">
+                <a:solidFill>
+                  <a:srgbClr val="008080"/>
+                </a:solidFill>
+                <a:latin typeface="TW Cen MT"/>
+                <a:cs typeface="Arial"/>
+              </a:rPr>
+              <a:t>min</a:t>
+            </a:r>
+            <a:r>
+              <a:rPr lang="en-US" sz="2800" i="1">
+                <a:solidFill>
+                  <a:srgbClr val="008080"/>
+                </a:solidFill>
+                <a:latin typeface="TW Cen MT"/>
+                <a:cs typeface="Arial"/>
+              </a:rPr>
+              <a:t>(</a:t>
+            </a:r>
+            <a:r>
+              <a:rPr lang="en-US" sz="2800" i="1">
+                <a:solidFill>
+                  <a:srgbClr val="FFFF00"/>
+                </a:solidFill>
+                <a:latin typeface="TW Cen MT"/>
+                <a:cs typeface="Arial"/>
+              </a:rPr>
+              <a:t>{1,3}</a:t>
+            </a:r>
+            <a:r>
+              <a:rPr lang="en-US" sz="2800" i="1">
+                <a:solidFill>
+                  <a:srgbClr val="008080"/>
+                </a:solidFill>
+                <a:latin typeface="TW Cen MT"/>
+                <a:cs typeface="Arial"/>
+              </a:rPr>
+              <a:t>, 0) =  [</a:t>
+            </a:r>
+            <a:r>
+              <a:rPr lang="el-GR" sz="2800" i="1">
+                <a:solidFill>
+                  <a:srgbClr val="92D050"/>
+                </a:solidFill>
+                <a:latin typeface="TW Cen MT"/>
+                <a:cs typeface="Arial"/>
+              </a:rPr>
+              <a:t>δ(</a:t>
+            </a:r>
+            <a:r>
+              <a:rPr lang="el-GR" sz="2800" i="1">
+                <a:solidFill>
+                  <a:srgbClr val="FFFF00"/>
+                </a:solidFill>
+                <a:latin typeface="TW Cen MT"/>
+                <a:cs typeface="Arial"/>
+              </a:rPr>
+              <a:t>1</a:t>
+            </a:r>
+            <a:r>
+              <a:rPr lang="el-GR" sz="2800" i="1">
+                <a:solidFill>
+                  <a:srgbClr val="92D050"/>
+                </a:solidFill>
+                <a:latin typeface="TW Cen MT"/>
+                <a:cs typeface="Arial"/>
+              </a:rPr>
+              <a:t>,0)</a:t>
+            </a:r>
+            <a:r>
+              <a:rPr lang="el-GR" sz="2800" i="1">
+                <a:solidFill>
+                  <a:srgbClr val="008080"/>
+                </a:solidFill>
+                <a:latin typeface="TW Cen MT"/>
+                <a:cs typeface="Arial"/>
+              </a:rPr>
+              <a:t>]</a:t>
+            </a:r>
+            <a:endParaRPr lang="en-US" sz="2800">
+              <a:solidFill>
+                <a:srgbClr val="008080"/>
+              </a:solidFill>
+            </a:endParaRPr>
+          </a:p>
+          <a:p>
+            <a:r>
+              <a:rPr lang="en-US" sz="2800" i="1">
+                <a:solidFill>
+                  <a:srgbClr val="008080"/>
+                </a:solidFill>
+                <a:cs typeface="Arial"/>
+              </a:rPr>
+              <a:t>= [</a:t>
+            </a:r>
+            <a:r>
+              <a:rPr lang="el-GR" sz="2800" i="1">
+                <a:solidFill>
+                  <a:srgbClr val="92D050"/>
+                </a:solidFill>
+                <a:cs typeface="Arial"/>
+              </a:rPr>
+              <a:t>δ(</a:t>
+            </a:r>
+            <a:r>
+              <a:rPr lang="el-GR" sz="2800" i="1">
+                <a:solidFill>
+                  <a:srgbClr val="FFFF00"/>
+                </a:solidFill>
+                <a:cs typeface="Arial"/>
+              </a:rPr>
+              <a:t>3</a:t>
+            </a:r>
+            <a:r>
+              <a:rPr lang="el-GR" sz="2800" i="1">
+                <a:solidFill>
+                  <a:srgbClr val="92D050"/>
+                </a:solidFill>
+                <a:cs typeface="Arial"/>
+              </a:rPr>
+              <a:t>,0)</a:t>
+            </a:r>
+            <a:r>
+              <a:rPr lang="el-GR" sz="2800" i="1">
+                <a:solidFill>
+                  <a:srgbClr val="008080"/>
+                </a:solidFill>
+                <a:cs typeface="Arial"/>
+              </a:rPr>
+              <a:t>] = [</a:t>
+            </a:r>
+            <a:r>
+              <a:rPr lang="el-GR" sz="2800" i="1">
+                <a:solidFill>
+                  <a:srgbClr val="92D050"/>
+                </a:solidFill>
+                <a:cs typeface="Arial"/>
+              </a:rPr>
+              <a:t>3</a:t>
+            </a:r>
+            <a:r>
+              <a:rPr lang="el-GR" sz="2800" i="1">
+                <a:solidFill>
+                  <a:srgbClr val="008080"/>
+                </a:solidFill>
+                <a:cs typeface="Arial"/>
+              </a:rPr>
+              <a:t>] = [</a:t>
+            </a:r>
+            <a:r>
+              <a:rPr lang="el-GR" sz="2800" i="1">
+                <a:solidFill>
+                  <a:srgbClr val="92D050"/>
+                </a:solidFill>
+                <a:cs typeface="Arial"/>
+              </a:rPr>
+              <a:t>1</a:t>
+            </a:r>
+            <a:r>
+              <a:rPr lang="el-GR" sz="2800" i="1">
+                <a:solidFill>
+                  <a:srgbClr val="008080"/>
+                </a:solidFill>
+                <a:cs typeface="Arial"/>
+              </a:rPr>
+              <a:t>] = {1,3}</a:t>
+            </a:r>
+            <a:endParaRPr lang="el-GR"/>
           </a:p>
           <a:p>
             <a:endParaRPr lang="en-US" sz="3200" i="1">
@@ -20706,6 +19221,58 @@
         <p:spPr>
           <a:xfrm rot="1140000">
             <a:off x="6691390" y="3619335"/>
+            <a:ext cx="648270" cy="637243"/>
+          </a:xfrm>
+          <a:prstGeom prst="ellipse">
+            <a:avLst/>
+          </a:prstGeom>
+          <a:noFill/>
+          <a:ln w="57150">
+            <a:solidFill>
+              <a:srgbClr val="008080"/>
+            </a:solidFill>
+          </a:ln>
+        </p:spPr>
+        <p:style>
+          <a:lnRef idx="2">
+            <a:schemeClr val="accent1">
+              <a:shade val="15000"/>
+            </a:schemeClr>
+          </a:lnRef>
+          <a:fillRef idx="1">
+            <a:schemeClr val="accent1"/>
+          </a:fillRef>
+          <a:effectRef idx="0">
+            <a:schemeClr val="accent1"/>
+          </a:effectRef>
+          <a:fontRef idx="minor">
+            <a:schemeClr val="lt1"/>
+          </a:fontRef>
+        </p:style>
+        <p:txBody>
+          <a:bodyPr rtlCol="0" anchor="ctr"/>
+          <a:lstStyle/>
+          <a:p>
+            <a:pPr algn="ctr"/>
+            <a:endParaRPr lang="en-US"/>
+          </a:p>
+        </p:txBody>
+      </p:sp>
+      <p:sp>
+        <p:nvSpPr>
+          <p:cNvPr id="2" name="Oval 1">
+            <a:extLst>
+              <a:ext uri="{FF2B5EF4-FFF2-40B4-BE49-F238E27FC236}">
+                <a16:creationId xmlns:a16="http://schemas.microsoft.com/office/drawing/2014/main" id="{F4BCFF4E-9F84-A9E4-D1FF-198E99C3D16A}"/>
+              </a:ext>
+            </a:extLst>
+          </p:cNvPr>
+          <p:cNvSpPr/>
+          <p:nvPr/>
+        </p:nvSpPr>
+        <p:spPr>
+          <a:xfrm rot="1140000">
+            <a:off x="7678770" y="3925208"/>
             <a:ext cx="648270" cy="637243"/>
           </a:xfrm>
           <a:prstGeom prst="ellipse">
@@ -23200,7 +21767,7 @@
         </p:nvSpPr>
         <p:spPr>
           <a:xfrm>
-            <a:off x="779075" y="2293594"/>
+            <a:off x="821937" y="1464919"/>
             <a:ext cx="2815937" cy="338554"/>
           </a:xfrm>
           <a:prstGeom prst="rect">
@@ -23247,7 +21814,7 @@
         </p:nvSpPr>
         <p:spPr>
           <a:xfrm>
-            <a:off x="3740483" y="2161681"/>
+            <a:off x="3783345" y="1333006"/>
             <a:ext cx="7813963" cy="584775"/>
           </a:xfrm>
           <a:prstGeom prst="rect">
@@ -23265,18 +21832,74 @@
           </a:ln>
         </p:spPr>
         <p:txBody>
-          <a:bodyPr wrap="square" rtlCol="0">
+          <a:bodyPr wrap="square" lIns="91440" tIns="45720" rIns="91440" bIns="45720" rtlCol="0" anchor="t">
             <a:spAutoFit/>
           </a:bodyPr>
           <a:lstStyle/>
           <a:p>
+            <a:r>
+              <a:rPr lang="en-US" sz="1600">
+                <a:solidFill>
+                  <a:sysClr val="windowText" lastClr="000000"/>
+                </a:solidFill>
+              </a:rPr>
+              <a:t>Two states</a:t>
+            </a:r>
             <a:r>
               <a:rPr lang="en-US" sz="1600" i="1">
                 <a:solidFill>
                   <a:sysClr val="windowText" lastClr="000000"/>
                 </a:solidFill>
               </a:rPr>
-              <a:t>Two states, p and q, are indistinguishable if, for every word w∈ </a:t>
+              <a:t>, p </a:t>
+            </a:r>
+            <a:r>
+              <a:rPr lang="en-US" sz="1600">
+                <a:solidFill>
+                  <a:sysClr val="windowText" lastClr="000000"/>
+                </a:solidFill>
+              </a:rPr>
+              <a:t>and </a:t>
+            </a:r>
+            <a:r>
+              <a:rPr lang="en-US" sz="1600" i="1">
+                <a:solidFill>
+                  <a:sysClr val="windowText" lastClr="000000"/>
+                </a:solidFill>
+              </a:rPr>
+              <a:t>q,</a:t>
+            </a:r>
+            <a:r>
+              <a:rPr lang="en-US" sz="1600">
+                <a:solidFill>
+                  <a:sysClr val="windowText" lastClr="000000"/>
+                </a:solidFill>
+              </a:rPr>
+              <a:t> are </a:t>
+            </a:r>
+            <a:r>
+              <a:rPr lang="en-US" sz="1600" i="1">
+                <a:solidFill>
+                  <a:sysClr val="windowText" lastClr="000000"/>
+                </a:solidFill>
+              </a:rPr>
+              <a:t>indistinguishable </a:t>
+            </a:r>
+            <a:r>
+              <a:rPr lang="en-US" sz="1600">
+                <a:solidFill>
+                  <a:sysClr val="windowText" lastClr="000000"/>
+                </a:solidFill>
+              </a:rPr>
+              <a:t>if, for every word</a:t>
+            </a:r>
+            <a:r>
+              <a:rPr lang="en-US" sz="1600" i="1">
+                <a:solidFill>
+                  <a:sysClr val="windowText" lastClr="000000"/>
+                </a:solidFill>
+              </a:rPr>
+              <a:t> w∈ </a:t>
             </a:r>
             <a:r>
               <a:rPr lang="el-GR" sz="1600" i="1">
@@ -23287,12 +21910,44 @@
               <a:t>Σ*, </a:t>
             </a:r>
             <a:r>
+              <a:rPr lang="en-US" sz="1600">
+                <a:solidFill>
+                  <a:sysClr val="windowText" lastClr="000000"/>
+                </a:solidFill>
+              </a:rPr>
+              <a:t>the DFA either accepts both from</a:t>
+            </a:r>
+            <a:r>
               <a:rPr lang="en-US" sz="1600" i="1">
                 <a:solidFill>
                   <a:sysClr val="windowText" lastClr="000000"/>
                 </a:solidFill>
               </a:rPr>
-              <a:t>the DFA either accepts both from p and q or rejects both. Thus, they can be merged.</a:t>
+              <a:t> p </a:t>
+            </a:r>
+            <a:r>
+              <a:rPr lang="en-US" sz="1600">
+                <a:solidFill>
+                  <a:sysClr val="windowText" lastClr="000000"/>
+                </a:solidFill>
+              </a:rPr>
+              <a:t>and </a:t>
+            </a:r>
+            <a:r>
+              <a:rPr lang="en-US" sz="1600" i="1">
+                <a:solidFill>
+                  <a:sysClr val="windowText" lastClr="000000"/>
+                </a:solidFill>
+              </a:rPr>
+              <a:t>q </a:t>
+            </a:r>
+            <a:r>
+              <a:rPr lang="en-US" sz="1600">
+                <a:solidFill>
+                  <a:sysClr val="windowText" lastClr="000000"/>
+                </a:solidFill>
+              </a:rPr>
+              <a:t>or rejects both. Thus, they can be merged.</a:t>
             </a:r>
           </a:p>
         </p:txBody>
@@ -23311,7 +21966,7 @@
         </p:nvSpPr>
         <p:spPr>
           <a:xfrm>
-            <a:off x="779075" y="4590282"/>
+            <a:off x="821937" y="3761607"/>
             <a:ext cx="2815937" cy="338554"/>
           </a:xfrm>
           <a:prstGeom prst="rect">
@@ -23354,7 +22009,7 @@
         </p:nvSpPr>
         <p:spPr>
           <a:xfrm>
-            <a:off x="3740482" y="4583162"/>
+            <a:off x="3783344" y="3754487"/>
             <a:ext cx="7813963" cy="338554"/>
           </a:xfrm>
           <a:prstGeom prst="rect">
@@ -23402,7 +22057,7 @@
         </p:nvSpPr>
         <p:spPr>
           <a:xfrm>
-            <a:off x="779075" y="3091152"/>
+            <a:off x="821937" y="2262477"/>
             <a:ext cx="2815937" cy="338554"/>
           </a:xfrm>
           <a:prstGeom prst="rect">
@@ -23445,7 +22100,7 @@
         </p:nvSpPr>
         <p:spPr>
           <a:xfrm>
-            <a:off x="3740483" y="3073981"/>
+            <a:off x="3783345" y="2245306"/>
             <a:ext cx="7813963" cy="338554"/>
           </a:xfrm>
           <a:prstGeom prst="rect">
@@ -23534,7 +22189,7 @@
         </p:nvSpPr>
         <p:spPr>
           <a:xfrm>
-            <a:off x="779075" y="3822763"/>
+            <a:off x="821937" y="2994088"/>
             <a:ext cx="2815937" cy="338554"/>
           </a:xfrm>
           <a:prstGeom prst="rect">
@@ -23577,7 +22232,7 @@
         </p:nvSpPr>
         <p:spPr>
           <a:xfrm>
-            <a:off x="3740485" y="3822763"/>
+            <a:off x="3783347" y="2994088"/>
             <a:ext cx="7813963" cy="338554"/>
           </a:xfrm>
           <a:prstGeom prst="rect">
@@ -23620,6 +22275,227 @@
               <a:solidFill>
                 <a:schemeClr val="bg1"/>
               </a:solidFill>
+            </a:endParaRPr>
+          </a:p>
+        </p:txBody>
+      </p:sp>
+      <p:pic>
+        <p:nvPicPr>
+          <p:cNvPr id="8" name="Picture 2" descr="A diagram of a diagram&#10;&#10;AI-generated content may be incorrect.">
+            <a:extLst>
+              <a:ext uri="{FF2B5EF4-FFF2-40B4-BE49-F238E27FC236}">
+                <a16:creationId xmlns:a16="http://schemas.microsoft.com/office/drawing/2014/main" id="{4807BECD-F6DC-4187-066A-25A92F1F0AF2}"/>
+              </a:ext>
+            </a:extLst>
+          </p:cNvPr>
+          <p:cNvPicPr>
+            <a:picLocks noChangeAspect="1" noChangeArrowheads="1"/>
+          </p:cNvPicPr>
+          <p:nvPr/>
+        </p:nvPicPr>
+        <p:blipFill>
+          <a:blip r:embed="rId2">
+            <a:extLst>
+              <a:ext uri="{28A0092B-C50C-407E-A947-70E740481C1C}">
+                <a14:useLocalDpi xmlns:a14="http://schemas.microsoft.com/office/drawing/2010/main" val="0"/>
+              </a:ext>
+            </a:extLst>
+          </a:blip>
+          <a:srcRect/>
+          <a:stretch>
+            <a:fillRect/>
+          </a:stretch>
+        </p:blipFill>
+        <p:spPr bwMode="auto">
+          <a:xfrm>
+            <a:off x="7375524" y="4417016"/>
+            <a:ext cx="2843770" cy="2209467"/>
+          </a:xfrm>
+          <a:prstGeom prst="rect">
+            <a:avLst/>
+          </a:prstGeom>
+          <a:noFill/>
+          <a:extLst>
+            <a:ext uri="{909E8E84-426E-40DD-AFC4-6F175D3DCCD1}">
+              <a14:hiddenFill xmlns:a14="http://schemas.microsoft.com/office/drawing/2010/main">
+                <a:solidFill>
+                  <a:srgbClr val="FFFFFF"/>
+                </a:solidFill>
+              </a14:hiddenFill>
+            </a:ext>
+          </a:extLst>
+        </p:spPr>
+      </p:pic>
+      <p:sp>
+        <p:nvSpPr>
+          <p:cNvPr id="13" name="TextBox 12">
+            <a:extLst>
+              <a:ext uri="{FF2B5EF4-FFF2-40B4-BE49-F238E27FC236}">
+                <a16:creationId xmlns:a16="http://schemas.microsoft.com/office/drawing/2014/main" id="{0485A456-A8FF-DF97-CE02-6DA25B2632F4}"/>
+              </a:ext>
+            </a:extLst>
+          </p:cNvPr>
+          <p:cNvSpPr txBox="1"/>
+          <p:nvPr/>
+        </p:nvSpPr>
+        <p:spPr>
+          <a:xfrm>
+            <a:off x="823912" y="4595813"/>
+            <a:ext cx="5600700" cy="1938992"/>
+          </a:xfrm>
+          <a:prstGeom prst="rect">
+            <a:avLst/>
+          </a:prstGeom>
+          <a:noFill/>
+        </p:spPr>
+        <p:txBody>
+          <a:bodyPr rot="0" spcFirstLastPara="0" vertOverflow="overflow" horzOverflow="overflow" vert="horz" wrap="square" lIns="91440" tIns="45720" rIns="91440" bIns="45720" numCol="1" spcCol="0" rtlCol="0" fromWordArt="0" anchor="t" anchorCtr="0" forceAA="0" compatLnSpc="1">
+            <a:prstTxWarp prst="textNoShape">
+              <a:avLst/>
+            </a:prstTxWarp>
+            <a:spAutoFit/>
+          </a:bodyPr>
+          <a:lstStyle/>
+          <a:p>
+            <a:r>
+              <a:rPr lang="en-US" sz="2400" i="1">
+                <a:solidFill>
+                  <a:srgbClr val="FFFF00"/>
+                </a:solidFill>
+              </a:rPr>
+              <a:t>q2, </a:t>
+            </a:r>
+            <a:r>
+              <a:rPr lang="en-US" sz="2400">
+                <a:solidFill>
+                  <a:srgbClr val="FFFF00"/>
+                </a:solidFill>
+                <a:ea typeface="+mn-lt"/>
+                <a:cs typeface="+mn-lt"/>
+              </a:rPr>
+              <a:t>ε → ✅ q3, </a:t>
+            </a:r>
+            <a:r>
+              <a:rPr lang="en-US" sz="2400">
+                <a:solidFill>
+                  <a:srgbClr val="FFFF00"/>
+                </a:solidFill>
+                <a:latin typeface="TW Cen MT"/>
+                <a:ea typeface="+mn-lt"/>
+                <a:cs typeface="+mn-lt"/>
+              </a:rPr>
+              <a:t>ε → ❌     </a:t>
+            </a:r>
+            <a:r>
+              <a:rPr lang="en-US" sz="2400">
+                <a:solidFill>
+                  <a:srgbClr val="FFFF00"/>
+                </a:solidFill>
+                <a:ea typeface="+mn-lt"/>
+                <a:cs typeface="+mn-lt"/>
+              </a:rPr>
+              <a:t>⇒ q2 ≁ q3</a:t>
+            </a:r>
+          </a:p>
+          <a:p>
+            <a:r>
+              <a:rPr lang="en-US" sz="2400">
+                <a:solidFill>
+                  <a:srgbClr val="FFFF00"/>
+                </a:solidFill>
+                <a:latin typeface="Tw Cen MT"/>
+                <a:ea typeface="+mn-lt"/>
+                <a:cs typeface="+mn-lt"/>
+              </a:rPr>
+              <a:t>q0, b </a:t>
+            </a:r>
+            <a:r>
+              <a:rPr lang="en-US" sz="2400">
+                <a:solidFill>
+                  <a:srgbClr val="FFFF00"/>
+                </a:solidFill>
+                <a:latin typeface="TW Cen MT"/>
+                <a:ea typeface="+mn-lt"/>
+                <a:cs typeface="+mn-lt"/>
+              </a:rPr>
+              <a:t>→ ❌ q1, b → ✅    ⇒ q0 ≁ q1</a:t>
+            </a:r>
+            <a:endParaRPr lang="en-US" sz="2400">
+              <a:solidFill>
+                <a:srgbClr val="000000"/>
+              </a:solidFill>
+              <a:latin typeface="TW Cen MT"/>
+              <a:ea typeface="+mn-lt"/>
+              <a:cs typeface="+mn-lt"/>
+            </a:endParaRPr>
+          </a:p>
+          <a:p>
+            <a:r>
+              <a:rPr lang="en-US" sz="2400">
+                <a:solidFill>
+                  <a:srgbClr val="FFFF00"/>
+                </a:solidFill>
+                <a:latin typeface="TW Cen MT"/>
+                <a:ea typeface="+mn-lt"/>
+                <a:cs typeface="+mn-lt"/>
+              </a:rPr>
+              <a:t>q0, a → q1 q3, a → q1</a:t>
+            </a:r>
+          </a:p>
+          <a:p>
+            <a:r>
+              <a:rPr lang="en-US" sz="2400">
+                <a:solidFill>
+                  <a:srgbClr val="FFFF00"/>
+                </a:solidFill>
+                <a:latin typeface="TW Cen MT"/>
+              </a:rPr>
+              <a:t>q0, b → q0 q3, b → q0</a:t>
+            </a:r>
+            <a:endParaRPr lang="en-US" sz="2400">
+              <a:solidFill>
+                <a:srgbClr val="000000"/>
+              </a:solidFill>
+              <a:latin typeface="TW Cen MT"/>
+            </a:endParaRPr>
+          </a:p>
+          <a:p>
+            <a:r>
+              <a:rPr lang="en-US" sz="2400">
+                <a:solidFill>
+                  <a:srgbClr val="FFFF00"/>
+                </a:solidFill>
+                <a:latin typeface="Tw Cen MT"/>
+              </a:rPr>
+              <a:t>Any word starts with a or b </a:t>
+            </a:r>
+            <a:r>
+              <a:rPr lang="en-US" sz="2400">
+                <a:solidFill>
+                  <a:srgbClr val="FFFF00"/>
+                </a:solidFill>
+                <a:latin typeface="Tw Cen MT"/>
+                <a:ea typeface="+mn-lt"/>
+                <a:cs typeface="+mn-lt"/>
+              </a:rPr>
+              <a:t>  </a:t>
+            </a:r>
+            <a:r>
+              <a:rPr lang="en-US" sz="2400">
+                <a:solidFill>
+                  <a:srgbClr val="FFFF00"/>
+                </a:solidFill>
+                <a:latin typeface="TW Cen MT"/>
+                <a:ea typeface="+mn-lt"/>
+                <a:cs typeface="+mn-lt"/>
+              </a:rPr>
+              <a:t>⇒ q0 ~ q3</a:t>
+            </a:r>
+            <a:endParaRPr lang="en-US" sz="2400">
+              <a:solidFill>
+                <a:srgbClr val="FFFF00"/>
+              </a:solidFill>
+              <a:latin typeface="Tw Cen MT"/>
             </a:endParaRPr>
           </a:p>
         </p:txBody>
@@ -25387,30 +24263,35 @@
           </a:p>
           <a:p>
             <a:pPr marL="342900" indent="-342900">
-              <a:buFont typeface="+mj-lt"/>
               <a:buAutoNum type="arabicPeriod"/>
             </a:pPr>
             <a:r>
-              <a:rPr lang="en-US" sz="1600" b="1"/>
+              <a:rPr lang="en-US" sz="1600" b="1">
+                <a:ea typeface="+mn-lt"/>
+                <a:cs typeface="+mn-lt"/>
+              </a:rPr>
               <a:t>Start with two blocks: accepting vs. non-accepting states</a:t>
             </a:r>
+            <a:endParaRPr lang="en-US" sz="1600" b="1"/>
           </a:p>
           <a:p>
             <a:pPr marL="342900" indent="-342900">
-              <a:buFont typeface="+mj-lt"/>
               <a:buAutoNum type="arabicPeriod"/>
             </a:pPr>
             <a:endParaRPr lang="en-US" sz="1600" b="1"/>
           </a:p>
           <a:p>
             <a:pPr marL="342900" indent="-342900">
-              <a:buFont typeface="+mj-lt"/>
               <a:buAutoNum type="arabicPeriod"/>
             </a:pPr>
             <a:r>
-              <a:rPr lang="en-US" sz="1600" b="1"/>
+              <a:rPr lang="en-US" sz="1600" b="1">
+                <a:ea typeface="+mn-lt"/>
+                <a:cs typeface="+mn-lt"/>
+              </a:rPr>
               <a:t>Use a queue, W, to track which blocks might cause further splits</a:t>
             </a:r>
+            <a:endParaRPr lang="en-US"/>
           </a:p>
           <a:p>
             <a:pPr marL="342900" indent="-342900">
